--- a/4th_year/Slides/8_information-extraction.pptx
+++ b/4th_year/Slides/8_information-extraction.pptx
@@ -5,10 +5,10 @@
     <p:sldMasterId id="2147483660" r:id="rId1"/>
   </p:sldMasterIdLst>
   <p:notesMasterIdLst>
-    <p:notesMasterId r:id="rId29"/>
+    <p:notesMasterId r:id="rId35"/>
   </p:notesMasterIdLst>
   <p:handoutMasterIdLst>
-    <p:handoutMasterId r:id="rId30"/>
+    <p:handoutMasterId r:id="rId36"/>
   </p:handoutMasterIdLst>
   <p:sldIdLst>
     <p:sldId id="256" r:id="rId2"/>
@@ -27,17 +27,23 @@
     <p:sldId id="322" r:id="rId15"/>
     <p:sldId id="323" r:id="rId16"/>
     <p:sldId id="324" r:id="rId17"/>
-    <p:sldId id="302" r:id="rId18"/>
-    <p:sldId id="303" r:id="rId19"/>
-    <p:sldId id="312" r:id="rId20"/>
-    <p:sldId id="307" r:id="rId21"/>
-    <p:sldId id="308" r:id="rId22"/>
-    <p:sldId id="309" r:id="rId23"/>
-    <p:sldId id="318" r:id="rId24"/>
-    <p:sldId id="320" r:id="rId25"/>
-    <p:sldId id="310" r:id="rId26"/>
-    <p:sldId id="319" r:id="rId27"/>
-    <p:sldId id="287" r:id="rId28"/>
+    <p:sldId id="327" r:id="rId18"/>
+    <p:sldId id="302" r:id="rId19"/>
+    <p:sldId id="303" r:id="rId20"/>
+    <p:sldId id="304" r:id="rId21"/>
+    <p:sldId id="305" r:id="rId22"/>
+    <p:sldId id="306" r:id="rId23"/>
+    <p:sldId id="312" r:id="rId24"/>
+    <p:sldId id="325" r:id="rId25"/>
+    <p:sldId id="307" r:id="rId26"/>
+    <p:sldId id="308" r:id="rId27"/>
+    <p:sldId id="309" r:id="rId28"/>
+    <p:sldId id="318" r:id="rId29"/>
+    <p:sldId id="326" r:id="rId30"/>
+    <p:sldId id="320" r:id="rId31"/>
+    <p:sldId id="310" r:id="rId32"/>
+    <p:sldId id="319" r:id="rId33"/>
+    <p:sldId id="287" r:id="rId34"/>
   </p:sldIdLst>
   <p:sldSz cx="9144000" cy="6858000" type="screen4x3"/>
   <p:notesSz cx="6858000" cy="9144000"/>
@@ -169,13 +175,19 @@
         </p14:section>
         <p14:section name="Question answering" id="{3FCCD28C-1E55-4744-B94D-D638EF44522B}">
           <p14:sldIdLst>
+            <p14:sldId id="327"/>
             <p14:sldId id="302"/>
             <p14:sldId id="303"/>
+            <p14:sldId id="304"/>
+            <p14:sldId id="305"/>
+            <p14:sldId id="306"/>
             <p14:sldId id="312"/>
+            <p14:sldId id="325"/>
             <p14:sldId id="307"/>
             <p14:sldId id="308"/>
             <p14:sldId id="309"/>
             <p14:sldId id="318"/>
+            <p14:sldId id="326"/>
             <p14:sldId id="320"/>
             <p14:sldId id="310"/>
             <p14:sldId id="319"/>
@@ -3138,7 +3150,7 @@
           <a:p>
             <a:fld id="{FFFFC84B-3D85-6C41-A6B8-B4414FE774B1}" type="datetimeFigureOut">
               <a:rPr lang="ru-RU" smtClean="0"/>
-              <a:t>11.12.2020</a:t>
+              <a:t>17.12.2020</a:t>
             </a:fld>
             <a:endParaRPr lang="ru-RU"/>
           </a:p>
@@ -3304,7 +3316,7 @@
           <a:p>
             <a:fld id="{F13716B1-732F-724E-A7CA-7EEA59C7677F}" type="datetimeFigureOut">
               <a:rPr lang="ru-RU" smtClean="0"/>
-              <a:t>11.12.2020</a:t>
+              <a:t>17.12.2020</a:t>
             </a:fld>
             <a:endParaRPr lang="ru-RU"/>
           </a:p>
@@ -4009,7 +4021,7 @@
           <a:p>
             <a:fld id="{1BD29B5A-6FA8-1944-AA09-C15FC1C1D3F4}" type="datetime1">
               <a:rPr lang="ru-RU" smtClean="0"/>
-              <a:t>11.12.2020</a:t>
+              <a:t>17.12.2020</a:t>
             </a:fld>
             <a:endParaRPr lang="en-US"/>
           </a:p>
@@ -4648,7 +4660,7 @@
           <a:p>
             <a:fld id="{F2FC5981-F633-F348-AD61-7B45C71F3E85}" type="datetime1">
               <a:rPr lang="ru-RU" smtClean="0"/>
-              <a:t>11.12.2020</a:t>
+              <a:t>17.12.2020</a:t>
             </a:fld>
             <a:endParaRPr lang="en-US"/>
           </a:p>
@@ -5220,7 +5232,7 @@
           <a:p>
             <a:fld id="{6FFD786A-2766-434F-838B-70C1C90B5D16}" type="datetime1">
               <a:rPr lang="ru-RU" smtClean="0"/>
-              <a:t>11.12.2020</a:t>
+              <a:t>17.12.2020</a:t>
             </a:fld>
             <a:endParaRPr lang="en-US"/>
           </a:p>
@@ -5754,7 +5766,7 @@
           <a:p>
             <a:fld id="{219A4372-FACA-7E4C-A5AE-21327F1AE80E}" type="datetime1">
               <a:rPr lang="ru-RU" smtClean="0"/>
-              <a:t>11.12.2020</a:t>
+              <a:t>17.12.2020</a:t>
             </a:fld>
             <a:endParaRPr lang="en-US"/>
           </a:p>
@@ -6184,7 +6196,7 @@
           <a:p>
             <a:fld id="{E7B5BAFD-5FFD-9943-A6D9-C73E16B0CF16}" type="datetime1">
               <a:rPr lang="ru-RU" smtClean="0"/>
-              <a:t>11.12.2020</a:t>
+              <a:t>17.12.2020</a:t>
             </a:fld>
             <a:endParaRPr lang="en-US"/>
           </a:p>
@@ -6645,7 +6657,7 @@
           <a:p>
             <a:fld id="{BC572BD1-4709-774A-89D6-8CE2CC57B254}" type="datetime1">
               <a:rPr lang="ru-RU" smtClean="0"/>
-              <a:t>11.12.2020</a:t>
+              <a:t>17.12.2020</a:t>
             </a:fld>
             <a:endParaRPr lang="en-US"/>
           </a:p>
@@ -7075,7 +7087,7 @@
           <a:p>
             <a:fld id="{8FECC34A-0083-CB4F-A689-7874457D3ACA}" type="datetime1">
               <a:rPr lang="ru-RU" smtClean="0"/>
-              <a:t>11.12.2020</a:t>
+              <a:t>17.12.2020</a:t>
             </a:fld>
             <a:endParaRPr lang="en-US"/>
           </a:p>
@@ -7549,7 +7561,7 @@
           <a:p>
             <a:fld id="{E7CDB9D1-567A-1142-B4B5-240469426B94}" type="datetime1">
               <a:rPr lang="ru-RU" smtClean="0"/>
-              <a:t>11.12.2020</a:t>
+              <a:t>17.12.2020</a:t>
             </a:fld>
             <a:endParaRPr lang="en-US"/>
           </a:p>
@@ -7999,7 +8011,7 @@
           <a:p>
             <a:fld id="{EDB4058E-86B3-C342-9B3C-0A119089C657}" type="datetime1">
               <a:rPr lang="ru-RU" smtClean="0"/>
-              <a:t>11.12.2020</a:t>
+              <a:t>17.12.2020</a:t>
             </a:fld>
             <a:endParaRPr lang="en-US"/>
           </a:p>
@@ -8519,7 +8531,7 @@
           <a:p>
             <a:fld id="{6D121555-D9A8-204A-BF89-CA3ABD3E8C1B}" type="datetime1">
               <a:rPr lang="ru-RU" smtClean="0"/>
-              <a:t>11.12.2020</a:t>
+              <a:t>17.12.2020</a:t>
             </a:fld>
             <a:endParaRPr lang="en-US"/>
           </a:p>
@@ -9295,7 +9307,7 @@
           <a:p>
             <a:fld id="{36A109C3-556C-0C47-9F31-A86A6A8AD1C2}" type="datetime1">
               <a:rPr lang="ru-RU" smtClean="0"/>
-              <a:t>11.12.2020</a:t>
+              <a:t>17.12.2020</a:t>
             </a:fld>
             <a:endParaRPr lang="en-US"/>
           </a:p>
@@ -9641,7 +9653,7 @@
           <a:p>
             <a:fld id="{28EDD308-17E7-C441-9B31-E79F70629A6B}" type="datetime1">
               <a:rPr lang="ru-RU" smtClean="0"/>
-              <a:t>11.12.2020</a:t>
+              <a:t>17.12.2020</a:t>
             </a:fld>
             <a:endParaRPr lang="en-US"/>
           </a:p>
@@ -9910,7 +9922,7 @@
           <a:p>
             <a:fld id="{DCAA0E54-BF3A-7641-B831-A2A6C76295EB}" type="datetime1">
               <a:rPr lang="ru-RU" smtClean="0"/>
-              <a:t>11.12.2020</a:t>
+              <a:t>17.12.2020</a:t>
             </a:fld>
             <a:endParaRPr lang="en-US"/>
           </a:p>
@@ -10495,7 +10507,7 @@
           <a:p>
             <a:fld id="{6B72F7C5-D193-F942-884E-11273B3099B3}" type="datetime1">
               <a:rPr lang="ru-RU" smtClean="0"/>
-              <a:t>11.12.2020</a:t>
+              <a:t>17.12.2020</a:t>
             </a:fld>
             <a:endParaRPr lang="en-US"/>
           </a:p>
@@ -10733,7 +10745,7 @@
           <a:p>
             <a:fld id="{581EF739-069F-D042-A101-DAD394F2F4A6}" type="datetime1">
               <a:rPr lang="ru-RU" smtClean="0"/>
-              <a:t>11.12.2020</a:t>
+              <a:t>17.12.2020</a:t>
             </a:fld>
             <a:endParaRPr lang="en-US"/>
           </a:p>
@@ -13454,6 +13466,126 @@
           <p:cNvPr id="2" name="Заголовок 1">
             <a:extLst>
               <a:ext uri="{FF2B5EF4-FFF2-40B4-BE49-F238E27FC236}">
+                <a16:creationId xmlns:a16="http://schemas.microsoft.com/office/drawing/2014/main" id="{0B15C57B-ADFB-F845-9D87-122667B72AD7}"/>
+              </a:ext>
+            </a:extLst>
+          </p:cNvPr>
+          <p:cNvSpPr>
+            <a:spLocks noGrp="1"/>
+          </p:cNvSpPr>
+          <p:nvPr>
+            <p:ph type="ctrTitle"/>
+          </p:nvPr>
+        </p:nvSpPr>
+        <p:spPr/>
+        <p:txBody>
+          <a:bodyPr/>
+          <a:lstStyle/>
+          <a:p>
+            <a:r>
+              <a:rPr lang="en-US" dirty="0"/>
+              <a:t>Question Answering</a:t>
+            </a:r>
+            <a:endParaRPr lang="ru-RU" dirty="0"/>
+          </a:p>
+        </p:txBody>
+      </p:sp>
+      <p:sp>
+        <p:nvSpPr>
+          <p:cNvPr id="3" name="Подзаголовок 2">
+            <a:extLst>
+              <a:ext uri="{FF2B5EF4-FFF2-40B4-BE49-F238E27FC236}">
+                <a16:creationId xmlns:a16="http://schemas.microsoft.com/office/drawing/2014/main" id="{1890B544-0F81-E240-B9E5-D08249B85497}"/>
+              </a:ext>
+            </a:extLst>
+          </p:cNvPr>
+          <p:cNvSpPr>
+            <a:spLocks noGrp="1"/>
+          </p:cNvSpPr>
+          <p:nvPr>
+            <p:ph type="subTitle" idx="1"/>
+          </p:nvPr>
+        </p:nvSpPr>
+        <p:spPr>
+          <a:xfrm>
+            <a:off x="914400" y="3429000"/>
+            <a:ext cx="7342188" cy="2613454"/>
+          </a:xfrm>
+        </p:spPr>
+        <p:txBody>
+          <a:bodyPr>
+            <a:normAutofit/>
+          </a:bodyPr>
+          <a:lstStyle/>
+          <a:p>
+            <a:r>
+              <a:rPr lang="ru-RU" dirty="0"/>
+              <a:t>Екатерина Владимировна </a:t>
+            </a:r>
+            <a:r>
+              <a:rPr lang="ru-RU" dirty="0" err="1"/>
+              <a:t>Еникеева</a:t>
+            </a:r>
+            <a:endParaRPr lang="ru-RU" dirty="0"/>
+          </a:p>
+          <a:p>
+            <a:endParaRPr lang="ru-RU" dirty="0"/>
+          </a:p>
+          <a:p>
+            <a:endParaRPr lang="ru-RU" dirty="0"/>
+          </a:p>
+          <a:p>
+            <a:endParaRPr lang="ru-RU" dirty="0"/>
+          </a:p>
+          <a:p>
+            <a:endParaRPr lang="ru-RU" dirty="0"/>
+          </a:p>
+          <a:p>
+            <a:endParaRPr lang="ru-RU" dirty="0"/>
+          </a:p>
+          <a:p>
+            <a:r>
+              <a:rPr lang="ru-RU" dirty="0"/>
+              <a:t>2020</a:t>
+            </a:r>
+          </a:p>
+        </p:txBody>
+      </p:sp>
+    </p:spTree>
+    <p:extLst>
+      <p:ext uri="{BB962C8B-B14F-4D97-AF65-F5344CB8AC3E}">
+        <p14:creationId xmlns:p14="http://schemas.microsoft.com/office/powerpoint/2010/main" val="3095481470"/>
+      </p:ext>
+    </p:extLst>
+  </p:cSld>
+  <p:clrMapOvr>
+    <a:masterClrMapping/>
+  </p:clrMapOvr>
+</p:sld>
+</file>
+
+<file path=ppt/slides/slide18.xml><?xml version="1.0" encoding="utf-8"?>
+<p:sld xmlns:a="http://schemas.openxmlformats.org/drawingml/2006/main" xmlns:r="http://schemas.openxmlformats.org/officeDocument/2006/relationships" xmlns:p="http://schemas.openxmlformats.org/presentationml/2006/main">
+  <p:cSld>
+    <p:spTree>
+      <p:nvGrpSpPr>
+        <p:cNvPr id="1" name=""/>
+        <p:cNvGrpSpPr/>
+        <p:nvPr/>
+      </p:nvGrpSpPr>
+      <p:grpSpPr>
+        <a:xfrm>
+          <a:off x="0" y="0"/>
+          <a:ext cx="0" cy="0"/>
+          <a:chOff x="0" y="0"/>
+          <a:chExt cx="0" cy="0"/>
+        </a:xfrm>
+      </p:grpSpPr>
+      <p:sp>
+        <p:nvSpPr>
+          <p:cNvPr id="2" name="Заголовок 1">
+            <a:extLst>
+              <a:ext uri="{FF2B5EF4-FFF2-40B4-BE49-F238E27FC236}">
                 <a16:creationId xmlns:a16="http://schemas.microsoft.com/office/drawing/2014/main" id="{E40D30B5-8195-C142-8C4E-0DF87AFB2CFE}"/>
               </a:ext>
             </a:extLst>
@@ -13594,7 +13726,7 @@
           <a:p>
             <a:fld id="{CFE4BAC9-6D41-4691-9299-18EF07EF0177}" type="slidenum">
               <a:rPr lang="en-US" smtClean="0"/>
-              <a:t>16</a:t>
+              <a:t>17</a:t>
             </a:fld>
             <a:endParaRPr lang="en-US"/>
           </a:p>
@@ -13613,7 +13745,7 @@
 </p:sld>
 </file>
 
-<file path=ppt/slides/slide18.xml><?xml version="1.0" encoding="utf-8"?>
+<file path=ppt/slides/slide19.xml><?xml version="1.0" encoding="utf-8"?>
 <p:sld xmlns:a="http://schemas.openxmlformats.org/drawingml/2006/main" xmlns:r="http://schemas.openxmlformats.org/officeDocument/2006/relationships" xmlns:p="http://schemas.openxmlformats.org/presentationml/2006/main">
   <p:cSld>
     <p:spTree>
@@ -13757,7 +13889,7 @@
           <a:p>
             <a:fld id="{CFE4BAC9-6D41-4691-9299-18EF07EF0177}" type="slidenum">
               <a:rPr lang="en-US" smtClean="0"/>
-              <a:t>17</a:t>
+              <a:t>18</a:t>
             </a:fld>
             <a:endParaRPr lang="en-US"/>
           </a:p>
@@ -13797,153 +13929,6 @@
     <p:extLst>
       <p:ext uri="{BB962C8B-B14F-4D97-AF65-F5344CB8AC3E}">
         <p14:creationId xmlns:p14="http://schemas.microsoft.com/office/powerpoint/2010/main" val="261743465"/>
-      </p:ext>
-    </p:extLst>
-  </p:cSld>
-  <p:clrMapOvr>
-    <a:masterClrMapping/>
-  </p:clrMapOvr>
-</p:sld>
-</file>
-
-<file path=ppt/slides/slide19.xml><?xml version="1.0" encoding="utf-8"?>
-<p:sld xmlns:a="http://schemas.openxmlformats.org/drawingml/2006/main" xmlns:r="http://schemas.openxmlformats.org/officeDocument/2006/relationships" xmlns:p="http://schemas.openxmlformats.org/presentationml/2006/main">
-  <p:cSld>
-    <p:spTree>
-      <p:nvGrpSpPr>
-        <p:cNvPr id="1" name=""/>
-        <p:cNvGrpSpPr/>
-        <p:nvPr/>
-      </p:nvGrpSpPr>
-      <p:grpSpPr>
-        <a:xfrm>
-          <a:off x="0" y="0"/>
-          <a:ext cx="0" cy="0"/>
-          <a:chOff x="0" y="0"/>
-          <a:chExt cx="0" cy="0"/>
-        </a:xfrm>
-      </p:grpSpPr>
-      <p:sp>
-        <p:nvSpPr>
-          <p:cNvPr id="2" name="Заголовок 1">
-            <a:extLst>
-              <a:ext uri="{FF2B5EF4-FFF2-40B4-BE49-F238E27FC236}">
-                <a16:creationId xmlns:a16="http://schemas.microsoft.com/office/drawing/2014/main" id="{F981B4B0-7DD9-9349-969B-BD9DE1B9C531}"/>
-              </a:ext>
-            </a:extLst>
-          </p:cNvPr>
-          <p:cNvSpPr>
-            <a:spLocks noGrp="1"/>
-          </p:cNvSpPr>
-          <p:nvPr>
-            <p:ph type="title"/>
-          </p:nvPr>
-        </p:nvSpPr>
-        <p:spPr/>
-        <p:txBody>
-          <a:bodyPr/>
-          <a:lstStyle/>
-          <a:p>
-            <a:r>
-              <a:rPr lang="en-US" dirty="0" err="1"/>
-              <a:t>SQuAD</a:t>
-            </a:r>
-            <a:r>
-              <a:rPr lang="en-US" dirty="0"/>
-              <a:t> examples</a:t>
-            </a:r>
-            <a:endParaRPr lang="ru-RU" dirty="0"/>
-          </a:p>
-        </p:txBody>
-      </p:sp>
-      <p:sp>
-        <p:nvSpPr>
-          <p:cNvPr id="3" name="Объект 2">
-            <a:extLst>
-              <a:ext uri="{FF2B5EF4-FFF2-40B4-BE49-F238E27FC236}">
-                <a16:creationId xmlns:a16="http://schemas.microsoft.com/office/drawing/2014/main" id="{714FF952-F528-FE4F-BBBB-D3F3386F4E87}"/>
-              </a:ext>
-            </a:extLst>
-          </p:cNvPr>
-          <p:cNvSpPr>
-            <a:spLocks noGrp="1"/>
-          </p:cNvSpPr>
-          <p:nvPr>
-            <p:ph idx="1"/>
-          </p:nvPr>
-        </p:nvSpPr>
-        <p:spPr/>
-        <p:txBody>
-          <a:bodyPr/>
-          <a:lstStyle/>
-          <a:p>
-            <a:endParaRPr lang="ru-RU"/>
-          </a:p>
-        </p:txBody>
-      </p:sp>
-      <p:sp>
-        <p:nvSpPr>
-          <p:cNvPr id="4" name="Номер слайда 3">
-            <a:extLst>
-              <a:ext uri="{FF2B5EF4-FFF2-40B4-BE49-F238E27FC236}">
-                <a16:creationId xmlns:a16="http://schemas.microsoft.com/office/drawing/2014/main" id="{2DA2D872-E9F9-554B-AEE8-7F34B118588C}"/>
-              </a:ext>
-            </a:extLst>
-          </p:cNvPr>
-          <p:cNvSpPr>
-            <a:spLocks noGrp="1"/>
-          </p:cNvSpPr>
-          <p:nvPr>
-            <p:ph type="sldNum" sz="quarter" idx="12"/>
-          </p:nvPr>
-        </p:nvSpPr>
-        <p:spPr/>
-        <p:txBody>
-          <a:bodyPr/>
-          <a:lstStyle/>
-          <a:p>
-            <a:fld id="{CFE4BAC9-6D41-4691-9299-18EF07EF0177}" type="slidenum">
-              <a:rPr lang="en-US" smtClean="0"/>
-              <a:t>18</a:t>
-            </a:fld>
-            <a:endParaRPr lang="en-US"/>
-          </a:p>
-        </p:txBody>
-      </p:sp>
-      <p:pic>
-        <p:nvPicPr>
-          <p:cNvPr id="5" name="Рисунок 4">
-            <a:extLst>
-              <a:ext uri="{FF2B5EF4-FFF2-40B4-BE49-F238E27FC236}">
-                <a16:creationId xmlns:a16="http://schemas.microsoft.com/office/drawing/2014/main" id="{3277EA10-B524-B448-B3B9-7BF8DBDE1721}"/>
-              </a:ext>
-            </a:extLst>
-          </p:cNvPr>
-          <p:cNvPicPr>
-            <a:picLocks noChangeAspect="1"/>
-          </p:cNvPicPr>
-          <p:nvPr/>
-        </p:nvPicPr>
-        <p:blipFill>
-          <a:blip r:embed="rId2"/>
-          <a:stretch>
-            <a:fillRect/>
-          </a:stretch>
-        </p:blipFill>
-        <p:spPr>
-          <a:xfrm>
-            <a:off x="898525" y="2133601"/>
-            <a:ext cx="7661189" cy="3638585"/>
-          </a:xfrm>
-          <a:prstGeom prst="rect">
-            <a:avLst/>
-          </a:prstGeom>
-        </p:spPr>
-      </p:pic>
-    </p:spTree>
-    <p:extLst>
-      <p:ext uri="{BB962C8B-B14F-4D97-AF65-F5344CB8AC3E}">
-        <p14:creationId xmlns:p14="http://schemas.microsoft.com/office/powerpoint/2010/main" val="1290054922"/>
       </p:ext>
     </p:extLst>
   </p:cSld>
@@ -14189,6 +14174,1327 @@
           <p:cNvPr id="2" name="Заголовок 1">
             <a:extLst>
               <a:ext uri="{FF2B5EF4-FFF2-40B4-BE49-F238E27FC236}">
+                <a16:creationId xmlns:a16="http://schemas.microsoft.com/office/drawing/2014/main" id="{781F2A17-4990-0543-91C5-A0332900432B}"/>
+              </a:ext>
+            </a:extLst>
+          </p:cNvPr>
+          <p:cNvSpPr>
+            <a:spLocks noGrp="1"/>
+          </p:cNvSpPr>
+          <p:nvPr>
+            <p:ph type="title"/>
+          </p:nvPr>
+        </p:nvSpPr>
+        <p:spPr/>
+        <p:txBody>
+          <a:bodyPr/>
+          <a:lstStyle/>
+          <a:p>
+            <a:r>
+              <a:rPr lang="ru-RU" dirty="0"/>
+              <a:t>Предобработка вопроса</a:t>
+            </a:r>
+          </a:p>
+        </p:txBody>
+      </p:sp>
+      <p:sp>
+        <p:nvSpPr>
+          <p:cNvPr id="3" name="Объект 2">
+            <a:extLst>
+              <a:ext uri="{FF2B5EF4-FFF2-40B4-BE49-F238E27FC236}">
+                <a16:creationId xmlns:a16="http://schemas.microsoft.com/office/drawing/2014/main" id="{B1F14334-B50E-934E-8C75-F85867977B08}"/>
+              </a:ext>
+            </a:extLst>
+          </p:cNvPr>
+          <p:cNvSpPr>
+            <a:spLocks noGrp="1"/>
+          </p:cNvSpPr>
+          <p:nvPr>
+            <p:ph idx="1"/>
+          </p:nvPr>
+        </p:nvSpPr>
+        <p:spPr/>
+        <p:txBody>
+          <a:bodyPr/>
+          <a:lstStyle/>
+          <a:p>
+            <a:r>
+              <a:rPr lang="ru-RU" dirty="0"/>
+              <a:t>Извлечение</a:t>
+            </a:r>
+            <a:r>
+              <a:rPr lang="en-US" dirty="0"/>
+              <a:t> </a:t>
+            </a:r>
+            <a:r>
+              <a:rPr lang="ru-RU" i="1" dirty="0"/>
+              <a:t>запроса</a:t>
+            </a:r>
+            <a:r>
+              <a:rPr lang="en-US" i="1" dirty="0"/>
+              <a:t> </a:t>
+            </a:r>
+            <a:r>
+              <a:rPr lang="en-US" dirty="0"/>
+              <a:t>(</a:t>
+            </a:r>
+            <a:r>
+              <a:rPr lang="ru-RU" dirty="0"/>
+              <a:t>ключевые слова</a:t>
+            </a:r>
+            <a:r>
+              <a:rPr lang="en-US" dirty="0"/>
+              <a:t>)</a:t>
+            </a:r>
+          </a:p>
+          <a:p>
+            <a:pPr lvl="1"/>
+            <a:r>
+              <a:rPr lang="en-US" dirty="0"/>
+              <a:t>+</a:t>
+            </a:r>
+            <a:r>
+              <a:rPr lang="en-US" i="1" dirty="0"/>
+              <a:t> </a:t>
+            </a:r>
+            <a:r>
+              <a:rPr lang="ru-RU" dirty="0"/>
+              <a:t>тип ответа</a:t>
+            </a:r>
+            <a:r>
+              <a:rPr lang="en-US" dirty="0"/>
+              <a:t>/ </a:t>
+            </a:r>
+            <a:r>
+              <a:rPr lang="ru-RU" dirty="0"/>
+              <a:t>тема (фокус)</a:t>
+            </a:r>
+            <a:r>
+              <a:rPr lang="en-US" dirty="0"/>
+              <a:t> / </a:t>
+            </a:r>
+            <a:r>
+              <a:rPr lang="ru-RU" dirty="0"/>
+              <a:t>тип вопроса</a:t>
+            </a:r>
+            <a:endParaRPr lang="en-US" dirty="0"/>
+          </a:p>
+          <a:p>
+            <a:pPr lvl="1"/>
+            <a:r>
+              <a:rPr lang="en-US" i="1" dirty="0"/>
+              <a:t>Which US state capital has the largest population?</a:t>
+            </a:r>
+          </a:p>
+          <a:p>
+            <a:pPr lvl="1"/>
+            <a:endParaRPr lang="en-US" i="1" dirty="0"/>
+          </a:p>
+          <a:p>
+            <a:pPr lvl="1"/>
+            <a:endParaRPr lang="en-US" i="1" dirty="0"/>
+          </a:p>
+          <a:p>
+            <a:r>
+              <a:rPr lang="ru-RU" dirty="0"/>
+              <a:t>Формулировка запроса</a:t>
+            </a:r>
+            <a:endParaRPr lang="en-US" dirty="0"/>
+          </a:p>
+          <a:p>
+            <a:pPr lvl="1"/>
+            <a:r>
+              <a:rPr lang="ru-RU" dirty="0" err="1"/>
+              <a:t>токенизация</a:t>
+            </a:r>
+            <a:r>
+              <a:rPr lang="en-US" dirty="0"/>
+              <a:t>, </a:t>
+            </a:r>
+            <a:r>
+              <a:rPr lang="ru-RU" dirty="0"/>
+              <a:t>фильтрация</a:t>
+            </a:r>
+            <a:endParaRPr lang="en-US" dirty="0"/>
+          </a:p>
+          <a:p>
+            <a:pPr lvl="1"/>
+            <a:r>
+              <a:rPr lang="ru-RU" dirty="0"/>
+              <a:t>расширение запроса</a:t>
+            </a:r>
+            <a:r>
+              <a:rPr lang="en-US" dirty="0"/>
+              <a:t>: </a:t>
+            </a:r>
+            <a:r>
+              <a:rPr lang="ru-RU" dirty="0"/>
+              <a:t>синонимы</a:t>
+            </a:r>
+            <a:r>
+              <a:rPr lang="en-US" dirty="0"/>
+              <a:t>, </a:t>
+            </a:r>
+            <a:r>
+              <a:rPr lang="ru-RU" dirty="0"/>
+              <a:t>словоформы</a:t>
+            </a:r>
+            <a:r>
+              <a:rPr lang="en-US" dirty="0"/>
+              <a:t> …</a:t>
+            </a:r>
+          </a:p>
+        </p:txBody>
+      </p:sp>
+      <p:sp>
+        <p:nvSpPr>
+          <p:cNvPr id="4" name="Номер слайда 3">
+            <a:extLst>
+              <a:ext uri="{FF2B5EF4-FFF2-40B4-BE49-F238E27FC236}">
+                <a16:creationId xmlns:a16="http://schemas.microsoft.com/office/drawing/2014/main" id="{A34F393B-0C7D-FA48-A683-ECB456A36B78}"/>
+              </a:ext>
+            </a:extLst>
+          </p:cNvPr>
+          <p:cNvSpPr>
+            <a:spLocks noGrp="1"/>
+          </p:cNvSpPr>
+          <p:nvPr>
+            <p:ph type="sldNum" sz="quarter" idx="12"/>
+          </p:nvPr>
+        </p:nvSpPr>
+        <p:spPr/>
+        <p:txBody>
+          <a:bodyPr/>
+          <a:lstStyle/>
+          <a:p>
+            <a:fld id="{CFE4BAC9-6D41-4691-9299-18EF07EF0177}" type="slidenum">
+              <a:rPr lang="en-US" smtClean="0"/>
+              <a:t>19</a:t>
+            </a:fld>
+            <a:endParaRPr lang="en-US"/>
+          </a:p>
+        </p:txBody>
+      </p:sp>
+      <p:pic>
+        <p:nvPicPr>
+          <p:cNvPr id="5" name="Рисунок 4">
+            <a:extLst>
+              <a:ext uri="{FF2B5EF4-FFF2-40B4-BE49-F238E27FC236}">
+                <a16:creationId xmlns:a16="http://schemas.microsoft.com/office/drawing/2014/main" id="{A19DBDFC-AC18-4845-8C80-BE6074D4808B}"/>
+              </a:ext>
+            </a:extLst>
+          </p:cNvPr>
+          <p:cNvPicPr>
+            <a:picLocks noChangeAspect="1"/>
+          </p:cNvPicPr>
+          <p:nvPr/>
+        </p:nvPicPr>
+        <p:blipFill>
+          <a:blip r:embed="rId2"/>
+          <a:stretch>
+            <a:fillRect/>
+          </a:stretch>
+        </p:blipFill>
+        <p:spPr>
+          <a:xfrm>
+            <a:off x="1281585" y="3429000"/>
+            <a:ext cx="5181600" cy="990600"/>
+          </a:xfrm>
+          <a:prstGeom prst="rect">
+            <a:avLst/>
+          </a:prstGeom>
+        </p:spPr>
+      </p:pic>
+    </p:spTree>
+    <p:extLst>
+      <p:ext uri="{BB962C8B-B14F-4D97-AF65-F5344CB8AC3E}">
+        <p14:creationId xmlns:p14="http://schemas.microsoft.com/office/powerpoint/2010/main" val="3900952939"/>
+      </p:ext>
+    </p:extLst>
+  </p:cSld>
+  <p:clrMapOvr>
+    <a:masterClrMapping/>
+  </p:clrMapOvr>
+</p:sld>
+</file>
+
+<file path=ppt/slides/slide21.xml><?xml version="1.0" encoding="utf-8"?>
+<p:sld xmlns:a="http://schemas.openxmlformats.org/drawingml/2006/main" xmlns:r="http://schemas.openxmlformats.org/officeDocument/2006/relationships" xmlns:p="http://schemas.openxmlformats.org/presentationml/2006/main">
+  <p:cSld>
+    <p:spTree>
+      <p:nvGrpSpPr>
+        <p:cNvPr id="1" name=""/>
+        <p:cNvGrpSpPr/>
+        <p:nvPr/>
+      </p:nvGrpSpPr>
+      <p:grpSpPr>
+        <a:xfrm>
+          <a:off x="0" y="0"/>
+          <a:ext cx="0" cy="0"/>
+          <a:chOff x="0" y="0"/>
+          <a:chExt cx="0" cy="0"/>
+        </a:xfrm>
+      </p:grpSpPr>
+      <p:sp>
+        <p:nvSpPr>
+          <p:cNvPr id="2" name="Заголовок 1">
+            <a:extLst>
+              <a:ext uri="{FF2B5EF4-FFF2-40B4-BE49-F238E27FC236}">
+                <a16:creationId xmlns:a16="http://schemas.microsoft.com/office/drawing/2014/main" id="{7D745F04-9E0A-EB40-938F-D303D49F62A0}"/>
+              </a:ext>
+            </a:extLst>
+          </p:cNvPr>
+          <p:cNvSpPr>
+            <a:spLocks noGrp="1"/>
+          </p:cNvSpPr>
+          <p:nvPr>
+            <p:ph type="title"/>
+          </p:nvPr>
+        </p:nvSpPr>
+        <p:spPr>
+          <a:xfrm>
+            <a:off x="284205" y="244158"/>
+            <a:ext cx="8513806" cy="1339850"/>
+          </a:xfrm>
+        </p:spPr>
+        <p:txBody>
+          <a:bodyPr>
+            <a:normAutofit fontScale="90000"/>
+          </a:bodyPr>
+          <a:lstStyle/>
+          <a:p>
+            <a:r>
+              <a:rPr lang="ru-RU" dirty="0"/>
+              <a:t>Поиск документа и фрагмента</a:t>
+            </a:r>
+          </a:p>
+        </p:txBody>
+      </p:sp>
+      <p:sp>
+        <p:nvSpPr>
+          <p:cNvPr id="3" name="Объект 2">
+            <a:extLst>
+              <a:ext uri="{FF2B5EF4-FFF2-40B4-BE49-F238E27FC236}">
+                <a16:creationId xmlns:a16="http://schemas.microsoft.com/office/drawing/2014/main" id="{A1FD9647-F7F5-5B4F-9598-0792659CC934}"/>
+              </a:ext>
+            </a:extLst>
+          </p:cNvPr>
+          <p:cNvSpPr>
+            <a:spLocks noGrp="1"/>
+          </p:cNvSpPr>
+          <p:nvPr>
+            <p:ph idx="1"/>
+          </p:nvPr>
+        </p:nvSpPr>
+        <p:spPr>
+          <a:xfrm>
+            <a:off x="716692" y="2014150"/>
+            <a:ext cx="7760043" cy="4188941"/>
+          </a:xfrm>
+        </p:spPr>
+        <p:txBody>
+          <a:bodyPr/>
+          <a:lstStyle/>
+          <a:p>
+            <a:r>
+              <a:rPr lang="ru-RU" dirty="0"/>
+              <a:t>Документы хранятся в виде инвертированного индекса</a:t>
+            </a:r>
+            <a:endParaRPr lang="en-US" dirty="0"/>
+          </a:p>
+          <a:p>
+            <a:pPr lvl="1"/>
+            <a:r>
+              <a:rPr lang="en-US" dirty="0"/>
+              <a:t>Word/term id + document ids</a:t>
+            </a:r>
+          </a:p>
+          <a:p>
+            <a:r>
+              <a:rPr lang="ru-RU" dirty="0"/>
+              <a:t>Документы разделены на фрагменты</a:t>
+            </a:r>
+            <a:r>
+              <a:rPr lang="en-US" dirty="0"/>
+              <a:t> </a:t>
+            </a:r>
+            <a:r>
+              <a:rPr lang="ru-RU" dirty="0"/>
+              <a:t>(</a:t>
+            </a:r>
+            <a:r>
+              <a:rPr lang="en-US" i="1" dirty="0"/>
+              <a:t>passages</a:t>
+            </a:r>
+            <a:r>
+              <a:rPr lang="ru-RU" dirty="0"/>
+              <a:t>)</a:t>
+            </a:r>
+            <a:endParaRPr lang="en-US" dirty="0"/>
+          </a:p>
+          <a:p>
+            <a:pPr lvl="1"/>
+            <a:r>
+              <a:rPr lang="ru-RU" dirty="0"/>
+              <a:t>главы</a:t>
+            </a:r>
+            <a:r>
+              <a:rPr lang="en-US" dirty="0"/>
+              <a:t>, </a:t>
+            </a:r>
+            <a:r>
+              <a:rPr lang="ru-RU" dirty="0"/>
+              <a:t>разделы</a:t>
+            </a:r>
+            <a:r>
+              <a:rPr lang="en-US" dirty="0"/>
+              <a:t>, </a:t>
+            </a:r>
+            <a:r>
+              <a:rPr lang="ru-RU" dirty="0"/>
+              <a:t>абзацы</a:t>
+            </a:r>
+            <a:endParaRPr lang="en-US" dirty="0"/>
+          </a:p>
+          <a:p>
+            <a:r>
+              <a:rPr lang="ru-RU" dirty="0"/>
+              <a:t>Фильтрация / ранжирование</a:t>
+            </a:r>
+            <a:endParaRPr lang="en-US" dirty="0"/>
+          </a:p>
+          <a:p>
+            <a:r>
+              <a:rPr lang="ru-RU" dirty="0"/>
+              <a:t>Извлечение части фрагмента (</a:t>
+            </a:r>
+            <a:r>
+              <a:rPr lang="en-US" dirty="0"/>
+              <a:t>text span) – span labeling </a:t>
+            </a:r>
+            <a:endParaRPr lang="ru-RU" dirty="0"/>
+          </a:p>
+        </p:txBody>
+      </p:sp>
+      <p:sp>
+        <p:nvSpPr>
+          <p:cNvPr id="4" name="Номер слайда 3">
+            <a:extLst>
+              <a:ext uri="{FF2B5EF4-FFF2-40B4-BE49-F238E27FC236}">
+                <a16:creationId xmlns:a16="http://schemas.microsoft.com/office/drawing/2014/main" id="{29CF8C5C-F9B4-7640-8FE0-B89BA1D6C0EB}"/>
+              </a:ext>
+            </a:extLst>
+          </p:cNvPr>
+          <p:cNvSpPr>
+            <a:spLocks noGrp="1"/>
+          </p:cNvSpPr>
+          <p:nvPr>
+            <p:ph type="sldNum" sz="quarter" idx="12"/>
+          </p:nvPr>
+        </p:nvSpPr>
+        <p:spPr/>
+        <p:txBody>
+          <a:bodyPr/>
+          <a:lstStyle/>
+          <a:p>
+            <a:fld id="{CFE4BAC9-6D41-4691-9299-18EF07EF0177}" type="slidenum">
+              <a:rPr lang="en-US" smtClean="0"/>
+              <a:t>20</a:t>
+            </a:fld>
+            <a:endParaRPr lang="en-US"/>
+          </a:p>
+        </p:txBody>
+      </p:sp>
+    </p:spTree>
+    <p:extLst>
+      <p:ext uri="{BB962C8B-B14F-4D97-AF65-F5344CB8AC3E}">
+        <p14:creationId xmlns:p14="http://schemas.microsoft.com/office/powerpoint/2010/main" val="152414720"/>
+      </p:ext>
+    </p:extLst>
+  </p:cSld>
+  <p:clrMapOvr>
+    <a:masterClrMapping/>
+  </p:clrMapOvr>
+</p:sld>
+</file>
+
+<file path=ppt/slides/slide22.xml><?xml version="1.0" encoding="utf-8"?>
+<p:sld xmlns:a="http://schemas.openxmlformats.org/drawingml/2006/main" xmlns:r="http://schemas.openxmlformats.org/officeDocument/2006/relationships" xmlns:p="http://schemas.openxmlformats.org/presentationml/2006/main">
+  <p:cSld>
+    <p:spTree>
+      <p:nvGrpSpPr>
+        <p:cNvPr id="1" name=""/>
+        <p:cNvGrpSpPr/>
+        <p:nvPr/>
+      </p:nvGrpSpPr>
+      <p:grpSpPr>
+        <a:xfrm>
+          <a:off x="0" y="0"/>
+          <a:ext cx="0" cy="0"/>
+          <a:chOff x="0" y="0"/>
+          <a:chExt cx="0" cy="0"/>
+        </a:xfrm>
+      </p:grpSpPr>
+      <p:sp>
+        <p:nvSpPr>
+          <p:cNvPr id="2" name="Заголовок 1">
+            <a:extLst>
+              <a:ext uri="{FF2B5EF4-FFF2-40B4-BE49-F238E27FC236}">
+                <a16:creationId xmlns:a16="http://schemas.microsoft.com/office/drawing/2014/main" id="{195C279A-3827-DB43-94AE-64216A0148C8}"/>
+              </a:ext>
+            </a:extLst>
+          </p:cNvPr>
+          <p:cNvSpPr>
+            <a:spLocks noGrp="1"/>
+          </p:cNvSpPr>
+          <p:nvPr>
+            <p:ph type="title"/>
+          </p:nvPr>
+        </p:nvSpPr>
+        <p:spPr/>
+        <p:txBody>
+          <a:bodyPr/>
+          <a:lstStyle/>
+          <a:p>
+            <a:r>
+              <a:rPr lang="en-US" dirty="0"/>
+              <a:t>Neural answer extraction</a:t>
+            </a:r>
+            <a:endParaRPr lang="ru-RU" dirty="0"/>
+          </a:p>
+        </p:txBody>
+      </p:sp>
+      <mc:AlternateContent xmlns:mc="http://schemas.openxmlformats.org/markup-compatibility/2006">
+        <mc:Choice xmlns:a14="http://schemas.microsoft.com/office/drawing/2010/main" Requires="a14">
+          <p:sp>
+            <p:nvSpPr>
+              <p:cNvPr id="3" name="Объект 2">
+                <a:extLst>
+                  <a:ext uri="{FF2B5EF4-FFF2-40B4-BE49-F238E27FC236}">
+                    <a16:creationId xmlns:a16="http://schemas.microsoft.com/office/drawing/2014/main" id="{8665DF5C-C3DF-0745-9A48-1DD26A94A7C8}"/>
+                  </a:ext>
+                </a:extLst>
+              </p:cNvPr>
+              <p:cNvSpPr>
+                <a:spLocks noGrp="1"/>
+              </p:cNvSpPr>
+              <p:nvPr>
+                <p:ph idx="1"/>
+              </p:nvPr>
+            </p:nvSpPr>
+            <p:spPr>
+              <a:xfrm>
+                <a:off x="556054" y="1964724"/>
+                <a:ext cx="7994822" cy="4263081"/>
+              </a:xfrm>
+            </p:spPr>
+            <p:txBody>
+              <a:bodyPr/>
+              <a:lstStyle/>
+              <a:p>
+                <a:r>
+                  <a:rPr lang="en-US" dirty="0"/>
+                  <a:t>Reading Comprehension task</a:t>
+                </a:r>
+              </a:p>
+              <a:p>
+                <a:pPr lvl="1"/>
+                <a:r>
+                  <a:rPr lang="en-US" dirty="0">
+                    <a:hlinkClick r:id="rId2"/>
+                  </a:rPr>
+                  <a:t>Stanford Question Answering Dataset </a:t>
+                </a:r>
+                <a:r>
+                  <a:rPr lang="en-US" dirty="0"/>
+                  <a:t>(</a:t>
+                </a:r>
+                <a:r>
+                  <a:rPr lang="en-US" dirty="0" err="1"/>
+                  <a:t>SQuAD</a:t>
+                </a:r>
+                <a:r>
+                  <a:rPr lang="en-US" dirty="0"/>
+                  <a:t>)</a:t>
+                </a:r>
+              </a:p>
+              <a:p>
+                <a:pPr marL="350838" lvl="1" indent="0">
+                  <a:buNone/>
+                </a:pPr>
+                <a:r>
+                  <a:rPr lang="en-US" dirty="0"/>
+                  <a:t>Questions + answers + associated Wikipedia passages</a:t>
+                </a:r>
+              </a:p>
+              <a:p>
+                <a:pPr marL="350838" lvl="1" indent="0">
+                  <a:buNone/>
+                </a:pPr>
+                <a:endParaRPr lang="en-US" dirty="0"/>
+              </a:p>
+              <a:p>
+                <a:pPr marL="114300" indent="0">
+                  <a:buNone/>
+                </a:pPr>
+                <a:r>
+                  <a:rPr lang="ru-RU" u="sng" dirty="0"/>
+                  <a:t>Формальное определение</a:t>
+                </a:r>
+                <a:endParaRPr lang="en-US" u="sng" dirty="0"/>
+              </a:p>
+              <a:p>
+                <a:pPr marL="350838" lvl="1" indent="0">
+                  <a:buNone/>
+                </a:pPr>
+                <a:r>
+                  <a:rPr lang="ru-RU" dirty="0"/>
+                  <a:t>Для запроса</a:t>
+                </a:r>
+                <a:r>
+                  <a:rPr lang="en-US" dirty="0"/>
+                  <a:t> </a:t>
+                </a:r>
+                <a14:m>
+                  <m:oMath xmlns:m="http://schemas.openxmlformats.org/officeDocument/2006/math">
+                    <m:r>
+                      <a:rPr lang="en-US" i="1" dirty="0" smtClean="0">
+                        <a:latin typeface="Cambria Math" panose="02040503050406030204" pitchFamily="18" charset="0"/>
+                      </a:rPr>
+                      <m:t>𝑞</m:t>
+                    </m:r>
+                    <m:r>
+                      <a:rPr lang="en-US" i="1" dirty="0" smtClean="0">
+                        <a:latin typeface="Cambria Math" panose="02040503050406030204" pitchFamily="18" charset="0"/>
+                      </a:rPr>
+                      <m:t>=(</m:t>
+                    </m:r>
+                    <m:sSub>
+                      <m:sSubPr>
+                        <m:ctrlPr>
+                          <a:rPr lang="en-US" i="1" dirty="0" smtClean="0">
+                            <a:latin typeface="Cambria Math" panose="02040503050406030204" pitchFamily="18" charset="0"/>
+                          </a:rPr>
+                        </m:ctrlPr>
+                      </m:sSubPr>
+                      <m:e>
+                        <m:r>
+                          <a:rPr lang="en-US" i="1" dirty="0" smtClean="0">
+                            <a:latin typeface="Cambria Math" panose="02040503050406030204" pitchFamily="18" charset="0"/>
+                          </a:rPr>
+                          <m:t>𝑞</m:t>
+                        </m:r>
+                      </m:e>
+                      <m:sub>
+                        <m:r>
+                          <a:rPr lang="en-US" i="1" dirty="0" smtClean="0">
+                            <a:latin typeface="Cambria Math" panose="02040503050406030204" pitchFamily="18" charset="0"/>
+                          </a:rPr>
+                          <m:t>1</m:t>
+                        </m:r>
+                      </m:sub>
+                    </m:sSub>
+                    <m:r>
+                      <a:rPr lang="en-US" i="1" dirty="0" smtClean="0">
+                        <a:latin typeface="Cambria Math" panose="02040503050406030204" pitchFamily="18" charset="0"/>
+                      </a:rPr>
+                      <m:t>…</m:t>
+                    </m:r>
+                    <m:sSub>
+                      <m:sSubPr>
+                        <m:ctrlPr>
+                          <a:rPr lang="en-US" i="1" dirty="0" err="1" smtClean="0">
+                            <a:latin typeface="Cambria Math" panose="02040503050406030204" pitchFamily="18" charset="0"/>
+                          </a:rPr>
+                        </m:ctrlPr>
+                      </m:sSubPr>
+                      <m:e>
+                        <m:r>
+                          <a:rPr lang="en-US" i="1" dirty="0" err="1" smtClean="0">
+                            <a:latin typeface="Cambria Math" panose="02040503050406030204" pitchFamily="18" charset="0"/>
+                          </a:rPr>
+                          <m:t>𝑞</m:t>
+                        </m:r>
+                      </m:e>
+                      <m:sub>
+                        <m:r>
+                          <a:rPr lang="en-US" i="1" dirty="0" err="1" smtClean="0">
+                            <a:latin typeface="Cambria Math" panose="02040503050406030204" pitchFamily="18" charset="0"/>
+                          </a:rPr>
+                          <m:t>𝑙</m:t>
+                        </m:r>
+                      </m:sub>
+                    </m:sSub>
+                    <m:r>
+                      <a:rPr lang="en-US" i="1" dirty="0" smtClean="0">
+                        <a:latin typeface="Cambria Math" panose="02040503050406030204" pitchFamily="18" charset="0"/>
+                      </a:rPr>
+                      <m:t>) </m:t>
+                    </m:r>
+                  </m:oMath>
+                </a14:m>
+                <a:r>
+                  <a:rPr lang="ru-RU" dirty="0"/>
+                  <a:t>и фрагмента</a:t>
+                </a:r>
+                <a:r>
+                  <a:rPr lang="en-US" dirty="0"/>
+                  <a:t> </a:t>
+                </a:r>
+                <a14:m>
+                  <m:oMath xmlns:m="http://schemas.openxmlformats.org/officeDocument/2006/math">
+                    <m:r>
+                      <a:rPr lang="en-US" i="1" dirty="0" smtClean="0">
+                        <a:latin typeface="Cambria Math" panose="02040503050406030204" pitchFamily="18" charset="0"/>
+                      </a:rPr>
+                      <m:t>𝑝</m:t>
+                    </m:r>
+                    <m:r>
+                      <a:rPr lang="en-US" i="1" dirty="0" smtClean="0">
+                        <a:latin typeface="Cambria Math" panose="02040503050406030204" pitchFamily="18" charset="0"/>
+                      </a:rPr>
+                      <m:t>=(</m:t>
+                    </m:r>
+                    <m:sSub>
+                      <m:sSubPr>
+                        <m:ctrlPr>
+                          <a:rPr lang="en-US" i="1" dirty="0" smtClean="0">
+                            <a:latin typeface="Cambria Math" panose="02040503050406030204" pitchFamily="18" charset="0"/>
+                          </a:rPr>
+                        </m:ctrlPr>
+                      </m:sSubPr>
+                      <m:e>
+                        <m:r>
+                          <a:rPr lang="en-US" i="1" dirty="0" smtClean="0">
+                            <a:latin typeface="Cambria Math" panose="02040503050406030204" pitchFamily="18" charset="0"/>
+                          </a:rPr>
+                          <m:t>𝑝</m:t>
+                        </m:r>
+                      </m:e>
+                      <m:sub>
+                        <m:r>
+                          <a:rPr lang="en-US" i="1" dirty="0" smtClean="0">
+                            <a:latin typeface="Cambria Math" panose="02040503050406030204" pitchFamily="18" charset="0"/>
+                          </a:rPr>
+                          <m:t>1</m:t>
+                        </m:r>
+                      </m:sub>
+                    </m:sSub>
+                    <m:r>
+                      <a:rPr lang="en-US" i="1" dirty="0" smtClean="0">
+                        <a:latin typeface="Cambria Math" panose="02040503050406030204" pitchFamily="18" charset="0"/>
+                      </a:rPr>
+                      <m:t>…</m:t>
+                    </m:r>
+                    <m:sSub>
+                      <m:sSubPr>
+                        <m:ctrlPr>
+                          <a:rPr lang="en-US" i="1" dirty="0" err="1" smtClean="0">
+                            <a:latin typeface="Cambria Math" panose="02040503050406030204" pitchFamily="18" charset="0"/>
+                          </a:rPr>
+                        </m:ctrlPr>
+                      </m:sSubPr>
+                      <m:e>
+                        <m:r>
+                          <a:rPr lang="en-US" i="1" dirty="0" err="1" smtClean="0">
+                            <a:latin typeface="Cambria Math" panose="02040503050406030204" pitchFamily="18" charset="0"/>
+                          </a:rPr>
+                          <m:t>𝑝</m:t>
+                        </m:r>
+                      </m:e>
+                      <m:sub>
+                        <m:r>
+                          <a:rPr lang="en-US" i="1" dirty="0" err="1" smtClean="0">
+                            <a:latin typeface="Cambria Math" panose="02040503050406030204" pitchFamily="18" charset="0"/>
+                          </a:rPr>
+                          <m:t>𝑚</m:t>
+                        </m:r>
+                      </m:sub>
+                    </m:sSub>
+                    <m:r>
+                      <a:rPr lang="en-US" i="1" dirty="0" smtClean="0">
+                        <a:latin typeface="Cambria Math" panose="02040503050406030204" pitchFamily="18" charset="0"/>
+                      </a:rPr>
+                      <m:t>)</m:t>
+                    </m:r>
+                  </m:oMath>
+                </a14:m>
+                <a:endParaRPr lang="en-US" dirty="0"/>
+              </a:p>
+              <a:p>
+                <a:pPr marL="350838" lvl="1" indent="0">
+                  <a:buNone/>
+                </a:pPr>
+                <a:r>
+                  <a:rPr lang="ru-RU" dirty="0"/>
+                  <a:t>Вычислить вероятность для каждого </a:t>
+                </a:r>
+                <a:r>
+                  <a:rPr lang="ru-RU" dirty="0" err="1"/>
+                  <a:t>токена</a:t>
+                </a:r>
+                <a:br>
+                  <a:rPr lang="ru-RU" dirty="0"/>
+                </a:br>
+                <a:r>
+                  <a:rPr lang="en-US" dirty="0"/>
+                  <a:t> </a:t>
+                </a:r>
+                <a14:m>
+                  <m:oMath xmlns:m="http://schemas.openxmlformats.org/officeDocument/2006/math">
+                    <m:sSub>
+                      <m:sSubPr>
+                        <m:ctrlPr>
+                          <a:rPr lang="en-US" i="1" dirty="0" smtClean="0">
+                            <a:latin typeface="Cambria Math" panose="02040503050406030204" pitchFamily="18" charset="0"/>
+                          </a:rPr>
+                        </m:ctrlPr>
+                      </m:sSubPr>
+                      <m:e>
+                        <m:r>
+                          <a:rPr lang="en-US" i="1" dirty="0" smtClean="0">
+                            <a:latin typeface="Cambria Math" panose="02040503050406030204" pitchFamily="18" charset="0"/>
+                          </a:rPr>
+                          <m:t>𝑝</m:t>
+                        </m:r>
+                      </m:e>
+                      <m:sub>
+                        <m:r>
+                          <a:rPr lang="en-US" i="1" dirty="0" smtClean="0">
+                            <a:latin typeface="Cambria Math" panose="02040503050406030204" pitchFamily="18" charset="0"/>
+                          </a:rPr>
+                          <m:t>𝑖</m:t>
+                        </m:r>
+                      </m:sub>
+                    </m:sSub>
+                  </m:oMath>
+                </a14:m>
+                <a:r>
+                  <a:rPr lang="en-US" dirty="0"/>
+                  <a:t>: </a:t>
+                </a:r>
+                <a14:m>
+                  <m:oMath xmlns:m="http://schemas.openxmlformats.org/officeDocument/2006/math">
+                    <m:r>
+                      <a:rPr lang="en-US" i="1" dirty="0" smtClean="0">
+                        <a:latin typeface="Cambria Math" panose="02040503050406030204" pitchFamily="18" charset="0"/>
+                      </a:rPr>
+                      <m:t>𝑝𝑟𝑜</m:t>
+                    </m:r>
+                    <m:sSub>
+                      <m:sSubPr>
+                        <m:ctrlPr>
+                          <a:rPr lang="en-US" i="1" dirty="0" smtClean="0">
+                            <a:latin typeface="Cambria Math" panose="02040503050406030204" pitchFamily="18" charset="0"/>
+                          </a:rPr>
+                        </m:ctrlPr>
+                      </m:sSubPr>
+                      <m:e>
+                        <m:r>
+                          <a:rPr lang="en-US" i="1" dirty="0" smtClean="0">
+                            <a:latin typeface="Cambria Math" panose="02040503050406030204" pitchFamily="18" charset="0"/>
+                          </a:rPr>
+                          <m:t>𝑏</m:t>
+                        </m:r>
+                      </m:e>
+                      <m:sub>
+                        <m:r>
+                          <a:rPr lang="en-US" i="1" dirty="0" smtClean="0">
+                            <a:latin typeface="Cambria Math" panose="02040503050406030204" pitchFamily="18" charset="0"/>
+                          </a:rPr>
+                          <m:t>𝑠𝑡𝑎𝑟𝑡</m:t>
+                        </m:r>
+                      </m:sub>
+                    </m:sSub>
+                    <m:r>
+                      <a:rPr lang="en-US" i="1" dirty="0" smtClean="0">
+                        <a:latin typeface="Cambria Math" panose="02040503050406030204" pitchFamily="18" charset="0"/>
+                      </a:rPr>
+                      <m:t>(</m:t>
+                    </m:r>
+                    <m:r>
+                      <a:rPr lang="en-US" i="1" dirty="0" err="1" smtClean="0">
+                        <a:latin typeface="Cambria Math" panose="02040503050406030204" pitchFamily="18" charset="0"/>
+                      </a:rPr>
+                      <m:t>𝑖</m:t>
+                    </m:r>
+                    <m:r>
+                      <a:rPr lang="en-US" i="1" dirty="0" smtClean="0">
+                        <a:latin typeface="Cambria Math" panose="02040503050406030204" pitchFamily="18" charset="0"/>
+                      </a:rPr>
+                      <m:t>)</m:t>
+                    </m:r>
+                  </m:oMath>
+                </a14:m>
+                <a:r>
+                  <a:rPr lang="en-US" dirty="0"/>
+                  <a:t> and </a:t>
+                </a:r>
+                <a14:m>
+                  <m:oMath xmlns:m="http://schemas.openxmlformats.org/officeDocument/2006/math">
+                    <m:r>
+                      <a:rPr lang="en-US" i="1" dirty="0" smtClean="0">
+                        <a:latin typeface="Cambria Math" panose="02040503050406030204" pitchFamily="18" charset="0"/>
+                      </a:rPr>
+                      <m:t>𝑝𝑟𝑜</m:t>
+                    </m:r>
+                    <m:sSub>
+                      <m:sSubPr>
+                        <m:ctrlPr>
+                          <a:rPr lang="en-US" i="1" dirty="0" smtClean="0">
+                            <a:latin typeface="Cambria Math" panose="02040503050406030204" pitchFamily="18" charset="0"/>
+                          </a:rPr>
+                        </m:ctrlPr>
+                      </m:sSubPr>
+                      <m:e>
+                        <m:r>
+                          <a:rPr lang="en-US" i="1" dirty="0" smtClean="0">
+                            <a:latin typeface="Cambria Math" panose="02040503050406030204" pitchFamily="18" charset="0"/>
+                          </a:rPr>
+                          <m:t>𝑏</m:t>
+                        </m:r>
+                      </m:e>
+                      <m:sub>
+                        <m:r>
+                          <a:rPr lang="en-US" i="1" dirty="0" smtClean="0">
+                            <a:latin typeface="Cambria Math" panose="02040503050406030204" pitchFamily="18" charset="0"/>
+                          </a:rPr>
+                          <m:t>𝑒𝑛𝑑</m:t>
+                        </m:r>
+                      </m:sub>
+                    </m:sSub>
+                    <m:r>
+                      <a:rPr lang="en-US" i="1" dirty="0" smtClean="0">
+                        <a:latin typeface="Cambria Math" panose="02040503050406030204" pitchFamily="18" charset="0"/>
+                      </a:rPr>
+                      <m:t>(</m:t>
+                    </m:r>
+                    <m:r>
+                      <a:rPr lang="en-US" i="1" dirty="0" err="1" smtClean="0">
+                        <a:latin typeface="Cambria Math" panose="02040503050406030204" pitchFamily="18" charset="0"/>
+                      </a:rPr>
+                      <m:t>𝑖</m:t>
+                    </m:r>
+                    <m:r>
+                      <a:rPr lang="en-US" i="1" dirty="0" smtClean="0">
+                        <a:latin typeface="Cambria Math" panose="02040503050406030204" pitchFamily="18" charset="0"/>
+                      </a:rPr>
+                      <m:t>)</m:t>
+                    </m:r>
+                  </m:oMath>
+                </a14:m>
+                <a:endParaRPr lang="en-US" dirty="0"/>
+              </a:p>
+              <a:p>
+                <a:pPr marL="350838" lvl="1" indent="0">
+                  <a:buNone/>
+                </a:pPr>
+                <a:endParaRPr lang="en-US" dirty="0"/>
+              </a:p>
+              <a:p>
+                <a:pPr lvl="1"/>
+                <a:endParaRPr lang="ru-RU" dirty="0"/>
+              </a:p>
+            </p:txBody>
+          </p:sp>
+        </mc:Choice>
+        <mc:Fallback>
+          <p:sp>
+            <p:nvSpPr>
+              <p:cNvPr id="3" name="Объект 2">
+                <a:extLst>
+                  <a:ext uri="{FF2B5EF4-FFF2-40B4-BE49-F238E27FC236}">
+                    <a16:creationId xmlns:a16="http://schemas.microsoft.com/office/drawing/2014/main" id="{8665DF5C-C3DF-0745-9A48-1DD26A94A7C8}"/>
+                  </a:ext>
+                </a:extLst>
+              </p:cNvPr>
+              <p:cNvSpPr>
+                <a:spLocks noGrp="1" noRot="1" noChangeAspect="1" noMove="1" noResize="1" noEditPoints="1" noAdjustHandles="1" noChangeArrowheads="1" noChangeShapeType="1" noTextEdit="1"/>
+              </p:cNvSpPr>
+              <p:nvPr>
+                <p:ph idx="1"/>
+              </p:nvPr>
+            </p:nvSpPr>
+            <p:spPr>
+              <a:xfrm>
+                <a:off x="556054" y="1964724"/>
+                <a:ext cx="7994822" cy="4263081"/>
+              </a:xfrm>
+              <a:blipFill>
+                <a:blip r:embed="rId3"/>
+                <a:stretch>
+                  <a:fillRect l="-951" t="-1187"/>
+                </a:stretch>
+              </a:blipFill>
+            </p:spPr>
+            <p:txBody>
+              <a:bodyPr/>
+              <a:lstStyle/>
+              <a:p>
+                <a:r>
+                  <a:rPr lang="ru-RU">
+                    <a:noFill/>
+                  </a:rPr>
+                  <a:t> </a:t>
+                </a:r>
+              </a:p>
+            </p:txBody>
+          </p:sp>
+        </mc:Fallback>
+      </mc:AlternateContent>
+      <p:sp>
+        <p:nvSpPr>
+          <p:cNvPr id="4" name="Номер слайда 3">
+            <a:extLst>
+              <a:ext uri="{FF2B5EF4-FFF2-40B4-BE49-F238E27FC236}">
+                <a16:creationId xmlns:a16="http://schemas.microsoft.com/office/drawing/2014/main" id="{DACB9A6D-D6E3-3347-ACD6-B35FACB5AC9D}"/>
+              </a:ext>
+            </a:extLst>
+          </p:cNvPr>
+          <p:cNvSpPr>
+            <a:spLocks noGrp="1"/>
+          </p:cNvSpPr>
+          <p:nvPr>
+            <p:ph type="sldNum" sz="quarter" idx="12"/>
+          </p:nvPr>
+        </p:nvSpPr>
+        <p:spPr/>
+        <p:txBody>
+          <a:bodyPr/>
+          <a:lstStyle/>
+          <a:p>
+            <a:fld id="{CFE4BAC9-6D41-4691-9299-18EF07EF0177}" type="slidenum">
+              <a:rPr lang="en-US" smtClean="0"/>
+              <a:t>21</a:t>
+            </a:fld>
+            <a:endParaRPr lang="en-US"/>
+          </a:p>
+        </p:txBody>
+      </p:sp>
+    </p:spTree>
+    <p:extLst>
+      <p:ext uri="{BB962C8B-B14F-4D97-AF65-F5344CB8AC3E}">
+        <p14:creationId xmlns:p14="http://schemas.microsoft.com/office/powerpoint/2010/main" val="3647602877"/>
+      </p:ext>
+    </p:extLst>
+  </p:cSld>
+  <p:clrMapOvr>
+    <a:masterClrMapping/>
+  </p:clrMapOvr>
+</p:sld>
+</file>
+
+<file path=ppt/slides/slide23.xml><?xml version="1.0" encoding="utf-8"?>
+<p:sld xmlns:a="http://schemas.openxmlformats.org/drawingml/2006/main" xmlns:r="http://schemas.openxmlformats.org/officeDocument/2006/relationships" xmlns:p="http://schemas.openxmlformats.org/presentationml/2006/main">
+  <p:cSld>
+    <p:spTree>
+      <p:nvGrpSpPr>
+        <p:cNvPr id="1" name=""/>
+        <p:cNvGrpSpPr/>
+        <p:nvPr/>
+      </p:nvGrpSpPr>
+      <p:grpSpPr>
+        <a:xfrm>
+          <a:off x="0" y="0"/>
+          <a:ext cx="0" cy="0"/>
+          <a:chOff x="0" y="0"/>
+          <a:chExt cx="0" cy="0"/>
+        </a:xfrm>
+      </p:grpSpPr>
+      <p:sp>
+        <p:nvSpPr>
+          <p:cNvPr id="2" name="Заголовок 1">
+            <a:extLst>
+              <a:ext uri="{FF2B5EF4-FFF2-40B4-BE49-F238E27FC236}">
+                <a16:creationId xmlns:a16="http://schemas.microsoft.com/office/drawing/2014/main" id="{F981B4B0-7DD9-9349-969B-BD9DE1B9C531}"/>
+              </a:ext>
+            </a:extLst>
+          </p:cNvPr>
+          <p:cNvSpPr>
+            <a:spLocks noGrp="1"/>
+          </p:cNvSpPr>
+          <p:nvPr>
+            <p:ph type="title"/>
+          </p:nvPr>
+        </p:nvSpPr>
+        <p:spPr/>
+        <p:txBody>
+          <a:bodyPr/>
+          <a:lstStyle/>
+          <a:p>
+            <a:r>
+              <a:rPr lang="en-US" dirty="0" err="1"/>
+              <a:t>SQuAD</a:t>
+            </a:r>
+            <a:r>
+              <a:rPr lang="en-US" dirty="0"/>
+              <a:t> examples</a:t>
+            </a:r>
+            <a:endParaRPr lang="ru-RU" dirty="0"/>
+          </a:p>
+        </p:txBody>
+      </p:sp>
+      <p:sp>
+        <p:nvSpPr>
+          <p:cNvPr id="3" name="Объект 2">
+            <a:extLst>
+              <a:ext uri="{FF2B5EF4-FFF2-40B4-BE49-F238E27FC236}">
+                <a16:creationId xmlns:a16="http://schemas.microsoft.com/office/drawing/2014/main" id="{714FF952-F528-FE4F-BBBB-D3F3386F4E87}"/>
+              </a:ext>
+            </a:extLst>
+          </p:cNvPr>
+          <p:cNvSpPr>
+            <a:spLocks noGrp="1"/>
+          </p:cNvSpPr>
+          <p:nvPr>
+            <p:ph idx="1"/>
+          </p:nvPr>
+        </p:nvSpPr>
+        <p:spPr/>
+        <p:txBody>
+          <a:bodyPr/>
+          <a:lstStyle/>
+          <a:p>
+            <a:endParaRPr lang="ru-RU"/>
+          </a:p>
+        </p:txBody>
+      </p:sp>
+      <p:sp>
+        <p:nvSpPr>
+          <p:cNvPr id="4" name="Номер слайда 3">
+            <a:extLst>
+              <a:ext uri="{FF2B5EF4-FFF2-40B4-BE49-F238E27FC236}">
+                <a16:creationId xmlns:a16="http://schemas.microsoft.com/office/drawing/2014/main" id="{2DA2D872-E9F9-554B-AEE8-7F34B118588C}"/>
+              </a:ext>
+            </a:extLst>
+          </p:cNvPr>
+          <p:cNvSpPr>
+            <a:spLocks noGrp="1"/>
+          </p:cNvSpPr>
+          <p:nvPr>
+            <p:ph type="sldNum" sz="quarter" idx="12"/>
+          </p:nvPr>
+        </p:nvSpPr>
+        <p:spPr/>
+        <p:txBody>
+          <a:bodyPr/>
+          <a:lstStyle/>
+          <a:p>
+            <a:fld id="{CFE4BAC9-6D41-4691-9299-18EF07EF0177}" type="slidenum">
+              <a:rPr lang="en-US" smtClean="0"/>
+              <a:t>22</a:t>
+            </a:fld>
+            <a:endParaRPr lang="en-US"/>
+          </a:p>
+        </p:txBody>
+      </p:sp>
+      <p:pic>
+        <p:nvPicPr>
+          <p:cNvPr id="5" name="Рисунок 4">
+            <a:extLst>
+              <a:ext uri="{FF2B5EF4-FFF2-40B4-BE49-F238E27FC236}">
+                <a16:creationId xmlns:a16="http://schemas.microsoft.com/office/drawing/2014/main" id="{3277EA10-B524-B448-B3B9-7BF8DBDE1721}"/>
+              </a:ext>
+            </a:extLst>
+          </p:cNvPr>
+          <p:cNvPicPr>
+            <a:picLocks noChangeAspect="1"/>
+          </p:cNvPicPr>
+          <p:nvPr/>
+        </p:nvPicPr>
+        <p:blipFill>
+          <a:blip r:embed="rId2"/>
+          <a:stretch>
+            <a:fillRect/>
+          </a:stretch>
+        </p:blipFill>
+        <p:spPr>
+          <a:xfrm>
+            <a:off x="898525" y="2133601"/>
+            <a:ext cx="7661189" cy="3638585"/>
+          </a:xfrm>
+          <a:prstGeom prst="rect">
+            <a:avLst/>
+          </a:prstGeom>
+        </p:spPr>
+      </p:pic>
+    </p:spTree>
+    <p:extLst>
+      <p:ext uri="{BB962C8B-B14F-4D97-AF65-F5344CB8AC3E}">
+        <p14:creationId xmlns:p14="http://schemas.microsoft.com/office/powerpoint/2010/main" val="1290054922"/>
+      </p:ext>
+    </p:extLst>
+  </p:cSld>
+  <p:clrMapOvr>
+    <a:masterClrMapping/>
+  </p:clrMapOvr>
+</p:sld>
+</file>
+
+<file path=ppt/slides/slide24.xml><?xml version="1.0" encoding="utf-8"?>
+<p:sld xmlns:a="http://schemas.openxmlformats.org/drawingml/2006/main" xmlns:r="http://schemas.openxmlformats.org/officeDocument/2006/relationships" xmlns:p="http://schemas.openxmlformats.org/presentationml/2006/main">
+  <p:cSld>
+    <p:spTree>
+      <p:nvGrpSpPr>
+        <p:cNvPr id="1" name=""/>
+        <p:cNvGrpSpPr/>
+        <p:nvPr/>
+      </p:nvGrpSpPr>
+      <p:grpSpPr>
+        <a:xfrm>
+          <a:off x="0" y="0"/>
+          <a:ext cx="0" cy="0"/>
+          <a:chOff x="0" y="0"/>
+          <a:chExt cx="0" cy="0"/>
+        </a:xfrm>
+      </p:grpSpPr>
+      <p:sp>
+        <p:nvSpPr>
+          <p:cNvPr id="2" name="Заголовок 1">
+            <a:extLst>
+              <a:ext uri="{FF2B5EF4-FFF2-40B4-BE49-F238E27FC236}">
+                <a16:creationId xmlns:a16="http://schemas.microsoft.com/office/drawing/2014/main" id="{C6C1171B-FB68-FB44-9A83-01D9EA77A0E3}"/>
+              </a:ext>
+            </a:extLst>
+          </p:cNvPr>
+          <p:cNvSpPr>
+            <a:spLocks noGrp="1"/>
+          </p:cNvSpPr>
+          <p:nvPr>
+            <p:ph type="title"/>
+          </p:nvPr>
+        </p:nvSpPr>
+        <p:spPr/>
+        <p:txBody>
+          <a:bodyPr/>
+          <a:lstStyle/>
+          <a:p>
+            <a:r>
+              <a:rPr lang="en-US" dirty="0" err="1"/>
+              <a:t>SQuAD</a:t>
+            </a:r>
+            <a:r>
+              <a:rPr lang="en-US" dirty="0"/>
+              <a:t> explorer</a:t>
+            </a:r>
+            <a:endParaRPr lang="ru-RU" dirty="0"/>
+          </a:p>
+        </p:txBody>
+      </p:sp>
+      <p:sp>
+        <p:nvSpPr>
+          <p:cNvPr id="3" name="Объект 2">
+            <a:extLst>
+              <a:ext uri="{FF2B5EF4-FFF2-40B4-BE49-F238E27FC236}">
+                <a16:creationId xmlns:a16="http://schemas.microsoft.com/office/drawing/2014/main" id="{802C2BC2-FAD0-1242-8972-43ED8F3CD544}"/>
+              </a:ext>
+            </a:extLst>
+          </p:cNvPr>
+          <p:cNvSpPr>
+            <a:spLocks noGrp="1"/>
+          </p:cNvSpPr>
+          <p:nvPr>
+            <p:ph idx="1"/>
+          </p:nvPr>
+        </p:nvSpPr>
+        <p:spPr/>
+        <p:txBody>
+          <a:bodyPr/>
+          <a:lstStyle/>
+          <a:p>
+            <a:pPr marL="0" indent="0">
+              <a:buNone/>
+            </a:pPr>
+            <a:endParaRPr lang="en-US" dirty="0"/>
+          </a:p>
+          <a:p>
+            <a:pPr marL="0" indent="0">
+              <a:buNone/>
+            </a:pPr>
+            <a:endParaRPr lang="en-US" dirty="0"/>
+          </a:p>
+          <a:p>
+            <a:pPr marL="0" indent="0">
+              <a:buNone/>
+            </a:pPr>
+            <a:r>
+              <a:rPr lang="en-US" dirty="0">
+                <a:hlinkClick r:id="rId2"/>
+              </a:rPr>
+              <a:t>https://rajpurkar.github.io/SQuAD-explorer/explore/v2.0/dev/</a:t>
+            </a:r>
+            <a:r>
+              <a:rPr lang="en-US" dirty="0"/>
+              <a:t> </a:t>
+            </a:r>
+            <a:endParaRPr lang="ru-RU" dirty="0"/>
+          </a:p>
+        </p:txBody>
+      </p:sp>
+      <p:sp>
+        <p:nvSpPr>
+          <p:cNvPr id="4" name="Номер слайда 3">
+            <a:extLst>
+              <a:ext uri="{FF2B5EF4-FFF2-40B4-BE49-F238E27FC236}">
+                <a16:creationId xmlns:a16="http://schemas.microsoft.com/office/drawing/2014/main" id="{3C5A9D3B-6850-5145-90A3-AA51E60EC909}"/>
+              </a:ext>
+            </a:extLst>
+          </p:cNvPr>
+          <p:cNvSpPr>
+            <a:spLocks noGrp="1"/>
+          </p:cNvSpPr>
+          <p:nvPr>
+            <p:ph type="sldNum" sz="quarter" idx="12"/>
+          </p:nvPr>
+        </p:nvSpPr>
+        <p:spPr/>
+        <p:txBody>
+          <a:bodyPr/>
+          <a:lstStyle/>
+          <a:p>
+            <a:fld id="{CFE4BAC9-6D41-4691-9299-18EF07EF0177}" type="slidenum">
+              <a:rPr lang="en-US" smtClean="0"/>
+              <a:t>23</a:t>
+            </a:fld>
+            <a:endParaRPr lang="en-US"/>
+          </a:p>
+        </p:txBody>
+      </p:sp>
+    </p:spTree>
+    <p:extLst>
+      <p:ext uri="{BB962C8B-B14F-4D97-AF65-F5344CB8AC3E}">
+        <p14:creationId xmlns:p14="http://schemas.microsoft.com/office/powerpoint/2010/main" val="961228592"/>
+      </p:ext>
+    </p:extLst>
+  </p:cSld>
+  <p:clrMapOvr>
+    <a:masterClrMapping/>
+  </p:clrMapOvr>
+</p:sld>
+</file>
+
+<file path=ppt/slides/slide25.xml><?xml version="1.0" encoding="utf-8"?>
+<p:sld xmlns:a="http://schemas.openxmlformats.org/drawingml/2006/main" xmlns:r="http://schemas.openxmlformats.org/officeDocument/2006/relationships" xmlns:p="http://schemas.openxmlformats.org/presentationml/2006/main">
+  <p:cSld>
+    <p:spTree>
+      <p:nvGrpSpPr>
+        <p:cNvPr id="1" name=""/>
+        <p:cNvGrpSpPr/>
+        <p:nvPr/>
+      </p:nvGrpSpPr>
+      <p:grpSpPr>
+        <a:xfrm>
+          <a:off x="0" y="0"/>
+          <a:ext cx="0" cy="0"/>
+          <a:chOff x="0" y="0"/>
+          <a:chExt cx="0" cy="0"/>
+        </a:xfrm>
+      </p:grpSpPr>
+      <p:sp>
+        <p:nvSpPr>
+          <p:cNvPr id="2" name="Заголовок 1">
+            <a:extLst>
+              <a:ext uri="{FF2B5EF4-FFF2-40B4-BE49-F238E27FC236}">
                 <a16:creationId xmlns:a16="http://schemas.microsoft.com/office/drawing/2014/main" id="{3814EE13-0DED-F647-B071-AF7E0F9650F0}"/>
               </a:ext>
             </a:extLst>
@@ -14268,7 +15574,7 @@
           <a:p>
             <a:fld id="{CFE4BAC9-6D41-4691-9299-18EF07EF0177}" type="slidenum">
               <a:rPr lang="en-US" smtClean="0"/>
-              <a:t>19</a:t>
+              <a:t>24</a:t>
             </a:fld>
             <a:endParaRPr lang="en-US"/>
           </a:p>
@@ -14317,7 +15623,7 @@
 </p:sld>
 </file>
 
-<file path=ppt/slides/slide21.xml><?xml version="1.0" encoding="utf-8"?>
+<file path=ppt/slides/slide26.xml><?xml version="1.0" encoding="utf-8"?>
 <p:sld xmlns:a="http://schemas.openxmlformats.org/drawingml/2006/main" xmlns:r="http://schemas.openxmlformats.org/officeDocument/2006/relationships" xmlns:p="http://schemas.openxmlformats.org/presentationml/2006/main">
   <p:cSld>
     <p:spTree>
@@ -14500,7 +15806,7 @@
           <a:p>
             <a:fld id="{CFE4BAC9-6D41-4691-9299-18EF07EF0177}" type="slidenum">
               <a:rPr lang="en-US" smtClean="0"/>
-              <a:t>20</a:t>
+              <a:t>25</a:t>
             </a:fld>
             <a:endParaRPr lang="en-US"/>
           </a:p>
@@ -14519,7 +15825,7 @@
 </p:sld>
 </file>
 
-<file path=ppt/slides/slide22.xml><?xml version="1.0" encoding="utf-8"?>
+<file path=ppt/slides/slide27.xml><?xml version="1.0" encoding="utf-8"?>
 <p:sld xmlns:a="http://schemas.openxmlformats.org/drawingml/2006/main" xmlns:r="http://schemas.openxmlformats.org/officeDocument/2006/relationships" xmlns:p="http://schemas.openxmlformats.org/presentationml/2006/main">
   <p:cSld>
     <p:spTree>
@@ -14619,7 +15925,7 @@
           <a:p>
             <a:fld id="{CFE4BAC9-6D41-4691-9299-18EF07EF0177}" type="slidenum">
               <a:rPr lang="en-US" smtClean="0"/>
-              <a:t>21</a:t>
+              <a:t>26</a:t>
             </a:fld>
             <a:endParaRPr lang="en-US"/>
           </a:p>
@@ -14668,7 +15974,7 @@
 </p:sld>
 </file>
 
-<file path=ppt/slides/slide23.xml><?xml version="1.0" encoding="utf-8"?>
+<file path=ppt/slides/slide28.xml><?xml version="1.0" encoding="utf-8"?>
 <p:sld xmlns:a="http://schemas.openxmlformats.org/drawingml/2006/main" xmlns:r="http://schemas.openxmlformats.org/officeDocument/2006/relationships" xmlns:p="http://schemas.openxmlformats.org/presentationml/2006/main">
   <p:cSld>
     <p:spTree>
@@ -14918,7 +16224,7 @@
           <a:p>
             <a:fld id="{CFE4BAC9-6D41-4691-9299-18EF07EF0177}" type="slidenum">
               <a:rPr lang="en-US" smtClean="0"/>
-              <a:t>22</a:t>
+              <a:t>27</a:t>
             </a:fld>
             <a:endParaRPr lang="en-US"/>
           </a:p>
@@ -15011,7 +16317,374 @@
 </p:sld>
 </file>
 
-<file path=ppt/slides/slide24.xml><?xml version="1.0" encoding="utf-8"?>
+<file path=ppt/slides/slide29.xml><?xml version="1.0" encoding="utf-8"?>
+<p:sld xmlns:a="http://schemas.openxmlformats.org/drawingml/2006/main" xmlns:r="http://schemas.openxmlformats.org/officeDocument/2006/relationships" xmlns:p="http://schemas.openxmlformats.org/presentationml/2006/main">
+  <p:cSld>
+    <p:spTree>
+      <p:nvGrpSpPr>
+        <p:cNvPr id="1" name=""/>
+        <p:cNvGrpSpPr/>
+        <p:nvPr/>
+      </p:nvGrpSpPr>
+      <p:grpSpPr>
+        <a:xfrm>
+          <a:off x="0" y="0"/>
+          <a:ext cx="0" cy="0"/>
+          <a:chOff x="0" y="0"/>
+          <a:chExt cx="0" cy="0"/>
+        </a:xfrm>
+      </p:grpSpPr>
+      <p:sp>
+        <p:nvSpPr>
+          <p:cNvPr id="2" name="Заголовок 1">
+            <a:extLst>
+              <a:ext uri="{FF2B5EF4-FFF2-40B4-BE49-F238E27FC236}">
+                <a16:creationId xmlns:a16="http://schemas.microsoft.com/office/drawing/2014/main" id="{DA736692-B158-734A-96EE-DD54185DFCA3}"/>
+              </a:ext>
+            </a:extLst>
+          </p:cNvPr>
+          <p:cNvSpPr>
+            <a:spLocks noGrp="1"/>
+          </p:cNvSpPr>
+          <p:nvPr>
+            <p:ph type="title"/>
+          </p:nvPr>
+        </p:nvSpPr>
+        <p:spPr/>
+        <p:txBody>
+          <a:bodyPr/>
+          <a:lstStyle/>
+          <a:p>
+            <a:r>
+              <a:rPr lang="ru-RU" dirty="0"/>
+              <a:t>Корпуса диалогов</a:t>
+            </a:r>
+          </a:p>
+        </p:txBody>
+      </p:sp>
+      <p:sp>
+        <p:nvSpPr>
+          <p:cNvPr id="3" name="Объект 2">
+            <a:extLst>
+              <a:ext uri="{FF2B5EF4-FFF2-40B4-BE49-F238E27FC236}">
+                <a16:creationId xmlns:a16="http://schemas.microsoft.com/office/drawing/2014/main" id="{46739136-6931-2C46-92BA-B4A7F0FFD1CA}"/>
+              </a:ext>
+            </a:extLst>
+          </p:cNvPr>
+          <p:cNvSpPr>
+            <a:spLocks noGrp="1"/>
+          </p:cNvSpPr>
+          <p:nvPr>
+            <p:ph idx="1"/>
+          </p:nvPr>
+        </p:nvSpPr>
+        <p:spPr/>
+        <p:txBody>
+          <a:bodyPr/>
+          <a:lstStyle/>
+          <a:p>
+            <a:r>
+              <a:rPr lang="en-US" dirty="0"/>
+              <a:t>Support</a:t>
+            </a:r>
+          </a:p>
+          <a:p>
+            <a:pPr marL="0" indent="0">
+              <a:buNone/>
+            </a:pPr>
+            <a:r>
+              <a:rPr lang="en-US" dirty="0">
+                <a:hlinkClick r:id="rId2"/>
+              </a:rPr>
+              <a:t>Ubuntu Dialogue corpus</a:t>
+            </a:r>
+            <a:endParaRPr lang="en-US" dirty="0"/>
+          </a:p>
+          <a:p>
+            <a:r>
+              <a:rPr lang="en-US" dirty="0"/>
+              <a:t>Chats</a:t>
+            </a:r>
+          </a:p>
+          <a:p>
+            <a:pPr marL="0" indent="0">
+              <a:buNone/>
+            </a:pPr>
+            <a:r>
+              <a:rPr lang="en-US" dirty="0">
+                <a:hlinkClick r:id="rId3"/>
+              </a:rPr>
+              <a:t>Cornell Movie dialogs</a:t>
+            </a:r>
+            <a:endParaRPr lang="en-US" dirty="0"/>
+          </a:p>
+          <a:p>
+            <a:pPr marL="0" indent="0">
+              <a:buNone/>
+            </a:pPr>
+            <a:r>
+              <a:rPr lang="en-US" dirty="0">
+                <a:hlinkClick r:id="rId4"/>
+              </a:rPr>
+              <a:t>ConAI datasets</a:t>
+            </a:r>
+            <a:endParaRPr lang="en-US" dirty="0"/>
+          </a:p>
+          <a:p>
+            <a:pPr>
+              <a:buFont typeface="Wingdings" pitchFamily="2" charset="2"/>
+              <a:buChar char="Ø"/>
+            </a:pPr>
+            <a:r>
+              <a:rPr lang="ru-RU" dirty="0"/>
+              <a:t>можно обучать </a:t>
+            </a:r>
+            <a:r>
+              <a:rPr lang="en-US" dirty="0"/>
+              <a:t>sequence-to-sequence </a:t>
+            </a:r>
+            <a:r>
+              <a:rPr lang="ru-RU" dirty="0"/>
+              <a:t>модель</a:t>
+            </a:r>
+          </a:p>
+        </p:txBody>
+      </p:sp>
+      <p:sp>
+        <p:nvSpPr>
+          <p:cNvPr id="4" name="Номер слайда 3">
+            <a:extLst>
+              <a:ext uri="{FF2B5EF4-FFF2-40B4-BE49-F238E27FC236}">
+                <a16:creationId xmlns:a16="http://schemas.microsoft.com/office/drawing/2014/main" id="{DECE07B3-F452-2B42-980C-8668F9D758C6}"/>
+              </a:ext>
+            </a:extLst>
+          </p:cNvPr>
+          <p:cNvSpPr>
+            <a:spLocks noGrp="1"/>
+          </p:cNvSpPr>
+          <p:nvPr>
+            <p:ph type="sldNum" sz="quarter" idx="12"/>
+          </p:nvPr>
+        </p:nvSpPr>
+        <p:spPr/>
+        <p:txBody>
+          <a:bodyPr/>
+          <a:lstStyle/>
+          <a:p>
+            <a:fld id="{CFE4BAC9-6D41-4691-9299-18EF07EF0177}" type="slidenum">
+              <a:rPr lang="en-US" smtClean="0"/>
+              <a:t>28</a:t>
+            </a:fld>
+            <a:endParaRPr lang="en-US"/>
+          </a:p>
+        </p:txBody>
+      </p:sp>
+    </p:spTree>
+    <p:extLst>
+      <p:ext uri="{BB962C8B-B14F-4D97-AF65-F5344CB8AC3E}">
+        <p14:creationId xmlns:p14="http://schemas.microsoft.com/office/powerpoint/2010/main" val="4280191021"/>
+      </p:ext>
+    </p:extLst>
+  </p:cSld>
+  <p:clrMapOvr>
+    <a:masterClrMapping/>
+  </p:clrMapOvr>
+</p:sld>
+</file>
+
+<file path=ppt/slides/slide3.xml><?xml version="1.0" encoding="utf-8"?>
+<p:sld xmlns:a="http://schemas.openxmlformats.org/drawingml/2006/main" xmlns:r="http://schemas.openxmlformats.org/officeDocument/2006/relationships" xmlns:p="http://schemas.openxmlformats.org/presentationml/2006/main">
+  <p:cSld>
+    <p:spTree>
+      <p:nvGrpSpPr>
+        <p:cNvPr id="1" name=""/>
+        <p:cNvGrpSpPr/>
+        <p:nvPr/>
+      </p:nvGrpSpPr>
+      <p:grpSpPr>
+        <a:xfrm>
+          <a:off x="0" y="0"/>
+          <a:ext cx="0" cy="0"/>
+          <a:chOff x="0" y="0"/>
+          <a:chExt cx="0" cy="0"/>
+        </a:xfrm>
+      </p:grpSpPr>
+      <p:sp>
+        <p:nvSpPr>
+          <p:cNvPr id="2" name="Заголовок 1">
+            <a:extLst>
+              <a:ext uri="{FF2B5EF4-FFF2-40B4-BE49-F238E27FC236}">
+                <a16:creationId xmlns:a16="http://schemas.microsoft.com/office/drawing/2014/main" id="{0BB04F13-1B14-294D-A8AC-F35BDA62F109}"/>
+              </a:ext>
+            </a:extLst>
+          </p:cNvPr>
+          <p:cNvSpPr>
+            <a:spLocks noGrp="1"/>
+          </p:cNvSpPr>
+          <p:nvPr>
+            <p:ph type="title"/>
+          </p:nvPr>
+        </p:nvSpPr>
+        <p:spPr/>
+        <p:txBody>
+          <a:bodyPr/>
+          <a:lstStyle/>
+          <a:p>
+            <a:r>
+              <a:rPr lang="ru-RU" dirty="0"/>
+              <a:t>Извлечение отношений</a:t>
+            </a:r>
+          </a:p>
+        </p:txBody>
+      </p:sp>
+      <p:sp>
+        <p:nvSpPr>
+          <p:cNvPr id="3" name="Объект 2">
+            <a:extLst>
+              <a:ext uri="{FF2B5EF4-FFF2-40B4-BE49-F238E27FC236}">
+                <a16:creationId xmlns:a16="http://schemas.microsoft.com/office/drawing/2014/main" id="{052319D3-2881-C347-90CC-DC100F03BF74}"/>
+              </a:ext>
+            </a:extLst>
+          </p:cNvPr>
+          <p:cNvSpPr>
+            <a:spLocks noGrp="1"/>
+          </p:cNvSpPr>
+          <p:nvPr>
+            <p:ph idx="1"/>
+          </p:nvPr>
+        </p:nvSpPr>
+        <p:spPr/>
+        <p:txBody>
+          <a:bodyPr/>
+          <a:lstStyle/>
+          <a:p>
+            <a:pPr>
+              <a:buFont typeface="Wingdings" pitchFamily="2" charset="2"/>
+              <a:buChar char="Ø"/>
+            </a:pPr>
+            <a:r>
+              <a:rPr lang="ru-RU" dirty="0"/>
+              <a:t>Бинарные отношения </a:t>
+            </a:r>
+            <a:r>
+              <a:rPr lang="en-US" i="1" dirty="0" err="1"/>
+              <a:t>aRb</a:t>
+            </a:r>
+            <a:endParaRPr lang="en-US" i="1" dirty="0"/>
+          </a:p>
+          <a:p>
+            <a:pPr>
+              <a:buFont typeface="Wingdings" pitchFamily="2" charset="2"/>
+              <a:buChar char="Ø"/>
+            </a:pPr>
+            <a:r>
+              <a:rPr lang="ru-RU" dirty="0"/>
+              <a:t>Обычно не симметричные</a:t>
+            </a:r>
+          </a:p>
+          <a:p>
+            <a:pPr marL="0" indent="0">
+              <a:buNone/>
+            </a:pPr>
+            <a:r>
+              <a:rPr lang="ru-RU" dirty="0"/>
+              <a:t>Соревнования </a:t>
+            </a:r>
+            <a:r>
+              <a:rPr lang="en-US" dirty="0"/>
+              <a:t>ACE</a:t>
+            </a:r>
+            <a:r>
+              <a:rPr lang="ru-RU" dirty="0"/>
+              <a:t> </a:t>
+            </a:r>
+            <a:r>
+              <a:rPr lang="en-US" dirty="0"/>
+              <a:t>– 17 </a:t>
+            </a:r>
+            <a:r>
+              <a:rPr lang="ru-RU" dirty="0"/>
+              <a:t>типов отношений</a:t>
+            </a:r>
+            <a:r>
+              <a:rPr lang="en-US" dirty="0"/>
+              <a:t>:</a:t>
+            </a:r>
+          </a:p>
+          <a:p>
+            <a:pPr lvl="1"/>
+            <a:r>
+              <a:rPr lang="en-US" dirty="0"/>
+              <a:t>Part of</a:t>
+            </a:r>
+          </a:p>
+          <a:p>
+            <a:pPr lvl="1"/>
+            <a:r>
+              <a:rPr lang="en-US" dirty="0"/>
+              <a:t>Family member</a:t>
+            </a:r>
+          </a:p>
+          <a:p>
+            <a:pPr lvl="1"/>
+            <a:r>
+              <a:rPr lang="en-US" dirty="0"/>
+              <a:t>Employs (Org employs Per)</a:t>
+            </a:r>
+          </a:p>
+          <a:p>
+            <a:pPr lvl="1"/>
+            <a:r>
+              <a:rPr lang="en-US" dirty="0"/>
+              <a:t>Location</a:t>
+            </a:r>
+            <a:endParaRPr lang="ru-RU" dirty="0"/>
+          </a:p>
+        </p:txBody>
+      </p:sp>
+      <p:sp>
+        <p:nvSpPr>
+          <p:cNvPr id="4" name="Номер слайда 3">
+            <a:extLst>
+              <a:ext uri="{FF2B5EF4-FFF2-40B4-BE49-F238E27FC236}">
+                <a16:creationId xmlns:a16="http://schemas.microsoft.com/office/drawing/2014/main" id="{54EB921F-9307-B146-93B6-F1120DD976E1}"/>
+              </a:ext>
+            </a:extLst>
+          </p:cNvPr>
+          <p:cNvSpPr>
+            <a:spLocks noGrp="1"/>
+          </p:cNvSpPr>
+          <p:nvPr>
+            <p:ph type="sldNum" sz="quarter" idx="12"/>
+          </p:nvPr>
+        </p:nvSpPr>
+        <p:spPr/>
+        <p:txBody>
+          <a:bodyPr/>
+          <a:lstStyle/>
+          <a:p>
+            <a:fld id="{CFE4BAC9-6D41-4691-9299-18EF07EF0177}" type="slidenum">
+              <a:rPr lang="en-US" smtClean="0"/>
+              <a:t>2</a:t>
+            </a:fld>
+            <a:endParaRPr lang="en-US"/>
+          </a:p>
+        </p:txBody>
+      </p:sp>
+    </p:spTree>
+    <p:extLst>
+      <p:ext uri="{BB962C8B-B14F-4D97-AF65-F5344CB8AC3E}">
+        <p14:creationId xmlns:p14="http://schemas.microsoft.com/office/powerpoint/2010/main" val="3284857392"/>
+      </p:ext>
+    </p:extLst>
+  </p:cSld>
+  <p:clrMapOvr>
+    <a:masterClrMapping/>
+  </p:clrMapOvr>
+</p:sld>
+</file>
+
+<file path=ppt/slides/slide30.xml><?xml version="1.0" encoding="utf-8"?>
 <p:sld xmlns:a="http://schemas.openxmlformats.org/drawingml/2006/main" xmlns:r="http://schemas.openxmlformats.org/officeDocument/2006/relationships" xmlns:p="http://schemas.openxmlformats.org/presentationml/2006/main">
   <p:cSld>
     <p:spTree>
@@ -15201,7 +16874,7 @@
           <a:p>
             <a:fld id="{CFE4BAC9-6D41-4691-9299-18EF07EF0177}" type="slidenum">
               <a:rPr lang="en-US" smtClean="0"/>
-              <a:t>23</a:t>
+              <a:t>29</a:t>
             </a:fld>
             <a:endParaRPr lang="en-US"/>
           </a:p>
@@ -15267,7 +16940,7 @@
 </p:sld>
 </file>
 
-<file path=ppt/slides/slide25.xml><?xml version="1.0" encoding="utf-8"?>
+<file path=ppt/slides/slide31.xml><?xml version="1.0" encoding="utf-8"?>
 <p:sld xmlns:a="http://schemas.openxmlformats.org/drawingml/2006/main" xmlns:r="http://schemas.openxmlformats.org/officeDocument/2006/relationships" xmlns:p="http://schemas.openxmlformats.org/presentationml/2006/main">
   <p:cSld>
     <p:spTree>
@@ -15660,7 +17333,7 @@
           <a:p>
             <a:fld id="{CFE4BAC9-6D41-4691-9299-18EF07EF0177}" type="slidenum">
               <a:rPr lang="en-US" smtClean="0"/>
-              <a:t>24</a:t>
+              <a:t>30</a:t>
             </a:fld>
             <a:endParaRPr lang="en-US"/>
           </a:p>
@@ -15679,7 +17352,7 @@
 </p:sld>
 </file>
 
-<file path=ppt/slides/slide26.xml><?xml version="1.0" encoding="utf-8"?>
+<file path=ppt/slides/slide32.xml><?xml version="1.0" encoding="utf-8"?>
 <p:sld xmlns:a="http://schemas.openxmlformats.org/drawingml/2006/main" xmlns:r="http://schemas.openxmlformats.org/officeDocument/2006/relationships" xmlns:p="http://schemas.openxmlformats.org/presentationml/2006/main">
   <p:cSld>
     <p:spTree>
@@ -15852,7 +17525,7 @@
           <a:p>
             <a:fld id="{CFE4BAC9-6D41-4691-9299-18EF07EF0177}" type="slidenum">
               <a:rPr lang="en-US" smtClean="0"/>
-              <a:t>25</a:t>
+              <a:t>31</a:t>
             </a:fld>
             <a:endParaRPr lang="en-US"/>
           </a:p>
@@ -15871,7 +17544,7 @@
 </p:sld>
 </file>
 
-<file path=ppt/slides/slide27.xml><?xml version="1.0" encoding="utf-8"?>
+<file path=ppt/slides/slide33.xml><?xml version="1.0" encoding="utf-8"?>
 <p:sld xmlns:a="http://schemas.openxmlformats.org/drawingml/2006/main" xmlns:r="http://schemas.openxmlformats.org/officeDocument/2006/relationships" xmlns:p="http://schemas.openxmlformats.org/presentationml/2006/main">
   <p:cSld>
     <p:spTree>
@@ -15967,7 +17640,7 @@
           <a:p>
             <a:fld id="{CFE4BAC9-6D41-4691-9299-18EF07EF0177}" type="slidenum">
               <a:rPr lang="en-US" smtClean="0"/>
-              <a:t>26</a:t>
+              <a:t>32</a:t>
             </a:fld>
             <a:endParaRPr lang="en-US"/>
           </a:p>
@@ -15977,198 +17650,6 @@
     <p:extLst>
       <p:ext uri="{BB962C8B-B14F-4D97-AF65-F5344CB8AC3E}">
         <p14:creationId xmlns:p14="http://schemas.microsoft.com/office/powerpoint/2010/main" val="3962231212"/>
-      </p:ext>
-    </p:extLst>
-  </p:cSld>
-  <p:clrMapOvr>
-    <a:masterClrMapping/>
-  </p:clrMapOvr>
-</p:sld>
-</file>
-
-<file path=ppt/slides/slide3.xml><?xml version="1.0" encoding="utf-8"?>
-<p:sld xmlns:a="http://schemas.openxmlformats.org/drawingml/2006/main" xmlns:r="http://schemas.openxmlformats.org/officeDocument/2006/relationships" xmlns:p="http://schemas.openxmlformats.org/presentationml/2006/main">
-  <p:cSld>
-    <p:spTree>
-      <p:nvGrpSpPr>
-        <p:cNvPr id="1" name=""/>
-        <p:cNvGrpSpPr/>
-        <p:nvPr/>
-      </p:nvGrpSpPr>
-      <p:grpSpPr>
-        <a:xfrm>
-          <a:off x="0" y="0"/>
-          <a:ext cx="0" cy="0"/>
-          <a:chOff x="0" y="0"/>
-          <a:chExt cx="0" cy="0"/>
-        </a:xfrm>
-      </p:grpSpPr>
-      <p:sp>
-        <p:nvSpPr>
-          <p:cNvPr id="2" name="Заголовок 1">
-            <a:extLst>
-              <a:ext uri="{FF2B5EF4-FFF2-40B4-BE49-F238E27FC236}">
-                <a16:creationId xmlns:a16="http://schemas.microsoft.com/office/drawing/2014/main" id="{0BB04F13-1B14-294D-A8AC-F35BDA62F109}"/>
-              </a:ext>
-            </a:extLst>
-          </p:cNvPr>
-          <p:cNvSpPr>
-            <a:spLocks noGrp="1"/>
-          </p:cNvSpPr>
-          <p:nvPr>
-            <p:ph type="title"/>
-          </p:nvPr>
-        </p:nvSpPr>
-        <p:spPr/>
-        <p:txBody>
-          <a:bodyPr/>
-          <a:lstStyle/>
-          <a:p>
-            <a:r>
-              <a:rPr lang="ru-RU" dirty="0"/>
-              <a:t>Извлечение отношений</a:t>
-            </a:r>
-          </a:p>
-        </p:txBody>
-      </p:sp>
-      <p:sp>
-        <p:nvSpPr>
-          <p:cNvPr id="3" name="Объект 2">
-            <a:extLst>
-              <a:ext uri="{FF2B5EF4-FFF2-40B4-BE49-F238E27FC236}">
-                <a16:creationId xmlns:a16="http://schemas.microsoft.com/office/drawing/2014/main" id="{052319D3-2881-C347-90CC-DC100F03BF74}"/>
-              </a:ext>
-            </a:extLst>
-          </p:cNvPr>
-          <p:cNvSpPr>
-            <a:spLocks noGrp="1"/>
-          </p:cNvSpPr>
-          <p:nvPr>
-            <p:ph idx="1"/>
-          </p:nvPr>
-        </p:nvSpPr>
-        <p:spPr/>
-        <p:txBody>
-          <a:bodyPr/>
-          <a:lstStyle/>
-          <a:p>
-            <a:pPr>
-              <a:buFont typeface="Wingdings" pitchFamily="2" charset="2"/>
-              <a:buChar char="Ø"/>
-            </a:pPr>
-            <a:r>
-              <a:rPr lang="ru-RU" dirty="0"/>
-              <a:t>Бинарные отношения </a:t>
-            </a:r>
-            <a:r>
-              <a:rPr lang="en-US" i="1" dirty="0" err="1"/>
-              <a:t>aRb</a:t>
-            </a:r>
-            <a:endParaRPr lang="en-US" i="1" dirty="0"/>
-          </a:p>
-          <a:p>
-            <a:pPr>
-              <a:buFont typeface="Wingdings" pitchFamily="2" charset="2"/>
-              <a:buChar char="Ø"/>
-            </a:pPr>
-            <a:r>
-              <a:rPr lang="ru-RU" dirty="0"/>
-              <a:t>Обычно не симметричные</a:t>
-            </a:r>
-          </a:p>
-          <a:p>
-            <a:pPr marL="0" indent="0">
-              <a:buNone/>
-            </a:pPr>
-            <a:r>
-              <a:rPr lang="ru-RU" dirty="0"/>
-              <a:t>Соревнования </a:t>
-            </a:r>
-            <a:r>
-              <a:rPr lang="en-US" dirty="0"/>
-              <a:t>ACE</a:t>
-            </a:r>
-            <a:r>
-              <a:rPr lang="ru-RU" dirty="0"/>
-              <a:t> </a:t>
-            </a:r>
-            <a:r>
-              <a:rPr lang="en-US" dirty="0"/>
-              <a:t>– 17 </a:t>
-            </a:r>
-            <a:r>
-              <a:rPr lang="ru-RU" dirty="0"/>
-              <a:t>типов отношений</a:t>
-            </a:r>
-            <a:r>
-              <a:rPr lang="en-US" dirty="0"/>
-              <a:t>:</a:t>
-            </a:r>
-          </a:p>
-          <a:p>
-            <a:pPr lvl="1"/>
-            <a:r>
-              <a:rPr lang="en-US" dirty="0"/>
-              <a:t>Part of</a:t>
-            </a:r>
-          </a:p>
-          <a:p>
-            <a:pPr lvl="1"/>
-            <a:r>
-              <a:rPr lang="en-US" dirty="0"/>
-              <a:t>Family member</a:t>
-            </a:r>
-          </a:p>
-          <a:p>
-            <a:pPr lvl="1"/>
-            <a:r>
-              <a:rPr lang="en-US" dirty="0"/>
-              <a:t>Employs (Org employs Per)</a:t>
-            </a:r>
-          </a:p>
-          <a:p>
-            <a:pPr lvl="1"/>
-            <a:r>
-              <a:rPr lang="en-US" dirty="0"/>
-              <a:t>Location</a:t>
-            </a:r>
-            <a:endParaRPr lang="ru-RU" dirty="0"/>
-          </a:p>
-        </p:txBody>
-      </p:sp>
-      <p:sp>
-        <p:nvSpPr>
-          <p:cNvPr id="4" name="Номер слайда 3">
-            <a:extLst>
-              <a:ext uri="{FF2B5EF4-FFF2-40B4-BE49-F238E27FC236}">
-                <a16:creationId xmlns:a16="http://schemas.microsoft.com/office/drawing/2014/main" id="{54EB921F-9307-B146-93B6-F1120DD976E1}"/>
-              </a:ext>
-            </a:extLst>
-          </p:cNvPr>
-          <p:cNvSpPr>
-            <a:spLocks noGrp="1"/>
-          </p:cNvSpPr>
-          <p:nvPr>
-            <p:ph type="sldNum" sz="quarter" idx="12"/>
-          </p:nvPr>
-        </p:nvSpPr>
-        <p:spPr/>
-        <p:txBody>
-          <a:bodyPr/>
-          <a:lstStyle/>
-          <a:p>
-            <a:fld id="{CFE4BAC9-6D41-4691-9299-18EF07EF0177}" type="slidenum">
-              <a:rPr lang="en-US" smtClean="0"/>
-              <a:t>2</a:t>
-            </a:fld>
-            <a:endParaRPr lang="en-US"/>
-          </a:p>
-        </p:txBody>
-      </p:sp>
-    </p:spTree>
-    <p:extLst>
-      <p:ext uri="{BB962C8B-B14F-4D97-AF65-F5344CB8AC3E}">
-        <p14:creationId xmlns:p14="http://schemas.microsoft.com/office/powerpoint/2010/main" val="3284857392"/>
       </p:ext>
     </p:extLst>
   </p:cSld>

--- a/4th_year/Slides/8_information-extraction.pptx
+++ b/4th_year/Slides/8_information-extraction.pptx
@@ -5,10 +5,10 @@
     <p:sldMasterId id="2147483660" r:id="rId1"/>
   </p:sldMasterIdLst>
   <p:notesMasterIdLst>
-    <p:notesMasterId r:id="rId35"/>
+    <p:notesMasterId r:id="rId41"/>
   </p:notesMasterIdLst>
   <p:handoutMasterIdLst>
-    <p:handoutMasterId r:id="rId36"/>
+    <p:handoutMasterId r:id="rId42"/>
   </p:handoutMasterIdLst>
   <p:sldIdLst>
     <p:sldId id="256" r:id="rId2"/>
@@ -22,28 +22,34 @@
     <p:sldId id="298" r:id="rId10"/>
     <p:sldId id="321" r:id="rId11"/>
     <p:sldId id="299" r:id="rId12"/>
-    <p:sldId id="300" r:id="rId13"/>
-    <p:sldId id="301" r:id="rId14"/>
-    <p:sldId id="322" r:id="rId15"/>
-    <p:sldId id="323" r:id="rId16"/>
-    <p:sldId id="324" r:id="rId17"/>
-    <p:sldId id="327" r:id="rId18"/>
-    <p:sldId id="302" r:id="rId19"/>
-    <p:sldId id="303" r:id="rId20"/>
-    <p:sldId id="304" r:id="rId21"/>
-    <p:sldId id="305" r:id="rId22"/>
-    <p:sldId id="306" r:id="rId23"/>
-    <p:sldId id="312" r:id="rId24"/>
-    <p:sldId id="325" r:id="rId25"/>
-    <p:sldId id="307" r:id="rId26"/>
-    <p:sldId id="308" r:id="rId27"/>
-    <p:sldId id="309" r:id="rId28"/>
-    <p:sldId id="318" r:id="rId29"/>
-    <p:sldId id="326" r:id="rId30"/>
-    <p:sldId id="320" r:id="rId31"/>
-    <p:sldId id="310" r:id="rId32"/>
-    <p:sldId id="319" r:id="rId33"/>
-    <p:sldId id="287" r:id="rId34"/>
+    <p:sldId id="328" r:id="rId13"/>
+    <p:sldId id="332" r:id="rId14"/>
+    <p:sldId id="300" r:id="rId15"/>
+    <p:sldId id="301" r:id="rId16"/>
+    <p:sldId id="322" r:id="rId17"/>
+    <p:sldId id="330" r:id="rId18"/>
+    <p:sldId id="333" r:id="rId19"/>
+    <p:sldId id="329" r:id="rId20"/>
+    <p:sldId id="331" r:id="rId21"/>
+    <p:sldId id="323" r:id="rId22"/>
+    <p:sldId id="324" r:id="rId23"/>
+    <p:sldId id="327" r:id="rId24"/>
+    <p:sldId id="302" r:id="rId25"/>
+    <p:sldId id="303" r:id="rId26"/>
+    <p:sldId id="304" r:id="rId27"/>
+    <p:sldId id="305" r:id="rId28"/>
+    <p:sldId id="306" r:id="rId29"/>
+    <p:sldId id="312" r:id="rId30"/>
+    <p:sldId id="325" r:id="rId31"/>
+    <p:sldId id="307" r:id="rId32"/>
+    <p:sldId id="308" r:id="rId33"/>
+    <p:sldId id="309" r:id="rId34"/>
+    <p:sldId id="318" r:id="rId35"/>
+    <p:sldId id="326" r:id="rId36"/>
+    <p:sldId id="320" r:id="rId37"/>
+    <p:sldId id="310" r:id="rId38"/>
+    <p:sldId id="319" r:id="rId39"/>
+    <p:sldId id="287" r:id="rId40"/>
   </p:sldIdLst>
   <p:sldSz cx="9144000" cy="6858000" type="screen4x3"/>
   <p:notesSz cx="6858000" cy="9144000"/>
@@ -166,9 +172,19 @@
             <p14:sldId id="298"/>
             <p14:sldId id="321"/>
             <p14:sldId id="299"/>
+            <p14:sldId id="328"/>
+            <p14:sldId id="332"/>
+          </p14:sldIdLst>
+        </p14:section>
+        <p14:section name="Fact extraction" id="{0A2729CE-ABCA-174E-BBBC-C1AFCA43AFE7}">
+          <p14:sldIdLst>
             <p14:sldId id="300"/>
             <p14:sldId id="301"/>
             <p14:sldId id="322"/>
+            <p14:sldId id="330"/>
+            <p14:sldId id="333"/>
+            <p14:sldId id="329"/>
+            <p14:sldId id="331"/>
             <p14:sldId id="323"/>
             <p14:sldId id="324"/>
           </p14:sldIdLst>
@@ -3150,7 +3166,7 @@
           <a:p>
             <a:fld id="{FFFFC84B-3D85-6C41-A6B8-B4414FE774B1}" type="datetimeFigureOut">
               <a:rPr lang="ru-RU" smtClean="0"/>
-              <a:t>17.12.2020</a:t>
+              <a:t>06.12.2021</a:t>
             </a:fld>
             <a:endParaRPr lang="ru-RU"/>
           </a:p>
@@ -3316,7 +3332,7 @@
           <a:p>
             <a:fld id="{F13716B1-732F-724E-A7CA-7EEA59C7677F}" type="datetimeFigureOut">
               <a:rPr lang="ru-RU" smtClean="0"/>
-              <a:t>17.12.2020</a:t>
+              <a:t>06.12.2021</a:t>
             </a:fld>
             <a:endParaRPr lang="ru-RU"/>
           </a:p>
@@ -4021,7 +4037,7 @@
           <a:p>
             <a:fld id="{1BD29B5A-6FA8-1944-AA09-C15FC1C1D3F4}" type="datetime1">
               <a:rPr lang="ru-RU" smtClean="0"/>
-              <a:t>17.12.2020</a:t>
+              <a:t>06.12.2021</a:t>
             </a:fld>
             <a:endParaRPr lang="en-US"/>
           </a:p>
@@ -4660,7 +4676,7 @@
           <a:p>
             <a:fld id="{F2FC5981-F633-F348-AD61-7B45C71F3E85}" type="datetime1">
               <a:rPr lang="ru-RU" smtClean="0"/>
-              <a:t>17.12.2020</a:t>
+              <a:t>06.12.2021</a:t>
             </a:fld>
             <a:endParaRPr lang="en-US"/>
           </a:p>
@@ -5232,7 +5248,7 @@
           <a:p>
             <a:fld id="{6FFD786A-2766-434F-838B-70C1C90B5D16}" type="datetime1">
               <a:rPr lang="ru-RU" smtClean="0"/>
-              <a:t>17.12.2020</a:t>
+              <a:t>06.12.2021</a:t>
             </a:fld>
             <a:endParaRPr lang="en-US"/>
           </a:p>
@@ -5766,7 +5782,7 @@
           <a:p>
             <a:fld id="{219A4372-FACA-7E4C-A5AE-21327F1AE80E}" type="datetime1">
               <a:rPr lang="ru-RU" smtClean="0"/>
-              <a:t>17.12.2020</a:t>
+              <a:t>06.12.2021</a:t>
             </a:fld>
             <a:endParaRPr lang="en-US"/>
           </a:p>
@@ -6196,7 +6212,7 @@
           <a:p>
             <a:fld id="{E7B5BAFD-5FFD-9943-A6D9-C73E16B0CF16}" type="datetime1">
               <a:rPr lang="ru-RU" smtClean="0"/>
-              <a:t>17.12.2020</a:t>
+              <a:t>06.12.2021</a:t>
             </a:fld>
             <a:endParaRPr lang="en-US"/>
           </a:p>
@@ -6657,7 +6673,7 @@
           <a:p>
             <a:fld id="{BC572BD1-4709-774A-89D6-8CE2CC57B254}" type="datetime1">
               <a:rPr lang="ru-RU" smtClean="0"/>
-              <a:t>17.12.2020</a:t>
+              <a:t>06.12.2021</a:t>
             </a:fld>
             <a:endParaRPr lang="en-US"/>
           </a:p>
@@ -7087,7 +7103,7 @@
           <a:p>
             <a:fld id="{8FECC34A-0083-CB4F-A689-7874457D3ACA}" type="datetime1">
               <a:rPr lang="ru-RU" smtClean="0"/>
-              <a:t>17.12.2020</a:t>
+              <a:t>06.12.2021</a:t>
             </a:fld>
             <a:endParaRPr lang="en-US"/>
           </a:p>
@@ -7561,7 +7577,7 @@
           <a:p>
             <a:fld id="{E7CDB9D1-567A-1142-B4B5-240469426B94}" type="datetime1">
               <a:rPr lang="ru-RU" smtClean="0"/>
-              <a:t>17.12.2020</a:t>
+              <a:t>06.12.2021</a:t>
             </a:fld>
             <a:endParaRPr lang="en-US"/>
           </a:p>
@@ -8011,7 +8027,7 @@
           <a:p>
             <a:fld id="{EDB4058E-86B3-C342-9B3C-0A119089C657}" type="datetime1">
               <a:rPr lang="ru-RU" smtClean="0"/>
-              <a:t>17.12.2020</a:t>
+              <a:t>06.12.2021</a:t>
             </a:fld>
             <a:endParaRPr lang="en-US"/>
           </a:p>
@@ -8531,7 +8547,7 @@
           <a:p>
             <a:fld id="{6D121555-D9A8-204A-BF89-CA3ABD3E8C1B}" type="datetime1">
               <a:rPr lang="ru-RU" smtClean="0"/>
-              <a:t>17.12.2020</a:t>
+              <a:t>06.12.2021</a:t>
             </a:fld>
             <a:endParaRPr lang="en-US"/>
           </a:p>
@@ -9307,7 +9323,7 @@
           <a:p>
             <a:fld id="{36A109C3-556C-0C47-9F31-A86A6A8AD1C2}" type="datetime1">
               <a:rPr lang="ru-RU" smtClean="0"/>
-              <a:t>17.12.2020</a:t>
+              <a:t>06.12.2021</a:t>
             </a:fld>
             <a:endParaRPr lang="en-US"/>
           </a:p>
@@ -9653,7 +9669,7 @@
           <a:p>
             <a:fld id="{28EDD308-17E7-C441-9B31-E79F70629A6B}" type="datetime1">
               <a:rPr lang="ru-RU" smtClean="0"/>
-              <a:t>17.12.2020</a:t>
+              <a:t>06.12.2021</a:t>
             </a:fld>
             <a:endParaRPr lang="en-US"/>
           </a:p>
@@ -9922,7 +9938,7 @@
           <a:p>
             <a:fld id="{DCAA0E54-BF3A-7641-B831-A2A6C76295EB}" type="datetime1">
               <a:rPr lang="ru-RU" smtClean="0"/>
-              <a:t>17.12.2020</a:t>
+              <a:t>06.12.2021</a:t>
             </a:fld>
             <a:endParaRPr lang="en-US"/>
           </a:p>
@@ -10507,7 +10523,7 @@
           <a:p>
             <a:fld id="{6B72F7C5-D193-F942-884E-11273B3099B3}" type="datetime1">
               <a:rPr lang="ru-RU" smtClean="0"/>
-              <a:t>17.12.2020</a:t>
+              <a:t>06.12.2021</a:t>
             </a:fld>
             <a:endParaRPr lang="en-US"/>
           </a:p>
@@ -10745,7 +10761,7 @@
           <a:p>
             <a:fld id="{581EF739-069F-D042-A101-DAD394F2F4A6}" type="datetime1">
               <a:rPr lang="ru-RU" smtClean="0"/>
-              <a:t>17.12.2020</a:t>
+              <a:t>06.12.2021</a:t>
             </a:fld>
             <a:endParaRPr lang="en-US"/>
           </a:p>
@@ -11317,7 +11333,7 @@
                 <a:latin typeface="Cambria"/>
                 <a:cs typeface="Cambria"/>
               </a:rPr>
-              <a:t>20</a:t>
+              <a:t>21</a:t>
             </a:r>
             <a:endParaRPr lang="ru-RU" sz="2200" dirty="0">
               <a:latin typeface="Cambria"/>
@@ -11422,12 +11438,20 @@
               <a:t>Distant supervision (</a:t>
             </a:r>
             <a:r>
-              <a:rPr lang="en-US" dirty="0" err="1"/>
+              <a:rPr lang="en-US" dirty="0" err="1">
+                <a:hlinkClick r:id="rId2"/>
+              </a:rPr>
               <a:t>Mintz</a:t>
             </a:r>
             <a:r>
+              <a:rPr lang="en-US" dirty="0">
+                <a:hlinkClick r:id="rId2"/>
+              </a:rPr>
+              <a:t> et al. 2009</a:t>
+            </a:r>
+            <a:r>
               <a:rPr lang="en-US" dirty="0"/>
-              <a:t> et al. 2009)</a:t>
+              <a:t>)</a:t>
             </a:r>
           </a:p>
           <a:p>
@@ -11772,6 +11796,416 @@
           <p:cNvPr id="2" name="Заголовок 1">
             <a:extLst>
               <a:ext uri="{FF2B5EF4-FFF2-40B4-BE49-F238E27FC236}">
+                <a16:creationId xmlns:a16="http://schemas.microsoft.com/office/drawing/2014/main" id="{F5CD1A29-7F91-F044-BAFE-B1979460CE1B}"/>
+              </a:ext>
+            </a:extLst>
+          </p:cNvPr>
+          <p:cNvSpPr>
+            <a:spLocks noGrp="1"/>
+          </p:cNvSpPr>
+          <p:nvPr>
+            <p:ph type="title"/>
+          </p:nvPr>
+        </p:nvSpPr>
+        <p:spPr/>
+        <p:txBody>
+          <a:bodyPr>
+            <a:normAutofit/>
+          </a:bodyPr>
+          <a:lstStyle/>
+          <a:p>
+            <a:r>
+              <a:rPr lang="en-US" dirty="0"/>
+              <a:t>RE Datasets: </a:t>
+            </a:r>
+            <a:r>
+              <a:rPr lang="en-US" dirty="0" err="1"/>
+              <a:t>SemEval</a:t>
+            </a:r>
+            <a:endParaRPr lang="ru-RU" dirty="0"/>
+          </a:p>
+        </p:txBody>
+      </p:sp>
+      <p:sp>
+        <p:nvSpPr>
+          <p:cNvPr id="3" name="Объект 2">
+            <a:extLst>
+              <a:ext uri="{FF2B5EF4-FFF2-40B4-BE49-F238E27FC236}">
+                <a16:creationId xmlns:a16="http://schemas.microsoft.com/office/drawing/2014/main" id="{2BA89054-E7D2-694C-868F-6C95E66288A2}"/>
+              </a:ext>
+            </a:extLst>
+          </p:cNvPr>
+          <p:cNvSpPr>
+            <a:spLocks noGrp="1"/>
+          </p:cNvSpPr>
+          <p:nvPr>
+            <p:ph sz="half" idx="1"/>
+          </p:nvPr>
+        </p:nvSpPr>
+        <p:spPr/>
+        <p:txBody>
+          <a:bodyPr/>
+          <a:lstStyle/>
+          <a:p>
+            <a:r>
+              <a:rPr lang="en-US" dirty="0">
+                <a:hlinkClick r:id="rId2"/>
+              </a:rPr>
+              <a:t>SemEval-2007</a:t>
+            </a:r>
+            <a:r>
+              <a:rPr lang="en-US" dirty="0"/>
+              <a:t> Task 4</a:t>
+            </a:r>
+          </a:p>
+          <a:p>
+            <a:r>
+              <a:rPr lang="en-US" dirty="0">
+                <a:hlinkClick r:id="rId3"/>
+              </a:rPr>
+              <a:t>SemEval-2010 Task 8</a:t>
+            </a:r>
+            <a:endParaRPr lang="ru-RU" dirty="0"/>
+          </a:p>
+        </p:txBody>
+      </p:sp>
+      <p:pic>
+        <p:nvPicPr>
+          <p:cNvPr id="9" name="Объект 8">
+            <a:extLst>
+              <a:ext uri="{FF2B5EF4-FFF2-40B4-BE49-F238E27FC236}">
+                <a16:creationId xmlns:a16="http://schemas.microsoft.com/office/drawing/2014/main" id="{9A185DD0-2610-7B46-91B9-84BBD24E7F04}"/>
+              </a:ext>
+            </a:extLst>
+          </p:cNvPr>
+          <p:cNvPicPr>
+            <a:picLocks noGrp="1" noChangeAspect="1"/>
+          </p:cNvPicPr>
+          <p:nvPr>
+            <p:ph sz="half" idx="2"/>
+          </p:nvPr>
+        </p:nvPicPr>
+        <p:blipFill>
+          <a:blip r:embed="rId4">
+            <a:extLst>
+              <a:ext uri="{28A0092B-C50C-407E-A947-70E740481C1C}">
+                <a14:useLocalDpi xmlns:a14="http://schemas.microsoft.com/office/drawing/2010/main" val="0"/>
+              </a:ext>
+            </a:extLst>
+          </a:blip>
+          <a:stretch>
+            <a:fillRect/>
+          </a:stretch>
+        </p:blipFill>
+        <p:spPr>
+          <a:xfrm>
+            <a:off x="625475" y="3428999"/>
+            <a:ext cx="3824702" cy="2106827"/>
+          </a:xfrm>
+        </p:spPr>
+      </p:pic>
+      <p:sp>
+        <p:nvSpPr>
+          <p:cNvPr id="4" name="Номер слайда 3">
+            <a:extLst>
+              <a:ext uri="{FF2B5EF4-FFF2-40B4-BE49-F238E27FC236}">
+                <a16:creationId xmlns:a16="http://schemas.microsoft.com/office/drawing/2014/main" id="{1F2DC3B7-9BA7-6443-A83E-656B98B080A3}"/>
+              </a:ext>
+            </a:extLst>
+          </p:cNvPr>
+          <p:cNvSpPr>
+            <a:spLocks noGrp="1"/>
+          </p:cNvSpPr>
+          <p:nvPr>
+            <p:ph type="sldNum" sz="quarter" idx="12"/>
+          </p:nvPr>
+        </p:nvSpPr>
+        <p:spPr/>
+        <p:txBody>
+          <a:bodyPr/>
+          <a:lstStyle/>
+          <a:p>
+            <a:fld id="{CFE4BAC9-6D41-4691-9299-18EF07EF0177}" type="slidenum">
+              <a:rPr lang="en-US" smtClean="0"/>
+              <a:t>11</a:t>
+            </a:fld>
+            <a:endParaRPr lang="en-US"/>
+          </a:p>
+        </p:txBody>
+      </p:sp>
+      <p:pic>
+        <p:nvPicPr>
+          <p:cNvPr id="6" name="Рисунок 5">
+            <a:extLst>
+              <a:ext uri="{FF2B5EF4-FFF2-40B4-BE49-F238E27FC236}">
+                <a16:creationId xmlns:a16="http://schemas.microsoft.com/office/drawing/2014/main" id="{0F7A2A67-6B58-BA4A-8D44-0C2116A32B3D}"/>
+              </a:ext>
+            </a:extLst>
+          </p:cNvPr>
+          <p:cNvPicPr>
+            <a:picLocks noChangeAspect="1"/>
+          </p:cNvPicPr>
+          <p:nvPr/>
+        </p:nvPicPr>
+        <p:blipFill>
+          <a:blip r:embed="rId5">
+            <a:extLst>
+              <a:ext uri="{28A0092B-C50C-407E-A947-70E740481C1C}">
+                <a14:useLocalDpi xmlns:a14="http://schemas.microsoft.com/office/drawing/2010/main" val="0"/>
+              </a:ext>
+            </a:extLst>
+          </a:blip>
+          <a:stretch>
+            <a:fillRect/>
+          </a:stretch>
+        </p:blipFill>
+        <p:spPr>
+          <a:xfrm>
+            <a:off x="4525995" y="1775499"/>
+            <a:ext cx="3777618" cy="4440358"/>
+          </a:xfrm>
+          <a:prstGeom prst="rect">
+            <a:avLst/>
+          </a:prstGeom>
+        </p:spPr>
+      </p:pic>
+    </p:spTree>
+    <p:extLst>
+      <p:ext uri="{BB962C8B-B14F-4D97-AF65-F5344CB8AC3E}">
+        <p14:creationId xmlns:p14="http://schemas.microsoft.com/office/powerpoint/2010/main" val="1251516729"/>
+      </p:ext>
+    </p:extLst>
+  </p:cSld>
+  <p:clrMapOvr>
+    <a:masterClrMapping/>
+  </p:clrMapOvr>
+</p:sld>
+</file>
+
+<file path=ppt/slides/slide13.xml><?xml version="1.0" encoding="utf-8"?>
+<p:sld xmlns:a="http://schemas.openxmlformats.org/drawingml/2006/main" xmlns:r="http://schemas.openxmlformats.org/officeDocument/2006/relationships" xmlns:p="http://schemas.openxmlformats.org/presentationml/2006/main">
+  <p:cSld>
+    <p:spTree>
+      <p:nvGrpSpPr>
+        <p:cNvPr id="1" name=""/>
+        <p:cNvGrpSpPr/>
+        <p:nvPr/>
+      </p:nvGrpSpPr>
+      <p:grpSpPr>
+        <a:xfrm>
+          <a:off x="0" y="0"/>
+          <a:ext cx="0" cy="0"/>
+          <a:chOff x="0" y="0"/>
+          <a:chExt cx="0" cy="0"/>
+        </a:xfrm>
+      </p:grpSpPr>
+      <p:sp>
+        <p:nvSpPr>
+          <p:cNvPr id="6" name="Заголовок 5">
+            <a:extLst>
+              <a:ext uri="{FF2B5EF4-FFF2-40B4-BE49-F238E27FC236}">
+                <a16:creationId xmlns:a16="http://schemas.microsoft.com/office/drawing/2014/main" id="{146315ED-4605-3E4A-9330-60D4A73C9DC5}"/>
+              </a:ext>
+            </a:extLst>
+          </p:cNvPr>
+          <p:cNvSpPr>
+            <a:spLocks noGrp="1"/>
+          </p:cNvSpPr>
+          <p:nvPr>
+            <p:ph type="title"/>
+          </p:nvPr>
+        </p:nvSpPr>
+        <p:spPr/>
+        <p:txBody>
+          <a:bodyPr/>
+          <a:lstStyle/>
+          <a:p>
+            <a:r>
+              <a:rPr lang="en-US" dirty="0"/>
+              <a:t>RE Datasets: TACRED</a:t>
+            </a:r>
+            <a:endParaRPr lang="ru-RU" dirty="0"/>
+          </a:p>
+        </p:txBody>
+      </p:sp>
+      <p:sp>
+        <p:nvSpPr>
+          <p:cNvPr id="7" name="Объект 6">
+            <a:extLst>
+              <a:ext uri="{FF2B5EF4-FFF2-40B4-BE49-F238E27FC236}">
+                <a16:creationId xmlns:a16="http://schemas.microsoft.com/office/drawing/2014/main" id="{258A154A-543E-A14A-B3DE-8017779DA9E4}"/>
+              </a:ext>
+            </a:extLst>
+          </p:cNvPr>
+          <p:cNvSpPr>
+            <a:spLocks noGrp="1"/>
+          </p:cNvSpPr>
+          <p:nvPr>
+            <p:ph idx="1"/>
+          </p:nvPr>
+        </p:nvSpPr>
+        <p:spPr/>
+        <p:txBody>
+          <a:bodyPr/>
+          <a:lstStyle/>
+          <a:p>
+            <a:endParaRPr lang="ru-RU"/>
+          </a:p>
+        </p:txBody>
+      </p:sp>
+      <p:sp>
+        <p:nvSpPr>
+          <p:cNvPr id="5" name="Номер слайда 4">
+            <a:extLst>
+              <a:ext uri="{FF2B5EF4-FFF2-40B4-BE49-F238E27FC236}">
+                <a16:creationId xmlns:a16="http://schemas.microsoft.com/office/drawing/2014/main" id="{DA3918B2-4C7C-6642-9EB1-6695EF96F533}"/>
+              </a:ext>
+            </a:extLst>
+          </p:cNvPr>
+          <p:cNvSpPr>
+            <a:spLocks noGrp="1"/>
+          </p:cNvSpPr>
+          <p:nvPr>
+            <p:ph type="sldNum" sz="quarter" idx="12"/>
+          </p:nvPr>
+        </p:nvSpPr>
+        <p:spPr/>
+        <p:txBody>
+          <a:bodyPr/>
+          <a:lstStyle/>
+          <a:p>
+            <a:fld id="{CFE4BAC9-6D41-4691-9299-18EF07EF0177}" type="slidenum">
+              <a:rPr lang="en-US" smtClean="0"/>
+              <a:t>12</a:t>
+            </a:fld>
+            <a:endParaRPr lang="en-US"/>
+          </a:p>
+        </p:txBody>
+      </p:sp>
+      <p:pic>
+        <p:nvPicPr>
+          <p:cNvPr id="1026" name="Picture 2">
+            <a:extLst>
+              <a:ext uri="{FF2B5EF4-FFF2-40B4-BE49-F238E27FC236}">
+                <a16:creationId xmlns:a16="http://schemas.microsoft.com/office/drawing/2014/main" id="{ADDD3189-73DD-EF40-9EF4-893292D266E1}"/>
+              </a:ext>
+            </a:extLst>
+          </p:cNvPr>
+          <p:cNvPicPr>
+            <a:picLocks noChangeAspect="1" noChangeArrowheads="1"/>
+          </p:cNvPicPr>
+          <p:nvPr/>
+        </p:nvPicPr>
+        <p:blipFill>
+          <a:blip r:embed="rId2">
+            <a:extLst>
+              <a:ext uri="{28A0092B-C50C-407E-A947-70E740481C1C}">
+                <a14:useLocalDpi xmlns:a14="http://schemas.microsoft.com/office/drawing/2010/main" val="0"/>
+              </a:ext>
+            </a:extLst>
+          </a:blip>
+          <a:srcRect/>
+          <a:stretch>
+            <a:fillRect/>
+          </a:stretch>
+        </p:blipFill>
+        <p:spPr bwMode="auto">
+          <a:xfrm>
+            <a:off x="898525" y="1978319"/>
+            <a:ext cx="7345362" cy="3907325"/>
+          </a:xfrm>
+          <a:prstGeom prst="rect">
+            <a:avLst/>
+          </a:prstGeom>
+          <a:noFill/>
+          <a:extLst>
+            <a:ext uri="{909E8E84-426E-40DD-AFC4-6F175D3DCCD1}">
+              <a14:hiddenFill xmlns:a14="http://schemas.microsoft.com/office/drawing/2010/main">
+                <a:solidFill>
+                  <a:srgbClr val="FFFFFF"/>
+                </a:solidFill>
+              </a14:hiddenFill>
+            </a:ext>
+          </a:extLst>
+        </p:spPr>
+      </p:pic>
+      <p:sp>
+        <p:nvSpPr>
+          <p:cNvPr id="8" name="TextBox 7">
+            <a:extLst>
+              <a:ext uri="{FF2B5EF4-FFF2-40B4-BE49-F238E27FC236}">
+                <a16:creationId xmlns:a16="http://schemas.microsoft.com/office/drawing/2014/main" id="{3BA88C68-94C0-0E4A-8B2C-7F25C0C68203}"/>
+              </a:ext>
+            </a:extLst>
+          </p:cNvPr>
+          <p:cNvSpPr txBox="1"/>
+          <p:nvPr/>
+        </p:nvSpPr>
+        <p:spPr>
+          <a:xfrm>
+            <a:off x="2836821" y="6022584"/>
+            <a:ext cx="3468770" cy="307777"/>
+          </a:xfrm>
+          <a:prstGeom prst="rect">
+            <a:avLst/>
+          </a:prstGeom>
+          <a:noFill/>
+        </p:spPr>
+        <p:txBody>
+          <a:bodyPr wrap="none" rtlCol="0">
+            <a:spAutoFit/>
+          </a:bodyPr>
+          <a:lstStyle/>
+          <a:p>
+            <a:r>
+              <a:rPr lang="en-US" sz="1400" dirty="0">
+                <a:hlinkClick r:id="rId3"/>
+              </a:rPr>
+              <a:t>https://nlp.stanford.edu/projects/tacred/</a:t>
+            </a:r>
+            <a:r>
+              <a:rPr lang="en-US" sz="1400" dirty="0"/>
+              <a:t> </a:t>
+            </a:r>
+            <a:endParaRPr lang="ru-RU" sz="1400" dirty="0"/>
+          </a:p>
+        </p:txBody>
+      </p:sp>
+    </p:spTree>
+    <p:extLst>
+      <p:ext uri="{BB962C8B-B14F-4D97-AF65-F5344CB8AC3E}">
+        <p14:creationId xmlns:p14="http://schemas.microsoft.com/office/powerpoint/2010/main" val="1710227542"/>
+      </p:ext>
+    </p:extLst>
+  </p:cSld>
+  <p:clrMapOvr>
+    <a:masterClrMapping/>
+  </p:clrMapOvr>
+</p:sld>
+</file>
+
+<file path=ppt/slides/slide14.xml><?xml version="1.0" encoding="utf-8"?>
+<p:sld xmlns:a="http://schemas.openxmlformats.org/drawingml/2006/main" xmlns:r="http://schemas.openxmlformats.org/officeDocument/2006/relationships" xmlns:p="http://schemas.openxmlformats.org/presentationml/2006/main">
+  <p:cSld>
+    <p:spTree>
+      <p:nvGrpSpPr>
+        <p:cNvPr id="1" name=""/>
+        <p:cNvGrpSpPr/>
+        <p:nvPr/>
+      </p:nvGrpSpPr>
+      <p:grpSpPr>
+        <a:xfrm>
+          <a:off x="0" y="0"/>
+          <a:ext cx="0" cy="0"/>
+          <a:chOff x="0" y="0"/>
+          <a:chExt cx="0" cy="0"/>
+        </a:xfrm>
+      </p:grpSpPr>
+      <p:sp>
+        <p:nvSpPr>
+          <p:cNvPr id="2" name="Заголовок 1">
+            <a:extLst>
+              <a:ext uri="{FF2B5EF4-FFF2-40B4-BE49-F238E27FC236}">
                 <a16:creationId xmlns:a16="http://schemas.microsoft.com/office/drawing/2014/main" id="{E46E29FB-436D-854E-A330-EEAB25006871}"/>
               </a:ext>
             </a:extLst>
@@ -11913,7 +12347,7 @@
           <a:p>
             <a:fld id="{CFE4BAC9-6D41-4691-9299-18EF07EF0177}" type="slidenum">
               <a:rPr lang="en-US" smtClean="0"/>
-              <a:t>11</a:t>
+              <a:t>13</a:t>
             </a:fld>
             <a:endParaRPr lang="en-US"/>
           </a:p>
@@ -11962,7 +12396,7 @@
 </p:sld>
 </file>
 
-<file path=ppt/slides/slide13.xml><?xml version="1.0" encoding="utf-8"?>
+<file path=ppt/slides/slide15.xml><?xml version="1.0" encoding="utf-8"?>
 <p:sld xmlns:a="http://schemas.openxmlformats.org/drawingml/2006/main" xmlns:r="http://schemas.openxmlformats.org/officeDocument/2006/relationships" xmlns:p="http://schemas.openxmlformats.org/presentationml/2006/main">
   <p:cSld>
     <p:spTree>
@@ -12122,7 +12556,7 @@
           <a:p>
             <a:fld id="{CFE4BAC9-6D41-4691-9299-18EF07EF0177}" type="slidenum">
               <a:rPr lang="en-US" smtClean="0"/>
-              <a:t>12</a:t>
+              <a:t>14</a:t>
             </a:fld>
             <a:endParaRPr lang="en-US"/>
           </a:p>
@@ -12363,7 +12797,7 @@
 </p:sld>
 </file>
 
-<file path=ppt/slides/slide14.xml><?xml version="1.0" encoding="utf-8"?>
+<file path=ppt/slides/slide16.xml><?xml version="1.0" encoding="utf-8"?>
 <p:sld xmlns:a="http://schemas.openxmlformats.org/drawingml/2006/main" xmlns:r="http://schemas.openxmlformats.org/officeDocument/2006/relationships" xmlns:p="http://schemas.openxmlformats.org/presentationml/2006/main">
   <p:cSld>
     <p:spTree>
@@ -12458,53 +12892,57 @@
           </a:p>
           <a:p>
             <a:r>
-              <a:rPr lang="ru-RU" sz="2000" dirty="0" err="1"/>
+              <a:rPr lang="ru-RU" sz="2000" dirty="0">
+                <a:hlinkClick r:id="rId2"/>
+              </a:rPr>
               <a:t>Томита-парсер</a:t>
+            </a:r>
+            <a:endParaRPr lang="ru-RU" sz="2000" dirty="0"/>
+          </a:p>
+          <a:p>
+            <a:r>
+              <a:rPr lang="en-US" sz="2000" dirty="0" err="1">
+                <a:hlinkClick r:id="rId3"/>
+              </a:rPr>
+              <a:t>Yargy</a:t>
+            </a:r>
+            <a:r>
+              <a:rPr lang="en-US" sz="2000" dirty="0">
+                <a:hlinkClick r:id="rId3"/>
+              </a:rPr>
+              <a:t>-</a:t>
+            </a:r>
+            <a:r>
+              <a:rPr lang="ru-RU" sz="2000" dirty="0">
+                <a:hlinkClick r:id="rId3"/>
+              </a:rPr>
+              <a:t>парсер </a:t>
+            </a:r>
+            <a:r>
+              <a:rPr lang="ru-RU" sz="2000" dirty="0"/>
+              <a:t>(</a:t>
+            </a:r>
+            <a:r>
+              <a:rPr lang="en-US" sz="2000" dirty="0"/>
+              <a:t>Natasha</a:t>
+            </a:r>
+            <a:r>
+              <a:rPr lang="ru-RU" sz="2000" dirty="0"/>
+              <a:t>)</a:t>
+            </a:r>
+            <a:endParaRPr lang="en-US" sz="2000" dirty="0"/>
+          </a:p>
+          <a:p>
+            <a:r>
+              <a:rPr lang="en-US" sz="2000" dirty="0">
+                <a:hlinkClick r:id="rId4"/>
+              </a:rPr>
+              <a:t>FactRuEval-2016</a:t>
             </a:r>
             <a:br>
               <a:rPr lang="ru-RU" sz="2000" dirty="0"/>
             </a:br>
-            <a:r>
-              <a:rPr lang="en-US" sz="2000" dirty="0">
-                <a:hlinkClick r:id="rId2"/>
-              </a:rPr>
-              <a:t>https://github.com/yandex/tomita-parser/blob/master/docs/ru/tutorial/interpretation.md</a:t>
-            </a:r>
-            <a:r>
-              <a:rPr lang="ru-RU" sz="2000" dirty="0"/>
-              <a:t> </a:t>
-            </a:r>
-          </a:p>
-          <a:p>
-            <a:r>
-              <a:rPr lang="en-US" sz="2000" dirty="0" err="1"/>
-              <a:t>Yargy</a:t>
-            </a:r>
-            <a:r>
-              <a:rPr lang="en-US" sz="2000" dirty="0"/>
-              <a:t>-</a:t>
-            </a:r>
-            <a:r>
-              <a:rPr lang="ru-RU" sz="2000" dirty="0" err="1"/>
-              <a:t>парсер</a:t>
-            </a:r>
-            <a:r>
-              <a:rPr lang="ru-RU" sz="2000" dirty="0"/>
-              <a:t> (Наташа)</a:t>
-            </a:r>
-            <a:br>
-              <a:rPr lang="ru-RU" sz="2000" dirty="0"/>
-            </a:br>
-            <a:r>
-              <a:rPr lang="en-US" sz="2000" dirty="0">
-                <a:hlinkClick r:id="rId3"/>
-              </a:rPr>
-              <a:t>https://github.com/natasha/yargy-examples/blob/master/03_fsem/notes.ipynb</a:t>
-            </a:r>
-            <a:r>
-              <a:rPr lang="ru-RU" sz="2000" dirty="0"/>
-              <a:t> </a:t>
-            </a:r>
+            <a:endParaRPr lang="ru-RU" sz="2000" dirty="0"/>
           </a:p>
         </p:txBody>
       </p:sp>
@@ -12531,7 +12969,7 @@
           <a:p>
             <a:fld id="{CFE4BAC9-6D41-4691-9299-18EF07EF0177}" type="slidenum">
               <a:rPr lang="en-US" smtClean="0"/>
-              <a:t>13</a:t>
+              <a:t>15</a:t>
             </a:fld>
             <a:endParaRPr lang="en-US"/>
           </a:p>
@@ -12740,7 +13178,990 @@
 </p:sld>
 </file>
 
-<file path=ppt/slides/slide15.xml><?xml version="1.0" encoding="utf-8"?>
+<file path=ppt/slides/slide17.xml><?xml version="1.0" encoding="utf-8"?>
+<p:sld xmlns:a="http://schemas.openxmlformats.org/drawingml/2006/main" xmlns:r="http://schemas.openxmlformats.org/officeDocument/2006/relationships" xmlns:p="http://schemas.openxmlformats.org/presentationml/2006/main">
+  <p:cSld>
+    <p:spTree>
+      <p:nvGrpSpPr>
+        <p:cNvPr id="1" name=""/>
+        <p:cNvGrpSpPr/>
+        <p:nvPr/>
+      </p:nvGrpSpPr>
+      <p:grpSpPr>
+        <a:xfrm>
+          <a:off x="0" y="0"/>
+          <a:ext cx="0" cy="0"/>
+          <a:chOff x="0" y="0"/>
+          <a:chExt cx="0" cy="0"/>
+        </a:xfrm>
+      </p:grpSpPr>
+      <p:sp>
+        <p:nvSpPr>
+          <p:cNvPr id="2" name="Заголовок 1">
+            <a:extLst>
+              <a:ext uri="{FF2B5EF4-FFF2-40B4-BE49-F238E27FC236}">
+                <a16:creationId xmlns:a16="http://schemas.microsoft.com/office/drawing/2014/main" id="{7A119C90-CE3C-0D45-92FD-FD0F709AE461}"/>
+              </a:ext>
+            </a:extLst>
+          </p:cNvPr>
+          <p:cNvSpPr>
+            <a:spLocks noGrp="1"/>
+          </p:cNvSpPr>
+          <p:nvPr>
+            <p:ph type="title"/>
+          </p:nvPr>
+        </p:nvSpPr>
+        <p:spPr/>
+        <p:txBody>
+          <a:bodyPr/>
+          <a:lstStyle/>
+          <a:p>
+            <a:r>
+              <a:rPr lang="en-US" dirty="0"/>
+              <a:t>Intent Detection Datasets</a:t>
+            </a:r>
+            <a:endParaRPr lang="ru-RU" dirty="0"/>
+          </a:p>
+        </p:txBody>
+      </p:sp>
+      <p:sp>
+        <p:nvSpPr>
+          <p:cNvPr id="6" name="Объект 5">
+            <a:extLst>
+              <a:ext uri="{FF2B5EF4-FFF2-40B4-BE49-F238E27FC236}">
+                <a16:creationId xmlns:a16="http://schemas.microsoft.com/office/drawing/2014/main" id="{D8EE2084-AAB8-EB4F-B9BA-4D779B91A123}"/>
+              </a:ext>
+            </a:extLst>
+          </p:cNvPr>
+          <p:cNvSpPr>
+            <a:spLocks noGrp="1"/>
+          </p:cNvSpPr>
+          <p:nvPr>
+            <p:ph idx="1"/>
+          </p:nvPr>
+        </p:nvSpPr>
+        <p:spPr/>
+        <p:txBody>
+          <a:bodyPr/>
+          <a:lstStyle/>
+          <a:p>
+            <a:pPr marL="0" indent="0">
+              <a:buNone/>
+            </a:pPr>
+            <a:r>
+              <a:rPr lang="ru-RU" dirty="0" err="1"/>
+              <a:t>Интенты</a:t>
+            </a:r>
+            <a:r>
+              <a:rPr lang="ru-RU" dirty="0"/>
+              <a:t> — шаблоны</a:t>
+            </a:r>
+            <a:endParaRPr lang="en-US" dirty="0"/>
+          </a:p>
+          <a:p>
+            <a:pPr marL="0" indent="0">
+              <a:buNone/>
+            </a:pPr>
+            <a:endParaRPr lang="en-US" dirty="0"/>
+          </a:p>
+          <a:p>
+            <a:pPr marL="0" indent="0">
+              <a:buNone/>
+            </a:pPr>
+            <a:r>
+              <a:rPr lang="en-US" dirty="0">
+                <a:hlinkClick r:id="rId2"/>
+              </a:rPr>
+              <a:t>ATIS</a:t>
+            </a:r>
+            <a:endParaRPr lang="ru-RU" dirty="0"/>
+          </a:p>
+          <a:p>
+            <a:pPr marL="0" indent="0">
+              <a:buNone/>
+            </a:pPr>
+            <a:r>
+              <a:rPr lang="en-US" dirty="0">
+                <a:hlinkClick r:id="rId3"/>
+              </a:rPr>
+              <a:t>Snips</a:t>
+            </a:r>
+            <a:endParaRPr lang="en-US" dirty="0">
+              <a:hlinkClick r:id="rId4"/>
+            </a:endParaRPr>
+          </a:p>
+        </p:txBody>
+      </p:sp>
+      <p:sp>
+        <p:nvSpPr>
+          <p:cNvPr id="5" name="Номер слайда 4">
+            <a:extLst>
+              <a:ext uri="{FF2B5EF4-FFF2-40B4-BE49-F238E27FC236}">
+                <a16:creationId xmlns:a16="http://schemas.microsoft.com/office/drawing/2014/main" id="{4AD53686-07FB-4C42-919F-51E794B9D218}"/>
+              </a:ext>
+            </a:extLst>
+          </p:cNvPr>
+          <p:cNvSpPr>
+            <a:spLocks noGrp="1"/>
+          </p:cNvSpPr>
+          <p:nvPr>
+            <p:ph type="sldNum" sz="quarter" idx="12"/>
+          </p:nvPr>
+        </p:nvSpPr>
+        <p:spPr/>
+        <p:txBody>
+          <a:bodyPr/>
+          <a:lstStyle/>
+          <a:p>
+            <a:fld id="{CFE4BAC9-6D41-4691-9299-18EF07EF0177}" type="slidenum">
+              <a:rPr lang="en-US" smtClean="0"/>
+              <a:t>16</a:t>
+            </a:fld>
+            <a:endParaRPr lang="en-US"/>
+          </a:p>
+        </p:txBody>
+      </p:sp>
+      <p:pic>
+        <p:nvPicPr>
+          <p:cNvPr id="8" name="Рисунок 7">
+            <a:extLst>
+              <a:ext uri="{FF2B5EF4-FFF2-40B4-BE49-F238E27FC236}">
+                <a16:creationId xmlns:a16="http://schemas.microsoft.com/office/drawing/2014/main" id="{42C47131-9316-E643-8334-32227614FA1F}"/>
+              </a:ext>
+            </a:extLst>
+          </p:cNvPr>
+          <p:cNvPicPr>
+            <a:picLocks noChangeAspect="1"/>
+          </p:cNvPicPr>
+          <p:nvPr/>
+        </p:nvPicPr>
+        <p:blipFill>
+          <a:blip r:embed="rId5">
+            <a:extLst>
+              <a:ext uri="{28A0092B-C50C-407E-A947-70E740481C1C}">
+                <a14:useLocalDpi xmlns:a14="http://schemas.microsoft.com/office/drawing/2010/main" val="0"/>
+              </a:ext>
+            </a:extLst>
+          </a:blip>
+          <a:stretch>
+            <a:fillRect/>
+          </a:stretch>
+        </p:blipFill>
+        <p:spPr>
+          <a:xfrm>
+            <a:off x="3302000" y="2732903"/>
+            <a:ext cx="4368800" cy="3048000"/>
+          </a:xfrm>
+          <a:prstGeom prst="rect">
+            <a:avLst/>
+          </a:prstGeom>
+        </p:spPr>
+      </p:pic>
+    </p:spTree>
+    <p:extLst>
+      <p:ext uri="{BB962C8B-B14F-4D97-AF65-F5344CB8AC3E}">
+        <p14:creationId xmlns:p14="http://schemas.microsoft.com/office/powerpoint/2010/main" val="1211792610"/>
+      </p:ext>
+    </p:extLst>
+  </p:cSld>
+  <p:clrMapOvr>
+    <a:masterClrMapping/>
+  </p:clrMapOvr>
+</p:sld>
+</file>
+
+<file path=ppt/slides/slide18.xml><?xml version="1.0" encoding="utf-8"?>
+<p:sld xmlns:a="http://schemas.openxmlformats.org/drawingml/2006/main" xmlns:r="http://schemas.openxmlformats.org/officeDocument/2006/relationships" xmlns:p="http://schemas.openxmlformats.org/presentationml/2006/main">
+  <p:cSld>
+    <p:spTree>
+      <p:nvGrpSpPr>
+        <p:cNvPr id="1" name=""/>
+        <p:cNvGrpSpPr/>
+        <p:nvPr/>
+      </p:nvGrpSpPr>
+      <p:grpSpPr>
+        <a:xfrm>
+          <a:off x="0" y="0"/>
+          <a:ext cx="0" cy="0"/>
+          <a:chOff x="0" y="0"/>
+          <a:chExt cx="0" cy="0"/>
+        </a:xfrm>
+      </p:grpSpPr>
+      <p:sp>
+        <p:nvSpPr>
+          <p:cNvPr id="2" name="Заголовок 1">
+            <a:extLst>
+              <a:ext uri="{FF2B5EF4-FFF2-40B4-BE49-F238E27FC236}">
+                <a16:creationId xmlns:a16="http://schemas.microsoft.com/office/drawing/2014/main" id="{EDE59B89-EBE6-7849-847D-685D73D91109}"/>
+              </a:ext>
+            </a:extLst>
+          </p:cNvPr>
+          <p:cNvSpPr>
+            <a:spLocks noGrp="1"/>
+          </p:cNvSpPr>
+          <p:nvPr>
+            <p:ph type="title"/>
+          </p:nvPr>
+        </p:nvSpPr>
+        <p:spPr/>
+        <p:txBody>
+          <a:bodyPr/>
+          <a:lstStyle/>
+          <a:p>
+            <a:r>
+              <a:rPr lang="en-US" dirty="0"/>
+              <a:t>Financial fact extraction</a:t>
+            </a:r>
+            <a:endParaRPr lang="ru-RU" dirty="0"/>
+          </a:p>
+        </p:txBody>
+      </p:sp>
+      <p:sp>
+        <p:nvSpPr>
+          <p:cNvPr id="3" name="Объект 2">
+            <a:extLst>
+              <a:ext uri="{FF2B5EF4-FFF2-40B4-BE49-F238E27FC236}">
+                <a16:creationId xmlns:a16="http://schemas.microsoft.com/office/drawing/2014/main" id="{A37208C5-6B40-1A43-B75B-5AE570B2995E}"/>
+              </a:ext>
+            </a:extLst>
+          </p:cNvPr>
+          <p:cNvSpPr>
+            <a:spLocks noGrp="1"/>
+          </p:cNvSpPr>
+          <p:nvPr>
+            <p:ph idx="1"/>
+          </p:nvPr>
+        </p:nvSpPr>
+        <p:spPr>
+          <a:xfrm>
+            <a:off x="1360885" y="2049157"/>
+            <a:ext cx="6422230" cy="3437774"/>
+          </a:xfrm>
+        </p:spPr>
+        <p:txBody>
+          <a:bodyPr/>
+          <a:lstStyle/>
+          <a:p>
+            <a:pPr>
+              <a:buFont typeface="Wingdings" pitchFamily="2" charset="2"/>
+              <a:buChar char="Ø"/>
+            </a:pPr>
+            <a:r>
+              <a:rPr lang="en-US" dirty="0"/>
+              <a:t> </a:t>
+            </a:r>
+            <a:r>
+              <a:rPr lang="en-US" dirty="0">
+                <a:hlinkClick r:id="rId2"/>
+              </a:rPr>
+              <a:t>SENTiVENT</a:t>
+            </a:r>
+            <a:r>
+              <a:rPr lang="en-US" dirty="0"/>
+              <a:t> </a:t>
+            </a:r>
+          </a:p>
+          <a:p>
+            <a:pPr marL="0" indent="0">
+              <a:buNone/>
+            </a:pPr>
+            <a:endParaRPr lang="ru-RU" dirty="0"/>
+          </a:p>
+        </p:txBody>
+      </p:sp>
+      <p:sp>
+        <p:nvSpPr>
+          <p:cNvPr id="4" name="Номер слайда 3">
+            <a:extLst>
+              <a:ext uri="{FF2B5EF4-FFF2-40B4-BE49-F238E27FC236}">
+                <a16:creationId xmlns:a16="http://schemas.microsoft.com/office/drawing/2014/main" id="{8A4090E9-23AB-534B-B557-BCAF72BF367E}"/>
+              </a:ext>
+            </a:extLst>
+          </p:cNvPr>
+          <p:cNvSpPr>
+            <a:spLocks noGrp="1"/>
+          </p:cNvSpPr>
+          <p:nvPr>
+            <p:ph type="sldNum" sz="quarter" idx="12"/>
+          </p:nvPr>
+        </p:nvSpPr>
+        <p:spPr/>
+        <p:txBody>
+          <a:bodyPr/>
+          <a:lstStyle/>
+          <a:p>
+            <a:fld id="{CFE4BAC9-6D41-4691-9299-18EF07EF0177}" type="slidenum">
+              <a:rPr lang="en-US" smtClean="0"/>
+              <a:t>17</a:t>
+            </a:fld>
+            <a:endParaRPr lang="en-US"/>
+          </a:p>
+        </p:txBody>
+      </p:sp>
+      <p:pic>
+        <p:nvPicPr>
+          <p:cNvPr id="2050" name="Picture 2" descr="Fig. 1">
+            <a:extLst>
+              <a:ext uri="{FF2B5EF4-FFF2-40B4-BE49-F238E27FC236}">
+                <a16:creationId xmlns:a16="http://schemas.microsoft.com/office/drawing/2014/main" id="{45FA9AEC-0888-E945-AFB4-FED9E20BDBDB}"/>
+              </a:ext>
+            </a:extLst>
+          </p:cNvPr>
+          <p:cNvPicPr>
+            <a:picLocks noChangeAspect="1" noChangeArrowheads="1"/>
+          </p:cNvPicPr>
+          <p:nvPr/>
+        </p:nvPicPr>
+        <p:blipFill>
+          <a:blip r:embed="rId3">
+            <a:extLst>
+              <a:ext uri="{28A0092B-C50C-407E-A947-70E740481C1C}">
+                <a14:useLocalDpi xmlns:a14="http://schemas.microsoft.com/office/drawing/2010/main" val="0"/>
+              </a:ext>
+            </a:extLst>
+          </a:blip>
+          <a:srcRect/>
+          <a:stretch>
+            <a:fillRect/>
+          </a:stretch>
+        </p:blipFill>
+        <p:spPr bwMode="auto">
+          <a:xfrm>
+            <a:off x="574589" y="2773583"/>
+            <a:ext cx="7994822" cy="3178497"/>
+          </a:xfrm>
+          <a:prstGeom prst="rect">
+            <a:avLst/>
+          </a:prstGeom>
+          <a:noFill/>
+          <a:extLst>
+            <a:ext uri="{909E8E84-426E-40DD-AFC4-6F175D3DCCD1}">
+              <a14:hiddenFill xmlns:a14="http://schemas.microsoft.com/office/drawing/2010/main">
+                <a:solidFill>
+                  <a:srgbClr val="FFFFFF"/>
+                </a:solidFill>
+              </a14:hiddenFill>
+            </a:ext>
+          </a:extLst>
+        </p:spPr>
+      </p:pic>
+      <p:sp>
+        <p:nvSpPr>
+          <p:cNvPr id="5" name="TextBox 4">
+            <a:extLst>
+              <a:ext uri="{FF2B5EF4-FFF2-40B4-BE49-F238E27FC236}">
+                <a16:creationId xmlns:a16="http://schemas.microsoft.com/office/drawing/2014/main" id="{DDA3DB9A-BA61-5C4C-B115-45DD22539F3B}"/>
+              </a:ext>
+            </a:extLst>
+          </p:cNvPr>
+          <p:cNvSpPr txBox="1"/>
+          <p:nvPr/>
+        </p:nvSpPr>
+        <p:spPr>
+          <a:xfrm>
+            <a:off x="1742303" y="6048573"/>
+            <a:ext cx="5200591" cy="307777"/>
+          </a:xfrm>
+          <a:prstGeom prst="rect">
+            <a:avLst/>
+          </a:prstGeom>
+          <a:noFill/>
+        </p:spPr>
+        <p:txBody>
+          <a:bodyPr wrap="none" rtlCol="0">
+            <a:spAutoFit/>
+          </a:bodyPr>
+          <a:lstStyle/>
+          <a:p>
+            <a:r>
+              <a:rPr lang="en-US" sz="1400" dirty="0">
+                <a:hlinkClick r:id="rId4"/>
+              </a:rPr>
+              <a:t>https://link.springer.com/article/10.1007/s10579-021-09562-4</a:t>
+            </a:r>
+            <a:r>
+              <a:rPr lang="en-US" sz="1400" dirty="0"/>
+              <a:t> </a:t>
+            </a:r>
+            <a:endParaRPr lang="ru-RU" sz="1400" dirty="0"/>
+          </a:p>
+        </p:txBody>
+      </p:sp>
+    </p:spTree>
+    <p:extLst>
+      <p:ext uri="{BB962C8B-B14F-4D97-AF65-F5344CB8AC3E}">
+        <p14:creationId xmlns:p14="http://schemas.microsoft.com/office/powerpoint/2010/main" val="3905937853"/>
+      </p:ext>
+    </p:extLst>
+  </p:cSld>
+  <p:clrMapOvr>
+    <a:masterClrMapping/>
+  </p:clrMapOvr>
+</p:sld>
+</file>
+
+<file path=ppt/slides/slide19.xml><?xml version="1.0" encoding="utf-8"?>
+<p:sld xmlns:a="http://schemas.openxmlformats.org/drawingml/2006/main" xmlns:r="http://schemas.openxmlformats.org/officeDocument/2006/relationships" xmlns:p="http://schemas.openxmlformats.org/presentationml/2006/main">
+  <p:cSld>
+    <p:spTree>
+      <p:nvGrpSpPr>
+        <p:cNvPr id="1" name=""/>
+        <p:cNvGrpSpPr/>
+        <p:nvPr/>
+      </p:nvGrpSpPr>
+      <p:grpSpPr>
+        <a:xfrm>
+          <a:off x="0" y="0"/>
+          <a:ext cx="0" cy="0"/>
+          <a:chOff x="0" y="0"/>
+          <a:chExt cx="0" cy="0"/>
+        </a:xfrm>
+      </p:grpSpPr>
+      <p:sp>
+        <p:nvSpPr>
+          <p:cNvPr id="2" name="Заголовок 1">
+            <a:extLst>
+              <a:ext uri="{FF2B5EF4-FFF2-40B4-BE49-F238E27FC236}">
+                <a16:creationId xmlns:a16="http://schemas.microsoft.com/office/drawing/2014/main" id="{BBE4F3F3-5B09-044D-96AA-F5433AD17CA4}"/>
+              </a:ext>
+            </a:extLst>
+          </p:cNvPr>
+          <p:cNvSpPr>
+            <a:spLocks noGrp="1"/>
+          </p:cNvSpPr>
+          <p:nvPr>
+            <p:ph type="title"/>
+          </p:nvPr>
+        </p:nvSpPr>
+        <p:spPr/>
+        <p:txBody>
+          <a:bodyPr/>
+          <a:lstStyle/>
+          <a:p>
+            <a:r>
+              <a:rPr lang="en-US" dirty="0"/>
+              <a:t>Fact Verification</a:t>
+            </a:r>
+            <a:endParaRPr lang="ru-RU" dirty="0"/>
+          </a:p>
+        </p:txBody>
+      </p:sp>
+      <p:sp>
+        <p:nvSpPr>
+          <p:cNvPr id="5" name="Объект 4">
+            <a:extLst>
+              <a:ext uri="{FF2B5EF4-FFF2-40B4-BE49-F238E27FC236}">
+                <a16:creationId xmlns:a16="http://schemas.microsoft.com/office/drawing/2014/main" id="{14C3BE0B-7A35-9A43-B83C-B101C778EFAF}"/>
+              </a:ext>
+            </a:extLst>
+          </p:cNvPr>
+          <p:cNvSpPr>
+            <a:spLocks noGrp="1"/>
+          </p:cNvSpPr>
+          <p:nvPr>
+            <p:ph sz="half" idx="1"/>
+          </p:nvPr>
+        </p:nvSpPr>
+        <p:spPr/>
+        <p:txBody>
+          <a:bodyPr/>
+          <a:lstStyle/>
+          <a:p>
+            <a:r>
+              <a:rPr lang="en-US" dirty="0">
+                <a:hlinkClick r:id="rId2"/>
+              </a:rPr>
+              <a:t>FEVER</a:t>
+            </a:r>
+            <a:r>
+              <a:rPr lang="en-US" dirty="0"/>
+              <a:t> (Fact Extraction and </a:t>
+            </a:r>
+            <a:r>
+              <a:rPr lang="en-US" dirty="0" err="1"/>
+              <a:t>VERification</a:t>
+            </a:r>
+            <a:r>
+              <a:rPr lang="en-US" dirty="0"/>
+              <a:t>)</a:t>
+            </a:r>
+          </a:p>
+          <a:p>
+            <a:r>
+              <a:rPr lang="en-US" dirty="0">
+                <a:hlinkClick r:id="rId3"/>
+              </a:rPr>
+              <a:t>Feverous</a:t>
+            </a:r>
+            <a:endParaRPr lang="ru-RU" dirty="0"/>
+          </a:p>
+        </p:txBody>
+      </p:sp>
+      <p:pic>
+        <p:nvPicPr>
+          <p:cNvPr id="8" name="Объект 7">
+            <a:extLst>
+              <a:ext uri="{FF2B5EF4-FFF2-40B4-BE49-F238E27FC236}">
+                <a16:creationId xmlns:a16="http://schemas.microsoft.com/office/drawing/2014/main" id="{84671DEC-6B8D-C34C-A18E-96DB413E5886}"/>
+              </a:ext>
+            </a:extLst>
+          </p:cNvPr>
+          <p:cNvPicPr>
+            <a:picLocks noGrp="1" noChangeAspect="1"/>
+          </p:cNvPicPr>
+          <p:nvPr>
+            <p:ph sz="half" idx="2"/>
+          </p:nvPr>
+        </p:nvPicPr>
+        <p:blipFill>
+          <a:blip r:embed="rId4">
+            <a:extLst>
+              <a:ext uri="{28A0092B-C50C-407E-A947-70E740481C1C}">
+                <a14:useLocalDpi xmlns:a14="http://schemas.microsoft.com/office/drawing/2010/main" val="0"/>
+              </a:ext>
+            </a:extLst>
+          </a:blip>
+          <a:stretch>
+            <a:fillRect/>
+          </a:stretch>
+        </p:blipFill>
+        <p:spPr>
+          <a:xfrm>
+            <a:off x="4648200" y="2398548"/>
+            <a:ext cx="3565525" cy="3426155"/>
+          </a:xfrm>
+        </p:spPr>
+      </p:pic>
+      <p:sp>
+        <p:nvSpPr>
+          <p:cNvPr id="4" name="Номер слайда 3">
+            <a:extLst>
+              <a:ext uri="{FF2B5EF4-FFF2-40B4-BE49-F238E27FC236}">
+                <a16:creationId xmlns:a16="http://schemas.microsoft.com/office/drawing/2014/main" id="{01EEC993-25A2-C241-ADED-B909F1385EB5}"/>
+              </a:ext>
+            </a:extLst>
+          </p:cNvPr>
+          <p:cNvSpPr>
+            <a:spLocks noGrp="1"/>
+          </p:cNvSpPr>
+          <p:nvPr>
+            <p:ph type="sldNum" sz="quarter" idx="12"/>
+          </p:nvPr>
+        </p:nvSpPr>
+        <p:spPr/>
+        <p:txBody>
+          <a:bodyPr/>
+          <a:lstStyle/>
+          <a:p>
+            <a:fld id="{CFE4BAC9-6D41-4691-9299-18EF07EF0177}" type="slidenum">
+              <a:rPr lang="en-US" smtClean="0"/>
+              <a:t>18</a:t>
+            </a:fld>
+            <a:endParaRPr lang="en-US"/>
+          </a:p>
+        </p:txBody>
+      </p:sp>
+      <p:sp>
+        <p:nvSpPr>
+          <p:cNvPr id="9" name="TextBox 8">
+            <a:extLst>
+              <a:ext uri="{FF2B5EF4-FFF2-40B4-BE49-F238E27FC236}">
+                <a16:creationId xmlns:a16="http://schemas.microsoft.com/office/drawing/2014/main" id="{B7C36DD8-8F07-2749-9A2F-780BB1AA51DC}"/>
+              </a:ext>
+            </a:extLst>
+          </p:cNvPr>
+          <p:cNvSpPr txBox="1"/>
+          <p:nvPr/>
+        </p:nvSpPr>
+        <p:spPr>
+          <a:xfrm>
+            <a:off x="2280402" y="5971854"/>
+            <a:ext cx="3302443" cy="307777"/>
+          </a:xfrm>
+          <a:prstGeom prst="rect">
+            <a:avLst/>
+          </a:prstGeom>
+          <a:noFill/>
+        </p:spPr>
+        <p:txBody>
+          <a:bodyPr wrap="none" rtlCol="0">
+            <a:spAutoFit/>
+          </a:bodyPr>
+          <a:lstStyle/>
+          <a:p>
+            <a:r>
+              <a:rPr lang="en-US" sz="1400" dirty="0">
+                <a:hlinkClick r:id="rId5"/>
+              </a:rPr>
+              <a:t>https://aclanthology.org/W18-5501.pdf</a:t>
+            </a:r>
+            <a:r>
+              <a:rPr lang="en-US" sz="1400" dirty="0"/>
+              <a:t> </a:t>
+            </a:r>
+            <a:endParaRPr lang="ru-RU" sz="1400" dirty="0"/>
+          </a:p>
+        </p:txBody>
+      </p:sp>
+    </p:spTree>
+    <p:extLst>
+      <p:ext uri="{BB962C8B-B14F-4D97-AF65-F5344CB8AC3E}">
+        <p14:creationId xmlns:p14="http://schemas.microsoft.com/office/powerpoint/2010/main" val="3927226579"/>
+      </p:ext>
+    </p:extLst>
+  </p:cSld>
+  <p:clrMapOvr>
+    <a:masterClrMapping/>
+  </p:clrMapOvr>
+</p:sld>
+</file>
+
+<file path=ppt/slides/slide2.xml><?xml version="1.0" encoding="utf-8"?>
+<p:sld xmlns:a="http://schemas.openxmlformats.org/drawingml/2006/main" xmlns:r="http://schemas.openxmlformats.org/officeDocument/2006/relationships" xmlns:p="http://schemas.openxmlformats.org/presentationml/2006/main">
+  <p:cSld>
+    <p:spTree>
+      <p:nvGrpSpPr>
+        <p:cNvPr id="1" name=""/>
+        <p:cNvGrpSpPr/>
+        <p:nvPr/>
+      </p:nvGrpSpPr>
+      <p:grpSpPr>
+        <a:xfrm>
+          <a:off x="0" y="0"/>
+          <a:ext cx="0" cy="0"/>
+          <a:chOff x="0" y="0"/>
+          <a:chExt cx="0" cy="0"/>
+        </a:xfrm>
+      </p:grpSpPr>
+      <p:sp>
+        <p:nvSpPr>
+          <p:cNvPr id="5" name="Заголовок 4">
+            <a:extLst>
+              <a:ext uri="{FF2B5EF4-FFF2-40B4-BE49-F238E27FC236}">
+                <a16:creationId xmlns:a16="http://schemas.microsoft.com/office/drawing/2014/main" id="{73A86E49-1EEA-2241-8A22-FFFBA847D5AD}"/>
+              </a:ext>
+            </a:extLst>
+          </p:cNvPr>
+          <p:cNvSpPr>
+            <a:spLocks noGrp="1"/>
+          </p:cNvSpPr>
+          <p:nvPr>
+            <p:ph type="title"/>
+          </p:nvPr>
+        </p:nvSpPr>
+        <p:spPr/>
+        <p:txBody>
+          <a:bodyPr/>
+          <a:lstStyle/>
+          <a:p>
+            <a:r>
+              <a:rPr lang="en-US" dirty="0"/>
+              <a:t>Information Extraction</a:t>
+            </a:r>
+            <a:endParaRPr lang="ru-RU" dirty="0"/>
+          </a:p>
+        </p:txBody>
+      </p:sp>
+      <p:sp>
+        <p:nvSpPr>
+          <p:cNvPr id="6" name="Объект 5">
+            <a:extLst>
+              <a:ext uri="{FF2B5EF4-FFF2-40B4-BE49-F238E27FC236}">
+                <a16:creationId xmlns:a16="http://schemas.microsoft.com/office/drawing/2014/main" id="{551A4E11-16B5-ED42-BF15-08159E7091FF}"/>
+              </a:ext>
+            </a:extLst>
+          </p:cNvPr>
+          <p:cNvSpPr>
+            <a:spLocks noGrp="1"/>
+          </p:cNvSpPr>
+          <p:nvPr>
+            <p:ph idx="1"/>
+          </p:nvPr>
+        </p:nvSpPr>
+        <p:spPr>
+          <a:xfrm>
+            <a:off x="630196" y="1902940"/>
+            <a:ext cx="7920680" cy="4300151"/>
+          </a:xfrm>
+        </p:spPr>
+        <p:txBody>
+          <a:bodyPr>
+            <a:normAutofit fontScale="92500"/>
+          </a:bodyPr>
+          <a:lstStyle/>
+          <a:p>
+            <a:pPr marL="0" indent="0">
+              <a:buNone/>
+            </a:pPr>
+            <a:r>
+              <a:rPr lang="ru-RU" i="1" dirty="0"/>
+              <a:t>В общем</a:t>
+            </a:r>
+            <a:r>
+              <a:rPr lang="en-US" dirty="0"/>
+              <a:t>: </a:t>
+            </a:r>
+            <a:r>
+              <a:rPr lang="ru-RU" dirty="0"/>
+              <a:t>преобразовать </a:t>
+            </a:r>
+            <a:br>
+              <a:rPr lang="en-US" dirty="0"/>
+            </a:br>
+            <a:r>
+              <a:rPr lang="ru-RU" i="1" dirty="0"/>
+              <a:t>неструктурированные</a:t>
+            </a:r>
+            <a:r>
+              <a:rPr lang="ru-RU" dirty="0"/>
+              <a:t> данные (тексты) </a:t>
+            </a:r>
+            <a:br>
+              <a:rPr lang="en-US" dirty="0"/>
+            </a:br>
+            <a:r>
+              <a:rPr lang="ru-RU" dirty="0"/>
+              <a:t>в </a:t>
+            </a:r>
+            <a:r>
+              <a:rPr lang="ru-RU" i="1" dirty="0"/>
+              <a:t>структурированные</a:t>
+            </a:r>
+            <a:r>
+              <a:rPr lang="ru-RU" dirty="0"/>
+              <a:t> (таблицы, реляционные БД …)</a:t>
+            </a:r>
+            <a:endParaRPr lang="en-US" dirty="0"/>
+          </a:p>
+          <a:p>
+            <a:r>
+              <a:rPr lang="en-US" dirty="0"/>
+              <a:t>NER</a:t>
+            </a:r>
+          </a:p>
+          <a:p>
+            <a:r>
+              <a:rPr lang="ru-RU" dirty="0"/>
+              <a:t>Разрешение </a:t>
+            </a:r>
+            <a:r>
+              <a:rPr lang="ru-RU" dirty="0" err="1"/>
+              <a:t>кореференции</a:t>
+            </a:r>
+            <a:r>
+              <a:rPr lang="ru-RU" dirty="0"/>
+              <a:t>, </a:t>
+            </a:r>
+            <a:r>
+              <a:rPr lang="en-US" dirty="0"/>
+              <a:t>entity linking</a:t>
+            </a:r>
+          </a:p>
+          <a:p>
+            <a:r>
+              <a:rPr lang="ru-RU" dirty="0"/>
+              <a:t>Извлечение отношений</a:t>
+            </a:r>
+            <a:endParaRPr lang="en-US" dirty="0"/>
+          </a:p>
+          <a:p>
+            <a:r>
+              <a:rPr lang="ru-RU" dirty="0"/>
+              <a:t>Извлечение фактов / событий, </a:t>
+            </a:r>
+            <a:r>
+              <a:rPr lang="ru-RU" dirty="0" err="1"/>
+              <a:t>темпоральный</a:t>
+            </a:r>
+            <a:r>
+              <a:rPr lang="ru-RU" dirty="0"/>
+              <a:t> анализ</a:t>
+            </a:r>
+            <a:endParaRPr lang="en-US" dirty="0"/>
+          </a:p>
+          <a:p>
+            <a:r>
+              <a:rPr lang="ru-RU" dirty="0"/>
+              <a:t>Заполнение полей шаблонов</a:t>
+            </a:r>
+            <a:endParaRPr lang="en-US" dirty="0"/>
+          </a:p>
+        </p:txBody>
+      </p:sp>
+      <p:sp>
+        <p:nvSpPr>
+          <p:cNvPr id="4" name="Номер слайда 3">
+            <a:extLst>
+              <a:ext uri="{FF2B5EF4-FFF2-40B4-BE49-F238E27FC236}">
+                <a16:creationId xmlns:a16="http://schemas.microsoft.com/office/drawing/2014/main" id="{75DBABDE-15BC-AF43-BAC1-ABD3CB99FA14}"/>
+              </a:ext>
+            </a:extLst>
+          </p:cNvPr>
+          <p:cNvSpPr>
+            <a:spLocks noGrp="1"/>
+          </p:cNvSpPr>
+          <p:nvPr>
+            <p:ph type="sldNum" sz="quarter" idx="12"/>
+          </p:nvPr>
+        </p:nvSpPr>
+        <p:spPr/>
+        <p:txBody>
+          <a:bodyPr/>
+          <a:lstStyle/>
+          <a:p>
+            <a:fld id="{CFE4BAC9-6D41-4691-9299-18EF07EF0177}" type="slidenum">
+              <a:rPr lang="en-US" smtClean="0"/>
+              <a:t>1</a:t>
+            </a:fld>
+            <a:endParaRPr lang="en-US"/>
+          </a:p>
+        </p:txBody>
+      </p:sp>
+    </p:spTree>
+    <p:extLst>
+      <p:ext uri="{BB962C8B-B14F-4D97-AF65-F5344CB8AC3E}">
+        <p14:creationId xmlns:p14="http://schemas.microsoft.com/office/powerpoint/2010/main" val="2536181633"/>
+      </p:ext>
+    </p:extLst>
+  </p:cSld>
+  <p:clrMapOvr>
+    <a:masterClrMapping/>
+  </p:clrMapOvr>
+</p:sld>
+</file>
+
+<file path=ppt/slides/slide20.xml><?xml version="1.0" encoding="utf-8"?>
+<p:sld xmlns:a="http://schemas.openxmlformats.org/drawingml/2006/main" xmlns:r="http://schemas.openxmlformats.org/officeDocument/2006/relationships" xmlns:p="http://schemas.openxmlformats.org/presentationml/2006/main">
+  <p:cSld>
+    <p:spTree>
+      <p:nvGrpSpPr>
+        <p:cNvPr id="1" name=""/>
+        <p:cNvGrpSpPr/>
+        <p:nvPr/>
+      </p:nvGrpSpPr>
+      <p:grpSpPr>
+        <a:xfrm>
+          <a:off x="0" y="0"/>
+          <a:ext cx="0" cy="0"/>
+          <a:chOff x="0" y="0"/>
+          <a:chExt cx="0" cy="0"/>
+        </a:xfrm>
+      </p:grpSpPr>
+      <p:sp>
+        <p:nvSpPr>
+          <p:cNvPr id="6" name="Заголовок 5">
+            <a:extLst>
+              <a:ext uri="{FF2B5EF4-FFF2-40B4-BE49-F238E27FC236}">
+                <a16:creationId xmlns:a16="http://schemas.microsoft.com/office/drawing/2014/main" id="{91019757-5753-E447-9F4E-B3D2EE404CEA}"/>
+              </a:ext>
+            </a:extLst>
+          </p:cNvPr>
+          <p:cNvSpPr>
+            <a:spLocks noGrp="1"/>
+          </p:cNvSpPr>
+          <p:nvPr>
+            <p:ph type="title"/>
+          </p:nvPr>
+        </p:nvSpPr>
+        <p:spPr/>
+        <p:txBody>
+          <a:bodyPr/>
+          <a:lstStyle/>
+          <a:p>
+            <a:r>
+              <a:rPr lang="en-US" dirty="0"/>
+              <a:t>See also</a:t>
+            </a:r>
+            <a:endParaRPr lang="ru-RU" dirty="0"/>
+          </a:p>
+        </p:txBody>
+      </p:sp>
+      <p:sp>
+        <p:nvSpPr>
+          <p:cNvPr id="7" name="Объект 6">
+            <a:extLst>
+              <a:ext uri="{FF2B5EF4-FFF2-40B4-BE49-F238E27FC236}">
+                <a16:creationId xmlns:a16="http://schemas.microsoft.com/office/drawing/2014/main" id="{60FDF0DF-4A45-6740-B636-EEA95CCE72A8}"/>
+              </a:ext>
+            </a:extLst>
+          </p:cNvPr>
+          <p:cNvSpPr>
+            <a:spLocks noGrp="1"/>
+          </p:cNvSpPr>
+          <p:nvPr>
+            <p:ph idx="1"/>
+          </p:nvPr>
+        </p:nvSpPr>
+        <p:spPr/>
+        <p:txBody>
+          <a:bodyPr/>
+          <a:lstStyle/>
+          <a:p>
+            <a:r>
+              <a:rPr lang="en-US" dirty="0">
+                <a:hlinkClick r:id="rId2"/>
+              </a:rPr>
+              <a:t>https://github.com/gkiril/oie-resources</a:t>
+            </a:r>
+            <a:endParaRPr lang="en-US" dirty="0"/>
+          </a:p>
+          <a:p>
+            <a:r>
+              <a:rPr lang="en-US" dirty="0">
+                <a:hlinkClick r:id="rId3"/>
+              </a:rPr>
+              <a:t>https://github.com/davidsbatista/Annotated-Semantic-Relationships-Datasets</a:t>
+            </a:r>
+            <a:r>
+              <a:rPr lang="en-US" dirty="0"/>
+              <a:t> </a:t>
+            </a:r>
+          </a:p>
+        </p:txBody>
+      </p:sp>
+      <p:sp>
+        <p:nvSpPr>
+          <p:cNvPr id="5" name="Номер слайда 4">
+            <a:extLst>
+              <a:ext uri="{FF2B5EF4-FFF2-40B4-BE49-F238E27FC236}">
+                <a16:creationId xmlns:a16="http://schemas.microsoft.com/office/drawing/2014/main" id="{E34B4C2C-2B81-BB49-A0BE-12E925E3F91F}"/>
+              </a:ext>
+            </a:extLst>
+          </p:cNvPr>
+          <p:cNvSpPr>
+            <a:spLocks noGrp="1"/>
+          </p:cNvSpPr>
+          <p:nvPr>
+            <p:ph type="sldNum" sz="quarter" idx="12"/>
+          </p:nvPr>
+        </p:nvSpPr>
+        <p:spPr/>
+        <p:txBody>
+          <a:bodyPr/>
+          <a:lstStyle/>
+          <a:p>
+            <a:fld id="{CFE4BAC9-6D41-4691-9299-18EF07EF0177}" type="slidenum">
+              <a:rPr lang="en-US" smtClean="0"/>
+              <a:t>19</a:t>
+            </a:fld>
+            <a:endParaRPr lang="en-US"/>
+          </a:p>
+        </p:txBody>
+      </p:sp>
+    </p:spTree>
+    <p:extLst>
+      <p:ext uri="{BB962C8B-B14F-4D97-AF65-F5344CB8AC3E}">
+        <p14:creationId xmlns:p14="http://schemas.microsoft.com/office/powerpoint/2010/main" val="1255736378"/>
+      </p:ext>
+    </p:extLst>
+  </p:cSld>
+  <p:clrMapOvr>
+    <a:masterClrMapping/>
+  </p:clrMapOvr>
+</p:sld>
+</file>
+
+<file path=ppt/slides/slide21.xml><?xml version="1.0" encoding="utf-8"?>
 <p:sld xmlns:a="http://schemas.openxmlformats.org/drawingml/2006/main" xmlns:r="http://schemas.openxmlformats.org/officeDocument/2006/relationships" xmlns:p="http://schemas.openxmlformats.org/presentationml/2006/main">
   <p:cSld>
     <p:spTree>
@@ -12897,7 +14318,7 @@
           <a:p>
             <a:fld id="{CFE4BAC9-6D41-4691-9299-18EF07EF0177}" type="slidenum">
               <a:rPr lang="en-US" smtClean="0"/>
-              <a:t>14</a:t>
+              <a:t>20</a:t>
             </a:fld>
             <a:endParaRPr lang="en-US"/>
           </a:p>
@@ -12916,7 +14337,7 @@
 </p:sld>
 </file>
 
-<file path=ppt/slides/slide16.xml><?xml version="1.0" encoding="utf-8"?>
+<file path=ppt/slides/slide22.xml><?xml version="1.0" encoding="utf-8"?>
 <p:sld xmlns:a="http://schemas.openxmlformats.org/drawingml/2006/main" xmlns:r="http://schemas.openxmlformats.org/officeDocument/2006/relationships" xmlns:p="http://schemas.openxmlformats.org/presentationml/2006/main">
   <p:cSld>
     <p:spTree>
@@ -13284,7 +14705,7 @@
           <a:p>
             <a:fld id="{CFE4BAC9-6D41-4691-9299-18EF07EF0177}" type="slidenum">
               <a:rPr lang="en-US" smtClean="0"/>
-              <a:t>15</a:t>
+              <a:t>21</a:t>
             </a:fld>
             <a:endParaRPr lang="en-US"/>
           </a:p>
@@ -13444,7 +14865,7 @@
 </p:sld>
 </file>
 
-<file path=ppt/slides/slide17.xml><?xml version="1.0" encoding="utf-8"?>
+<file path=ppt/slides/slide23.xml><?xml version="1.0" encoding="utf-8"?>
 <p:sld xmlns:a="http://schemas.openxmlformats.org/drawingml/2006/main" xmlns:r="http://schemas.openxmlformats.org/officeDocument/2006/relationships" xmlns:p="http://schemas.openxmlformats.org/presentationml/2006/main">
   <p:cSld>
     <p:spTree>
@@ -13546,8 +14967,13 @@
           <a:p>
             <a:r>
               <a:rPr lang="ru-RU" dirty="0"/>
-              <a:t>2020</a:t>
-            </a:r>
+              <a:t>202</a:t>
+            </a:r>
+            <a:r>
+              <a:rPr lang="en-US" dirty="0"/>
+              <a:t>1</a:t>
+            </a:r>
+            <a:endParaRPr lang="ru-RU" dirty="0"/>
           </a:p>
         </p:txBody>
       </p:sp>
@@ -13564,7 +14990,7 @@
 </p:sld>
 </file>
 
-<file path=ppt/slides/slide18.xml><?xml version="1.0" encoding="utf-8"?>
+<file path=ppt/slides/slide24.xml><?xml version="1.0" encoding="utf-8"?>
 <p:sld xmlns:a="http://schemas.openxmlformats.org/drawingml/2006/main" xmlns:r="http://schemas.openxmlformats.org/officeDocument/2006/relationships" xmlns:p="http://schemas.openxmlformats.org/presentationml/2006/main">
   <p:cSld>
     <p:spTree>
@@ -13726,7 +15152,7 @@
           <a:p>
             <a:fld id="{CFE4BAC9-6D41-4691-9299-18EF07EF0177}" type="slidenum">
               <a:rPr lang="en-US" smtClean="0"/>
-              <a:t>17</a:t>
+              <a:t>23</a:t>
             </a:fld>
             <a:endParaRPr lang="en-US"/>
           </a:p>
@@ -13745,7 +15171,7 @@
 </p:sld>
 </file>
 
-<file path=ppt/slides/slide19.xml><?xml version="1.0" encoding="utf-8"?>
+<file path=ppt/slides/slide25.xml><?xml version="1.0" encoding="utf-8"?>
 <p:sld xmlns:a="http://schemas.openxmlformats.org/drawingml/2006/main" xmlns:r="http://schemas.openxmlformats.org/officeDocument/2006/relationships" xmlns:p="http://schemas.openxmlformats.org/presentationml/2006/main">
   <p:cSld>
     <p:spTree>
@@ -13889,7 +15315,7 @@
           <a:p>
             <a:fld id="{CFE4BAC9-6D41-4691-9299-18EF07EF0177}" type="slidenum">
               <a:rPr lang="en-US" smtClean="0"/>
-              <a:t>18</a:t>
+              <a:t>24</a:t>
             </a:fld>
             <a:endParaRPr lang="en-US"/>
           </a:p>
@@ -13938,221 +15364,7 @@
 </p:sld>
 </file>
 
-<file path=ppt/slides/slide2.xml><?xml version="1.0" encoding="utf-8"?>
-<p:sld xmlns:a="http://schemas.openxmlformats.org/drawingml/2006/main" xmlns:r="http://schemas.openxmlformats.org/officeDocument/2006/relationships" xmlns:p="http://schemas.openxmlformats.org/presentationml/2006/main">
-  <p:cSld>
-    <p:spTree>
-      <p:nvGrpSpPr>
-        <p:cNvPr id="1" name=""/>
-        <p:cNvGrpSpPr/>
-        <p:nvPr/>
-      </p:nvGrpSpPr>
-      <p:grpSpPr>
-        <a:xfrm>
-          <a:off x="0" y="0"/>
-          <a:ext cx="0" cy="0"/>
-          <a:chOff x="0" y="0"/>
-          <a:chExt cx="0" cy="0"/>
-        </a:xfrm>
-      </p:grpSpPr>
-      <p:sp>
-        <p:nvSpPr>
-          <p:cNvPr id="5" name="Заголовок 4">
-            <a:extLst>
-              <a:ext uri="{FF2B5EF4-FFF2-40B4-BE49-F238E27FC236}">
-                <a16:creationId xmlns:a16="http://schemas.microsoft.com/office/drawing/2014/main" id="{73A86E49-1EEA-2241-8A22-FFFBA847D5AD}"/>
-              </a:ext>
-            </a:extLst>
-          </p:cNvPr>
-          <p:cNvSpPr>
-            <a:spLocks noGrp="1"/>
-          </p:cNvSpPr>
-          <p:nvPr>
-            <p:ph type="title"/>
-          </p:nvPr>
-        </p:nvSpPr>
-        <p:spPr/>
-        <p:txBody>
-          <a:bodyPr/>
-          <a:lstStyle/>
-          <a:p>
-            <a:r>
-              <a:rPr lang="en-US" dirty="0"/>
-              <a:t>Information Extraction</a:t>
-            </a:r>
-            <a:endParaRPr lang="ru-RU" dirty="0"/>
-          </a:p>
-        </p:txBody>
-      </p:sp>
-      <p:sp>
-        <p:nvSpPr>
-          <p:cNvPr id="6" name="Объект 5">
-            <a:extLst>
-              <a:ext uri="{FF2B5EF4-FFF2-40B4-BE49-F238E27FC236}">
-                <a16:creationId xmlns:a16="http://schemas.microsoft.com/office/drawing/2014/main" id="{551A4E11-16B5-ED42-BF15-08159E7091FF}"/>
-              </a:ext>
-            </a:extLst>
-          </p:cNvPr>
-          <p:cNvSpPr>
-            <a:spLocks noGrp="1"/>
-          </p:cNvSpPr>
-          <p:nvPr>
-            <p:ph idx="1"/>
-          </p:nvPr>
-        </p:nvSpPr>
-        <p:spPr>
-          <a:xfrm>
-            <a:off x="630196" y="1902940"/>
-            <a:ext cx="7920680" cy="4300151"/>
-          </a:xfrm>
-        </p:spPr>
-        <p:txBody>
-          <a:bodyPr>
-            <a:normAutofit fontScale="92500"/>
-          </a:bodyPr>
-          <a:lstStyle/>
-          <a:p>
-            <a:pPr marL="0" indent="0">
-              <a:buNone/>
-            </a:pPr>
-            <a:r>
-              <a:rPr lang="ru-RU" i="1" dirty="0"/>
-              <a:t>В общем</a:t>
-            </a:r>
-            <a:r>
-              <a:rPr lang="en-US" dirty="0"/>
-              <a:t>: </a:t>
-            </a:r>
-            <a:r>
-              <a:rPr lang="ru-RU" dirty="0"/>
-              <a:t>преобразовать </a:t>
-            </a:r>
-            <a:br>
-              <a:rPr lang="en-US" dirty="0"/>
-            </a:br>
-            <a:r>
-              <a:rPr lang="ru-RU" i="1" dirty="0"/>
-              <a:t>неструктурированные</a:t>
-            </a:r>
-            <a:r>
-              <a:rPr lang="ru-RU" dirty="0"/>
-              <a:t> данные (тексты) </a:t>
-            </a:r>
-            <a:br>
-              <a:rPr lang="en-US" dirty="0"/>
-            </a:br>
-            <a:r>
-              <a:rPr lang="ru-RU" dirty="0"/>
-              <a:t>в </a:t>
-            </a:r>
-            <a:r>
-              <a:rPr lang="ru-RU" i="1" dirty="0"/>
-              <a:t>структурированные</a:t>
-            </a:r>
-            <a:r>
-              <a:rPr lang="ru-RU" dirty="0"/>
-              <a:t> (таблицы, реляционные БД …)</a:t>
-            </a:r>
-            <a:endParaRPr lang="en-US" dirty="0"/>
-          </a:p>
-          <a:p>
-            <a:r>
-              <a:rPr lang="en-US" dirty="0"/>
-              <a:t>NER</a:t>
-            </a:r>
-          </a:p>
-          <a:p>
-            <a:r>
-              <a:rPr lang="ru-RU" dirty="0"/>
-              <a:t>Разрешение </a:t>
-            </a:r>
-            <a:r>
-              <a:rPr lang="ru-RU" dirty="0" err="1"/>
-              <a:t>кореференции</a:t>
-            </a:r>
-            <a:r>
-              <a:rPr lang="ru-RU" dirty="0"/>
-              <a:t>, </a:t>
-            </a:r>
-            <a:r>
-              <a:rPr lang="en-US" dirty="0"/>
-              <a:t>entity linking</a:t>
-            </a:r>
-          </a:p>
-          <a:p>
-            <a:r>
-              <a:rPr lang="ru-RU" dirty="0"/>
-              <a:t>Извлечение отношений</a:t>
-            </a:r>
-            <a:endParaRPr lang="en-US" dirty="0"/>
-          </a:p>
-          <a:p>
-            <a:r>
-              <a:rPr lang="ru-RU" dirty="0"/>
-              <a:t>Извлечение фактов / событий, </a:t>
-            </a:r>
-            <a:r>
-              <a:rPr lang="ru-RU" dirty="0" err="1"/>
-              <a:t>темпоральный</a:t>
-            </a:r>
-            <a:r>
-              <a:rPr lang="ru-RU" dirty="0"/>
-              <a:t> анализ</a:t>
-            </a:r>
-            <a:endParaRPr lang="en-US" dirty="0"/>
-          </a:p>
-          <a:p>
-            <a:r>
-              <a:rPr lang="ru-RU" dirty="0"/>
-              <a:t>Заполнение полей шаблонов</a:t>
-            </a:r>
-            <a:endParaRPr lang="en-US" dirty="0"/>
-          </a:p>
-        </p:txBody>
-      </p:sp>
-      <p:sp>
-        <p:nvSpPr>
-          <p:cNvPr id="4" name="Номер слайда 3">
-            <a:extLst>
-              <a:ext uri="{FF2B5EF4-FFF2-40B4-BE49-F238E27FC236}">
-                <a16:creationId xmlns:a16="http://schemas.microsoft.com/office/drawing/2014/main" id="{75DBABDE-15BC-AF43-BAC1-ABD3CB99FA14}"/>
-              </a:ext>
-            </a:extLst>
-          </p:cNvPr>
-          <p:cNvSpPr>
-            <a:spLocks noGrp="1"/>
-          </p:cNvSpPr>
-          <p:nvPr>
-            <p:ph type="sldNum" sz="quarter" idx="12"/>
-          </p:nvPr>
-        </p:nvSpPr>
-        <p:spPr/>
-        <p:txBody>
-          <a:bodyPr/>
-          <a:lstStyle/>
-          <a:p>
-            <a:fld id="{CFE4BAC9-6D41-4691-9299-18EF07EF0177}" type="slidenum">
-              <a:rPr lang="en-US" smtClean="0"/>
-              <a:t>1</a:t>
-            </a:fld>
-            <a:endParaRPr lang="en-US"/>
-          </a:p>
-        </p:txBody>
-      </p:sp>
-    </p:spTree>
-    <p:extLst>
-      <p:ext uri="{BB962C8B-B14F-4D97-AF65-F5344CB8AC3E}">
-        <p14:creationId xmlns:p14="http://schemas.microsoft.com/office/powerpoint/2010/main" val="2536181633"/>
-      </p:ext>
-    </p:extLst>
-  </p:cSld>
-  <p:clrMapOvr>
-    <a:masterClrMapping/>
-  </p:clrMapOvr>
-</p:sld>
-</file>
-
-<file path=ppt/slides/slide20.xml><?xml version="1.0" encoding="utf-8"?>
+<file path=ppt/slides/slide26.xml><?xml version="1.0" encoding="utf-8"?>
 <p:sld xmlns:a="http://schemas.openxmlformats.org/drawingml/2006/main" xmlns:r="http://schemas.openxmlformats.org/officeDocument/2006/relationships" xmlns:p="http://schemas.openxmlformats.org/presentationml/2006/main">
   <p:cSld>
     <p:spTree>
@@ -14369,7 +15581,7 @@
           <a:p>
             <a:fld id="{CFE4BAC9-6D41-4691-9299-18EF07EF0177}" type="slidenum">
               <a:rPr lang="en-US" smtClean="0"/>
-              <a:t>19</a:t>
+              <a:t>25</a:t>
             </a:fld>
             <a:endParaRPr lang="en-US"/>
           </a:p>
@@ -14418,7 +15630,7 @@
 </p:sld>
 </file>
 
-<file path=ppt/slides/slide21.xml><?xml version="1.0" encoding="utf-8"?>
+<file path=ppt/slides/slide27.xml><?xml version="1.0" encoding="utf-8"?>
 <p:sld xmlns:a="http://schemas.openxmlformats.org/drawingml/2006/main" xmlns:r="http://schemas.openxmlformats.org/officeDocument/2006/relationships" xmlns:p="http://schemas.openxmlformats.org/presentationml/2006/main">
   <p:cSld>
     <p:spTree>
@@ -14599,7 +15811,7 @@
           <a:p>
             <a:fld id="{CFE4BAC9-6D41-4691-9299-18EF07EF0177}" type="slidenum">
               <a:rPr lang="en-US" smtClean="0"/>
-              <a:t>20</a:t>
+              <a:t>26</a:t>
             </a:fld>
             <a:endParaRPr lang="en-US"/>
           </a:p>
@@ -14618,7 +15830,7 @@
 </p:sld>
 </file>
 
-<file path=ppt/slides/slide22.xml><?xml version="1.0" encoding="utf-8"?>
+<file path=ppt/slides/slide28.xml><?xml version="1.0" encoding="utf-8"?>
 <p:sld xmlns:a="http://schemas.openxmlformats.org/drawingml/2006/main" xmlns:r="http://schemas.openxmlformats.org/officeDocument/2006/relationships" xmlns:p="http://schemas.openxmlformats.org/presentationml/2006/main">
   <p:cSld>
     <p:spTree>
@@ -14664,8 +15876,8 @@
           </a:p>
         </p:txBody>
       </p:sp>
-      <mc:AlternateContent xmlns:mc="http://schemas.openxmlformats.org/markup-compatibility/2006">
-        <mc:Choice xmlns:a14="http://schemas.microsoft.com/office/drawing/2010/main" Requires="a14">
+      <mc:AlternateContent xmlns:mc="http://schemas.openxmlformats.org/markup-compatibility/2006" xmlns:a14="http://schemas.microsoft.com/office/drawing/2010/main">
+        <mc:Choice Requires="a14">
           <p:sp>
             <p:nvSpPr>
               <p:cNvPr id="3" name="Объект 2">
@@ -15098,7 +16310,7 @@
             </p:txBody>
           </p:sp>
         </mc:Choice>
-        <mc:Fallback>
+        <mc:Fallback xmlns="">
           <p:sp>
             <p:nvSpPr>
               <p:cNvPr id="3" name="Объект 2">
@@ -15165,7 +16377,7 @@
           <a:p>
             <a:fld id="{CFE4BAC9-6D41-4691-9299-18EF07EF0177}" type="slidenum">
               <a:rPr lang="en-US" smtClean="0"/>
-              <a:t>21</a:t>
+              <a:t>27</a:t>
             </a:fld>
             <a:endParaRPr lang="en-US"/>
           </a:p>
@@ -15184,7 +16396,7 @@
 </p:sld>
 </file>
 
-<file path=ppt/slides/slide23.xml><?xml version="1.0" encoding="utf-8"?>
+<file path=ppt/slides/slide29.xml><?xml version="1.0" encoding="utf-8"?>
 <p:sld xmlns:a="http://schemas.openxmlformats.org/drawingml/2006/main" xmlns:r="http://schemas.openxmlformats.org/officeDocument/2006/relationships" xmlns:p="http://schemas.openxmlformats.org/presentationml/2006/main">
   <p:cSld>
     <p:spTree>
@@ -15282,7 +16494,7 @@
           <a:p>
             <a:fld id="{CFE4BAC9-6D41-4691-9299-18EF07EF0177}" type="slidenum">
               <a:rPr lang="en-US" smtClean="0"/>
-              <a:t>22</a:t>
+              <a:t>28</a:t>
             </a:fld>
             <a:endParaRPr lang="en-US"/>
           </a:p>
@@ -15331,7 +16543,199 @@
 </p:sld>
 </file>
 
-<file path=ppt/slides/slide24.xml><?xml version="1.0" encoding="utf-8"?>
+<file path=ppt/slides/slide3.xml><?xml version="1.0" encoding="utf-8"?>
+<p:sld xmlns:a="http://schemas.openxmlformats.org/drawingml/2006/main" xmlns:r="http://schemas.openxmlformats.org/officeDocument/2006/relationships" xmlns:p="http://schemas.openxmlformats.org/presentationml/2006/main">
+  <p:cSld>
+    <p:spTree>
+      <p:nvGrpSpPr>
+        <p:cNvPr id="1" name=""/>
+        <p:cNvGrpSpPr/>
+        <p:nvPr/>
+      </p:nvGrpSpPr>
+      <p:grpSpPr>
+        <a:xfrm>
+          <a:off x="0" y="0"/>
+          <a:ext cx="0" cy="0"/>
+          <a:chOff x="0" y="0"/>
+          <a:chExt cx="0" cy="0"/>
+        </a:xfrm>
+      </p:grpSpPr>
+      <p:sp>
+        <p:nvSpPr>
+          <p:cNvPr id="2" name="Заголовок 1">
+            <a:extLst>
+              <a:ext uri="{FF2B5EF4-FFF2-40B4-BE49-F238E27FC236}">
+                <a16:creationId xmlns:a16="http://schemas.microsoft.com/office/drawing/2014/main" id="{0BB04F13-1B14-294D-A8AC-F35BDA62F109}"/>
+              </a:ext>
+            </a:extLst>
+          </p:cNvPr>
+          <p:cNvSpPr>
+            <a:spLocks noGrp="1"/>
+          </p:cNvSpPr>
+          <p:nvPr>
+            <p:ph type="title"/>
+          </p:nvPr>
+        </p:nvSpPr>
+        <p:spPr/>
+        <p:txBody>
+          <a:bodyPr/>
+          <a:lstStyle/>
+          <a:p>
+            <a:r>
+              <a:rPr lang="ru-RU" dirty="0"/>
+              <a:t>Извлечение отношений</a:t>
+            </a:r>
+          </a:p>
+        </p:txBody>
+      </p:sp>
+      <p:sp>
+        <p:nvSpPr>
+          <p:cNvPr id="3" name="Объект 2">
+            <a:extLst>
+              <a:ext uri="{FF2B5EF4-FFF2-40B4-BE49-F238E27FC236}">
+                <a16:creationId xmlns:a16="http://schemas.microsoft.com/office/drawing/2014/main" id="{052319D3-2881-C347-90CC-DC100F03BF74}"/>
+              </a:ext>
+            </a:extLst>
+          </p:cNvPr>
+          <p:cNvSpPr>
+            <a:spLocks noGrp="1"/>
+          </p:cNvSpPr>
+          <p:nvPr>
+            <p:ph idx="1"/>
+          </p:nvPr>
+        </p:nvSpPr>
+        <p:spPr/>
+        <p:txBody>
+          <a:bodyPr/>
+          <a:lstStyle/>
+          <a:p>
+            <a:pPr>
+              <a:buFont typeface="Wingdings" pitchFamily="2" charset="2"/>
+              <a:buChar char="Ø"/>
+            </a:pPr>
+            <a:r>
+              <a:rPr lang="ru-RU" dirty="0"/>
+              <a:t>Бинарные отношения </a:t>
+            </a:r>
+            <a:r>
+              <a:rPr lang="en-US" i="1" dirty="0" err="1"/>
+              <a:t>aRb</a:t>
+            </a:r>
+            <a:endParaRPr lang="en-US" i="1" dirty="0"/>
+          </a:p>
+          <a:p>
+            <a:pPr>
+              <a:buFont typeface="Wingdings" pitchFamily="2" charset="2"/>
+              <a:buChar char="Ø"/>
+            </a:pPr>
+            <a:r>
+              <a:rPr lang="ru-RU" dirty="0"/>
+              <a:t>Обычно не симметричные</a:t>
+            </a:r>
+          </a:p>
+          <a:p>
+            <a:pPr marL="0" indent="0">
+              <a:buNone/>
+            </a:pPr>
+            <a:r>
+              <a:rPr lang="ru-RU" dirty="0"/>
+              <a:t>Соревнования </a:t>
+            </a:r>
+            <a:r>
+              <a:rPr lang="en-US" dirty="0"/>
+              <a:t>ACE</a:t>
+            </a:r>
+            <a:r>
+              <a:rPr lang="ru-RU" dirty="0"/>
+              <a:t> </a:t>
+            </a:r>
+            <a:r>
+              <a:rPr lang="en-US" dirty="0"/>
+              <a:t>– 17 </a:t>
+            </a:r>
+            <a:r>
+              <a:rPr lang="ru-RU" dirty="0"/>
+              <a:t>типов отношений</a:t>
+            </a:r>
+            <a:r>
+              <a:rPr lang="en-US" dirty="0"/>
+              <a:t>:</a:t>
+            </a:r>
+          </a:p>
+          <a:p>
+            <a:pPr lvl="1"/>
+            <a:r>
+              <a:rPr lang="en-US" dirty="0"/>
+              <a:t>Part of</a:t>
+            </a:r>
+          </a:p>
+          <a:p>
+            <a:pPr lvl="1"/>
+            <a:r>
+              <a:rPr lang="en-US" dirty="0"/>
+              <a:t>Family member</a:t>
+            </a:r>
+          </a:p>
+          <a:p>
+            <a:pPr lvl="1"/>
+            <a:r>
+              <a:rPr lang="en-US" dirty="0"/>
+              <a:t>Employs (Org employs Per)</a:t>
+            </a:r>
+          </a:p>
+          <a:p>
+            <a:pPr lvl="1"/>
+            <a:r>
+              <a:rPr lang="en-US" dirty="0"/>
+              <a:t>Location</a:t>
+            </a:r>
+            <a:endParaRPr lang="ru-RU" dirty="0"/>
+          </a:p>
+        </p:txBody>
+      </p:sp>
+      <p:sp>
+        <p:nvSpPr>
+          <p:cNvPr id="4" name="Номер слайда 3">
+            <a:extLst>
+              <a:ext uri="{FF2B5EF4-FFF2-40B4-BE49-F238E27FC236}">
+                <a16:creationId xmlns:a16="http://schemas.microsoft.com/office/drawing/2014/main" id="{54EB921F-9307-B146-93B6-F1120DD976E1}"/>
+              </a:ext>
+            </a:extLst>
+          </p:cNvPr>
+          <p:cNvSpPr>
+            <a:spLocks noGrp="1"/>
+          </p:cNvSpPr>
+          <p:nvPr>
+            <p:ph type="sldNum" sz="quarter" idx="12"/>
+          </p:nvPr>
+        </p:nvSpPr>
+        <p:spPr/>
+        <p:txBody>
+          <a:bodyPr/>
+          <a:lstStyle/>
+          <a:p>
+            <a:fld id="{CFE4BAC9-6D41-4691-9299-18EF07EF0177}" type="slidenum">
+              <a:rPr lang="en-US" smtClean="0"/>
+              <a:t>2</a:t>
+            </a:fld>
+            <a:endParaRPr lang="en-US"/>
+          </a:p>
+        </p:txBody>
+      </p:sp>
+    </p:spTree>
+    <p:extLst>
+      <p:ext uri="{BB962C8B-B14F-4D97-AF65-F5344CB8AC3E}">
+        <p14:creationId xmlns:p14="http://schemas.microsoft.com/office/powerpoint/2010/main" val="3284857392"/>
+      </p:ext>
+    </p:extLst>
+  </p:cSld>
+  <p:clrMapOvr>
+    <a:masterClrMapping/>
+  </p:clrMapOvr>
+</p:sld>
+</file>
+
+<file path=ppt/slides/slide30.xml><?xml version="1.0" encoding="utf-8"?>
 <p:sld xmlns:a="http://schemas.openxmlformats.org/drawingml/2006/main" xmlns:r="http://schemas.openxmlformats.org/officeDocument/2006/relationships" xmlns:p="http://schemas.openxmlformats.org/presentationml/2006/main">
   <p:cSld>
     <p:spTree>
@@ -15454,7 +16858,7 @@
           <a:p>
             <a:fld id="{CFE4BAC9-6D41-4691-9299-18EF07EF0177}" type="slidenum">
               <a:rPr lang="en-US" smtClean="0"/>
-              <a:t>23</a:t>
+              <a:t>29</a:t>
             </a:fld>
             <a:endParaRPr lang="en-US"/>
           </a:p>
@@ -15473,7 +16877,7 @@
 </p:sld>
 </file>
 
-<file path=ppt/slides/slide25.xml><?xml version="1.0" encoding="utf-8"?>
+<file path=ppt/slides/slide31.xml><?xml version="1.0" encoding="utf-8"?>
 <p:sld xmlns:a="http://schemas.openxmlformats.org/drawingml/2006/main" xmlns:r="http://schemas.openxmlformats.org/officeDocument/2006/relationships" xmlns:p="http://schemas.openxmlformats.org/presentationml/2006/main">
   <p:cSld>
     <p:spTree>
@@ -15574,7 +16978,7 @@
           <a:p>
             <a:fld id="{CFE4BAC9-6D41-4691-9299-18EF07EF0177}" type="slidenum">
               <a:rPr lang="en-US" smtClean="0"/>
-              <a:t>24</a:t>
+              <a:t>30</a:t>
             </a:fld>
             <a:endParaRPr lang="en-US"/>
           </a:p>
@@ -15623,7 +17027,7 @@
 </p:sld>
 </file>
 
-<file path=ppt/slides/slide26.xml><?xml version="1.0" encoding="utf-8"?>
+<file path=ppt/slides/slide32.xml><?xml version="1.0" encoding="utf-8"?>
 <p:sld xmlns:a="http://schemas.openxmlformats.org/drawingml/2006/main" xmlns:r="http://schemas.openxmlformats.org/officeDocument/2006/relationships" xmlns:p="http://schemas.openxmlformats.org/presentationml/2006/main">
   <p:cSld>
     <p:spTree>
@@ -15806,7 +17210,7 @@
           <a:p>
             <a:fld id="{CFE4BAC9-6D41-4691-9299-18EF07EF0177}" type="slidenum">
               <a:rPr lang="en-US" smtClean="0"/>
-              <a:t>25</a:t>
+              <a:t>31</a:t>
             </a:fld>
             <a:endParaRPr lang="en-US"/>
           </a:p>
@@ -15825,7 +17229,7 @@
 </p:sld>
 </file>
 
-<file path=ppt/slides/slide27.xml><?xml version="1.0" encoding="utf-8"?>
+<file path=ppt/slides/slide33.xml><?xml version="1.0" encoding="utf-8"?>
 <p:sld xmlns:a="http://schemas.openxmlformats.org/drawingml/2006/main" xmlns:r="http://schemas.openxmlformats.org/officeDocument/2006/relationships" xmlns:p="http://schemas.openxmlformats.org/presentationml/2006/main">
   <p:cSld>
     <p:spTree>
@@ -15925,7 +17329,7 @@
           <a:p>
             <a:fld id="{CFE4BAC9-6D41-4691-9299-18EF07EF0177}" type="slidenum">
               <a:rPr lang="en-US" smtClean="0"/>
-              <a:t>26</a:t>
+              <a:t>32</a:t>
             </a:fld>
             <a:endParaRPr lang="en-US"/>
           </a:p>
@@ -15974,7 +17378,7 @@
 </p:sld>
 </file>
 
-<file path=ppt/slides/slide28.xml><?xml version="1.0" encoding="utf-8"?>
+<file path=ppt/slides/slide34.xml><?xml version="1.0" encoding="utf-8"?>
 <p:sld xmlns:a="http://schemas.openxmlformats.org/drawingml/2006/main" xmlns:r="http://schemas.openxmlformats.org/officeDocument/2006/relationships" xmlns:p="http://schemas.openxmlformats.org/presentationml/2006/main">
   <p:cSld>
     <p:spTree>
@@ -16224,7 +17628,7 @@
           <a:p>
             <a:fld id="{CFE4BAC9-6D41-4691-9299-18EF07EF0177}" type="slidenum">
               <a:rPr lang="en-US" smtClean="0"/>
-              <a:t>27</a:t>
+              <a:t>33</a:t>
             </a:fld>
             <a:endParaRPr lang="en-US"/>
           </a:p>
@@ -16317,7 +17721,7 @@
 </p:sld>
 </file>
 
-<file path=ppt/slides/slide29.xml><?xml version="1.0" encoding="utf-8"?>
+<file path=ppt/slides/slide35.xml><?xml version="1.0" encoding="utf-8"?>
 <p:sld xmlns:a="http://schemas.openxmlformats.org/drawingml/2006/main" xmlns:r="http://schemas.openxmlformats.org/officeDocument/2006/relationships" xmlns:p="http://schemas.openxmlformats.org/presentationml/2006/main">
   <p:cSld>
     <p:spTree>
@@ -16473,7 +17877,7 @@
           <a:p>
             <a:fld id="{CFE4BAC9-6D41-4691-9299-18EF07EF0177}" type="slidenum">
               <a:rPr lang="en-US" smtClean="0"/>
-              <a:t>28</a:t>
+              <a:t>34</a:t>
             </a:fld>
             <a:endParaRPr lang="en-US"/>
           </a:p>
@@ -16492,199 +17896,7 @@
 </p:sld>
 </file>
 
-<file path=ppt/slides/slide3.xml><?xml version="1.0" encoding="utf-8"?>
-<p:sld xmlns:a="http://schemas.openxmlformats.org/drawingml/2006/main" xmlns:r="http://schemas.openxmlformats.org/officeDocument/2006/relationships" xmlns:p="http://schemas.openxmlformats.org/presentationml/2006/main">
-  <p:cSld>
-    <p:spTree>
-      <p:nvGrpSpPr>
-        <p:cNvPr id="1" name=""/>
-        <p:cNvGrpSpPr/>
-        <p:nvPr/>
-      </p:nvGrpSpPr>
-      <p:grpSpPr>
-        <a:xfrm>
-          <a:off x="0" y="0"/>
-          <a:ext cx="0" cy="0"/>
-          <a:chOff x="0" y="0"/>
-          <a:chExt cx="0" cy="0"/>
-        </a:xfrm>
-      </p:grpSpPr>
-      <p:sp>
-        <p:nvSpPr>
-          <p:cNvPr id="2" name="Заголовок 1">
-            <a:extLst>
-              <a:ext uri="{FF2B5EF4-FFF2-40B4-BE49-F238E27FC236}">
-                <a16:creationId xmlns:a16="http://schemas.microsoft.com/office/drawing/2014/main" id="{0BB04F13-1B14-294D-A8AC-F35BDA62F109}"/>
-              </a:ext>
-            </a:extLst>
-          </p:cNvPr>
-          <p:cNvSpPr>
-            <a:spLocks noGrp="1"/>
-          </p:cNvSpPr>
-          <p:nvPr>
-            <p:ph type="title"/>
-          </p:nvPr>
-        </p:nvSpPr>
-        <p:spPr/>
-        <p:txBody>
-          <a:bodyPr/>
-          <a:lstStyle/>
-          <a:p>
-            <a:r>
-              <a:rPr lang="ru-RU" dirty="0"/>
-              <a:t>Извлечение отношений</a:t>
-            </a:r>
-          </a:p>
-        </p:txBody>
-      </p:sp>
-      <p:sp>
-        <p:nvSpPr>
-          <p:cNvPr id="3" name="Объект 2">
-            <a:extLst>
-              <a:ext uri="{FF2B5EF4-FFF2-40B4-BE49-F238E27FC236}">
-                <a16:creationId xmlns:a16="http://schemas.microsoft.com/office/drawing/2014/main" id="{052319D3-2881-C347-90CC-DC100F03BF74}"/>
-              </a:ext>
-            </a:extLst>
-          </p:cNvPr>
-          <p:cNvSpPr>
-            <a:spLocks noGrp="1"/>
-          </p:cNvSpPr>
-          <p:nvPr>
-            <p:ph idx="1"/>
-          </p:nvPr>
-        </p:nvSpPr>
-        <p:spPr/>
-        <p:txBody>
-          <a:bodyPr/>
-          <a:lstStyle/>
-          <a:p>
-            <a:pPr>
-              <a:buFont typeface="Wingdings" pitchFamily="2" charset="2"/>
-              <a:buChar char="Ø"/>
-            </a:pPr>
-            <a:r>
-              <a:rPr lang="ru-RU" dirty="0"/>
-              <a:t>Бинарные отношения </a:t>
-            </a:r>
-            <a:r>
-              <a:rPr lang="en-US" i="1" dirty="0" err="1"/>
-              <a:t>aRb</a:t>
-            </a:r>
-            <a:endParaRPr lang="en-US" i="1" dirty="0"/>
-          </a:p>
-          <a:p>
-            <a:pPr>
-              <a:buFont typeface="Wingdings" pitchFamily="2" charset="2"/>
-              <a:buChar char="Ø"/>
-            </a:pPr>
-            <a:r>
-              <a:rPr lang="ru-RU" dirty="0"/>
-              <a:t>Обычно не симметричные</a:t>
-            </a:r>
-          </a:p>
-          <a:p>
-            <a:pPr marL="0" indent="0">
-              <a:buNone/>
-            </a:pPr>
-            <a:r>
-              <a:rPr lang="ru-RU" dirty="0"/>
-              <a:t>Соревнования </a:t>
-            </a:r>
-            <a:r>
-              <a:rPr lang="en-US" dirty="0"/>
-              <a:t>ACE</a:t>
-            </a:r>
-            <a:r>
-              <a:rPr lang="ru-RU" dirty="0"/>
-              <a:t> </a:t>
-            </a:r>
-            <a:r>
-              <a:rPr lang="en-US" dirty="0"/>
-              <a:t>– 17 </a:t>
-            </a:r>
-            <a:r>
-              <a:rPr lang="ru-RU" dirty="0"/>
-              <a:t>типов отношений</a:t>
-            </a:r>
-            <a:r>
-              <a:rPr lang="en-US" dirty="0"/>
-              <a:t>:</a:t>
-            </a:r>
-          </a:p>
-          <a:p>
-            <a:pPr lvl="1"/>
-            <a:r>
-              <a:rPr lang="en-US" dirty="0"/>
-              <a:t>Part of</a:t>
-            </a:r>
-          </a:p>
-          <a:p>
-            <a:pPr lvl="1"/>
-            <a:r>
-              <a:rPr lang="en-US" dirty="0"/>
-              <a:t>Family member</a:t>
-            </a:r>
-          </a:p>
-          <a:p>
-            <a:pPr lvl="1"/>
-            <a:r>
-              <a:rPr lang="en-US" dirty="0"/>
-              <a:t>Employs (Org employs Per)</a:t>
-            </a:r>
-          </a:p>
-          <a:p>
-            <a:pPr lvl="1"/>
-            <a:r>
-              <a:rPr lang="en-US" dirty="0"/>
-              <a:t>Location</a:t>
-            </a:r>
-            <a:endParaRPr lang="ru-RU" dirty="0"/>
-          </a:p>
-        </p:txBody>
-      </p:sp>
-      <p:sp>
-        <p:nvSpPr>
-          <p:cNvPr id="4" name="Номер слайда 3">
-            <a:extLst>
-              <a:ext uri="{FF2B5EF4-FFF2-40B4-BE49-F238E27FC236}">
-                <a16:creationId xmlns:a16="http://schemas.microsoft.com/office/drawing/2014/main" id="{54EB921F-9307-B146-93B6-F1120DD976E1}"/>
-              </a:ext>
-            </a:extLst>
-          </p:cNvPr>
-          <p:cNvSpPr>
-            <a:spLocks noGrp="1"/>
-          </p:cNvSpPr>
-          <p:nvPr>
-            <p:ph type="sldNum" sz="quarter" idx="12"/>
-          </p:nvPr>
-        </p:nvSpPr>
-        <p:spPr/>
-        <p:txBody>
-          <a:bodyPr/>
-          <a:lstStyle/>
-          <a:p>
-            <a:fld id="{CFE4BAC9-6D41-4691-9299-18EF07EF0177}" type="slidenum">
-              <a:rPr lang="en-US" smtClean="0"/>
-              <a:t>2</a:t>
-            </a:fld>
-            <a:endParaRPr lang="en-US"/>
-          </a:p>
-        </p:txBody>
-      </p:sp>
-    </p:spTree>
-    <p:extLst>
-      <p:ext uri="{BB962C8B-B14F-4D97-AF65-F5344CB8AC3E}">
-        <p14:creationId xmlns:p14="http://schemas.microsoft.com/office/powerpoint/2010/main" val="3284857392"/>
-      </p:ext>
-    </p:extLst>
-  </p:cSld>
-  <p:clrMapOvr>
-    <a:masterClrMapping/>
-  </p:clrMapOvr>
-</p:sld>
-</file>
-
-<file path=ppt/slides/slide30.xml><?xml version="1.0" encoding="utf-8"?>
+<file path=ppt/slides/slide36.xml><?xml version="1.0" encoding="utf-8"?>
 <p:sld xmlns:a="http://schemas.openxmlformats.org/drawingml/2006/main" xmlns:r="http://schemas.openxmlformats.org/officeDocument/2006/relationships" xmlns:p="http://schemas.openxmlformats.org/presentationml/2006/main">
   <p:cSld>
     <p:spTree>
@@ -16874,7 +18086,7 @@
           <a:p>
             <a:fld id="{CFE4BAC9-6D41-4691-9299-18EF07EF0177}" type="slidenum">
               <a:rPr lang="en-US" smtClean="0"/>
-              <a:t>29</a:t>
+              <a:t>35</a:t>
             </a:fld>
             <a:endParaRPr lang="en-US"/>
           </a:p>
@@ -16940,7 +18152,7 @@
 </p:sld>
 </file>
 
-<file path=ppt/slides/slide31.xml><?xml version="1.0" encoding="utf-8"?>
+<file path=ppt/slides/slide37.xml><?xml version="1.0" encoding="utf-8"?>
 <p:sld xmlns:a="http://schemas.openxmlformats.org/drawingml/2006/main" xmlns:r="http://schemas.openxmlformats.org/officeDocument/2006/relationships" xmlns:p="http://schemas.openxmlformats.org/presentationml/2006/main">
   <p:cSld>
     <p:spTree>
@@ -17333,7 +18545,7 @@
           <a:p>
             <a:fld id="{CFE4BAC9-6D41-4691-9299-18EF07EF0177}" type="slidenum">
               <a:rPr lang="en-US" smtClean="0"/>
-              <a:t>30</a:t>
+              <a:t>36</a:t>
             </a:fld>
             <a:endParaRPr lang="en-US"/>
           </a:p>
@@ -17352,7 +18564,7 @@
 </p:sld>
 </file>
 
-<file path=ppt/slides/slide32.xml><?xml version="1.0" encoding="utf-8"?>
+<file path=ppt/slides/slide38.xml><?xml version="1.0" encoding="utf-8"?>
 <p:sld xmlns:a="http://schemas.openxmlformats.org/drawingml/2006/main" xmlns:r="http://schemas.openxmlformats.org/officeDocument/2006/relationships" xmlns:p="http://schemas.openxmlformats.org/presentationml/2006/main">
   <p:cSld>
     <p:spTree>
@@ -17525,7 +18737,7 @@
           <a:p>
             <a:fld id="{CFE4BAC9-6D41-4691-9299-18EF07EF0177}" type="slidenum">
               <a:rPr lang="en-US" smtClean="0"/>
-              <a:t>31</a:t>
+              <a:t>37</a:t>
             </a:fld>
             <a:endParaRPr lang="en-US"/>
           </a:p>
@@ -17544,7 +18756,7 @@
 </p:sld>
 </file>
 
-<file path=ppt/slides/slide33.xml><?xml version="1.0" encoding="utf-8"?>
+<file path=ppt/slides/slide39.xml><?xml version="1.0" encoding="utf-8"?>
 <p:sld xmlns:a="http://schemas.openxmlformats.org/drawingml/2006/main" xmlns:r="http://schemas.openxmlformats.org/officeDocument/2006/relationships" xmlns:p="http://schemas.openxmlformats.org/presentationml/2006/main">
   <p:cSld>
     <p:spTree>
@@ -17640,7 +18852,7 @@
           <a:p>
             <a:fld id="{CFE4BAC9-6D41-4691-9299-18EF07EF0177}" type="slidenum">
               <a:rPr lang="en-US" smtClean="0"/>
-              <a:t>32</a:t>
+              <a:t>38</a:t>
             </a:fld>
             <a:endParaRPr lang="en-US"/>
           </a:p>
@@ -17888,31 +19100,41 @@
           </a:p>
         </p:txBody>
       </p:sp>
-      <p:sp>
-        <p:nvSpPr>
-          <p:cNvPr id="3" name="Объект 2">
+      <p:pic>
+        <p:nvPicPr>
+          <p:cNvPr id="8" name="Объект 7">
             <a:extLst>
               <a:ext uri="{FF2B5EF4-FFF2-40B4-BE49-F238E27FC236}">
-                <a16:creationId xmlns:a16="http://schemas.microsoft.com/office/drawing/2014/main" id="{1C12A3E8-EC27-C84A-8B2B-19BAF924D348}"/>
+                <a16:creationId xmlns:a16="http://schemas.microsoft.com/office/drawing/2014/main" id="{0D53D478-0CAB-0F4B-B9AA-8F7188823531}"/>
               </a:ext>
             </a:extLst>
           </p:cNvPr>
-          <p:cNvSpPr>
-            <a:spLocks noGrp="1"/>
-          </p:cNvSpPr>
+          <p:cNvPicPr>
+            <a:picLocks noGrp="1" noChangeAspect="1"/>
+          </p:cNvPicPr>
           <p:nvPr>
             <p:ph idx="1"/>
           </p:nvPr>
-        </p:nvSpPr>
-        <p:spPr/>
-        <p:txBody>
-          <a:bodyPr/>
-          <a:lstStyle/>
-          <a:p>
-            <a:endParaRPr lang="ru-RU"/>
-          </a:p>
-        </p:txBody>
-      </p:sp>
+        </p:nvPicPr>
+        <p:blipFill>
+          <a:blip r:embed="rId2">
+            <a:extLst>
+              <a:ext uri="{28A0092B-C50C-407E-A947-70E740481C1C}">
+                <a14:useLocalDpi xmlns:a14="http://schemas.microsoft.com/office/drawing/2010/main" val="0"/>
+              </a:ext>
+            </a:extLst>
+          </a:blip>
+          <a:stretch>
+            <a:fillRect/>
+          </a:stretch>
+        </p:blipFill>
+        <p:spPr>
+          <a:xfrm>
+            <a:off x="5309287" y="1325438"/>
+            <a:ext cx="2273644" cy="5302375"/>
+          </a:xfrm>
+        </p:spPr>
+      </p:pic>
       <p:sp>
         <p:nvSpPr>
           <p:cNvPr id="4" name="Номер слайда 3">
@@ -17957,7 +19179,7 @@
           <p:nvPr/>
         </p:nvPicPr>
         <p:blipFill>
-          <a:blip r:embed="rId2"/>
+          <a:blip r:embed="rId3"/>
           <a:stretch>
             <a:fillRect/>
           </a:stretch>
@@ -17966,36 +19188,6 @@
           <a:xfrm>
             <a:off x="859395" y="1962871"/>
             <a:ext cx="3094681" cy="3945718"/>
-          </a:xfrm>
-          <a:prstGeom prst="rect">
-            <a:avLst/>
-          </a:prstGeom>
-        </p:spPr>
-      </p:pic>
-      <p:pic>
-        <p:nvPicPr>
-          <p:cNvPr id="6" name="Рисунок 5">
-            <a:extLst>
-              <a:ext uri="{FF2B5EF4-FFF2-40B4-BE49-F238E27FC236}">
-                <a16:creationId xmlns:a16="http://schemas.microsoft.com/office/drawing/2014/main" id="{8936E5E4-1811-E143-8FBE-25278E5FD571}"/>
-              </a:ext>
-            </a:extLst>
-          </p:cNvPr>
-          <p:cNvPicPr>
-            <a:picLocks noChangeAspect="1"/>
-          </p:cNvPicPr>
-          <p:nvPr/>
-        </p:nvPicPr>
-        <p:blipFill>
-          <a:blip r:embed="rId3"/>
-          <a:stretch>
-            <a:fillRect/>
-          </a:stretch>
-        </p:blipFill>
-        <p:spPr>
-          <a:xfrm>
-            <a:off x="5350476" y="1687790"/>
-            <a:ext cx="2310714" cy="4804291"/>
           </a:xfrm>
           <a:prstGeom prst="rect">
             <a:avLst/>

--- a/4th_year/Slides/8_information-extraction.pptx
+++ b/4th_year/Slides/8_information-extraction.pptx
@@ -3166,7 +3166,7 @@
           <a:p>
             <a:fld id="{FFFFC84B-3D85-6C41-A6B8-B4414FE774B1}" type="datetimeFigureOut">
               <a:rPr lang="ru-RU" smtClean="0"/>
-              <a:t>06.12.2021</a:t>
+              <a:t>15.12.2022</a:t>
             </a:fld>
             <a:endParaRPr lang="ru-RU"/>
           </a:p>
@@ -3332,7 +3332,7 @@
           <a:p>
             <a:fld id="{F13716B1-732F-724E-A7CA-7EEA59C7677F}" type="datetimeFigureOut">
               <a:rPr lang="ru-RU" smtClean="0"/>
-              <a:t>06.12.2021</a:t>
+              <a:t>15.12.2022</a:t>
             </a:fld>
             <a:endParaRPr lang="ru-RU"/>
           </a:p>
@@ -4037,7 +4037,7 @@
           <a:p>
             <a:fld id="{1BD29B5A-6FA8-1944-AA09-C15FC1C1D3F4}" type="datetime1">
               <a:rPr lang="ru-RU" smtClean="0"/>
-              <a:t>06.12.2021</a:t>
+              <a:t>15.12.2022</a:t>
             </a:fld>
             <a:endParaRPr lang="en-US"/>
           </a:p>
@@ -4676,7 +4676,7 @@
           <a:p>
             <a:fld id="{F2FC5981-F633-F348-AD61-7B45C71F3E85}" type="datetime1">
               <a:rPr lang="ru-RU" smtClean="0"/>
-              <a:t>06.12.2021</a:t>
+              <a:t>15.12.2022</a:t>
             </a:fld>
             <a:endParaRPr lang="en-US"/>
           </a:p>
@@ -5248,7 +5248,7 @@
           <a:p>
             <a:fld id="{6FFD786A-2766-434F-838B-70C1C90B5D16}" type="datetime1">
               <a:rPr lang="ru-RU" smtClean="0"/>
-              <a:t>06.12.2021</a:t>
+              <a:t>15.12.2022</a:t>
             </a:fld>
             <a:endParaRPr lang="en-US"/>
           </a:p>
@@ -5782,7 +5782,7 @@
           <a:p>
             <a:fld id="{219A4372-FACA-7E4C-A5AE-21327F1AE80E}" type="datetime1">
               <a:rPr lang="ru-RU" smtClean="0"/>
-              <a:t>06.12.2021</a:t>
+              <a:t>15.12.2022</a:t>
             </a:fld>
             <a:endParaRPr lang="en-US"/>
           </a:p>
@@ -6212,7 +6212,7 @@
           <a:p>
             <a:fld id="{E7B5BAFD-5FFD-9943-A6D9-C73E16B0CF16}" type="datetime1">
               <a:rPr lang="ru-RU" smtClean="0"/>
-              <a:t>06.12.2021</a:t>
+              <a:t>15.12.2022</a:t>
             </a:fld>
             <a:endParaRPr lang="en-US"/>
           </a:p>
@@ -6673,7 +6673,7 @@
           <a:p>
             <a:fld id="{BC572BD1-4709-774A-89D6-8CE2CC57B254}" type="datetime1">
               <a:rPr lang="ru-RU" smtClean="0"/>
-              <a:t>06.12.2021</a:t>
+              <a:t>15.12.2022</a:t>
             </a:fld>
             <a:endParaRPr lang="en-US"/>
           </a:p>
@@ -7103,7 +7103,7 @@
           <a:p>
             <a:fld id="{8FECC34A-0083-CB4F-A689-7874457D3ACA}" type="datetime1">
               <a:rPr lang="ru-RU" smtClean="0"/>
-              <a:t>06.12.2021</a:t>
+              <a:t>15.12.2022</a:t>
             </a:fld>
             <a:endParaRPr lang="en-US"/>
           </a:p>
@@ -7577,7 +7577,7 @@
           <a:p>
             <a:fld id="{E7CDB9D1-567A-1142-B4B5-240469426B94}" type="datetime1">
               <a:rPr lang="ru-RU" smtClean="0"/>
-              <a:t>06.12.2021</a:t>
+              <a:t>15.12.2022</a:t>
             </a:fld>
             <a:endParaRPr lang="en-US"/>
           </a:p>
@@ -8027,7 +8027,7 @@
           <a:p>
             <a:fld id="{EDB4058E-86B3-C342-9B3C-0A119089C657}" type="datetime1">
               <a:rPr lang="ru-RU" smtClean="0"/>
-              <a:t>06.12.2021</a:t>
+              <a:t>15.12.2022</a:t>
             </a:fld>
             <a:endParaRPr lang="en-US"/>
           </a:p>
@@ -8547,7 +8547,7 @@
           <a:p>
             <a:fld id="{6D121555-D9A8-204A-BF89-CA3ABD3E8C1B}" type="datetime1">
               <a:rPr lang="ru-RU" smtClean="0"/>
-              <a:t>06.12.2021</a:t>
+              <a:t>15.12.2022</a:t>
             </a:fld>
             <a:endParaRPr lang="en-US"/>
           </a:p>
@@ -9323,7 +9323,7 @@
           <a:p>
             <a:fld id="{36A109C3-556C-0C47-9F31-A86A6A8AD1C2}" type="datetime1">
               <a:rPr lang="ru-RU" smtClean="0"/>
-              <a:t>06.12.2021</a:t>
+              <a:t>15.12.2022</a:t>
             </a:fld>
             <a:endParaRPr lang="en-US"/>
           </a:p>
@@ -9669,7 +9669,7 @@
           <a:p>
             <a:fld id="{28EDD308-17E7-C441-9B31-E79F70629A6B}" type="datetime1">
               <a:rPr lang="ru-RU" smtClean="0"/>
-              <a:t>06.12.2021</a:t>
+              <a:t>15.12.2022</a:t>
             </a:fld>
             <a:endParaRPr lang="en-US"/>
           </a:p>
@@ -9938,7 +9938,7 @@
           <a:p>
             <a:fld id="{DCAA0E54-BF3A-7641-B831-A2A6C76295EB}" type="datetime1">
               <a:rPr lang="ru-RU" smtClean="0"/>
-              <a:t>06.12.2021</a:t>
+              <a:t>15.12.2022</a:t>
             </a:fld>
             <a:endParaRPr lang="en-US"/>
           </a:p>
@@ -10523,7 +10523,7 @@
           <a:p>
             <a:fld id="{6B72F7C5-D193-F942-884E-11273B3099B3}" type="datetime1">
               <a:rPr lang="ru-RU" smtClean="0"/>
-              <a:t>06.12.2021</a:t>
+              <a:t>15.12.2022</a:t>
             </a:fld>
             <a:endParaRPr lang="en-US"/>
           </a:p>
@@ -10761,7 +10761,7 @@
           <a:p>
             <a:fld id="{581EF739-069F-D042-A101-DAD394F2F4A6}" type="datetime1">
               <a:rPr lang="ru-RU" smtClean="0"/>
-              <a:t>06.12.2021</a:t>
+              <a:t>15.12.2022</a:t>
             </a:fld>
             <a:endParaRPr lang="en-US"/>
           </a:p>
@@ -11333,7 +11333,7 @@
                 <a:latin typeface="Cambria"/>
                 <a:cs typeface="Cambria"/>
               </a:rPr>
-              <a:t>21</a:t>
+              <a:t>22</a:t>
             </a:r>
             <a:endParaRPr lang="ru-RU" sz="2200" dirty="0">
               <a:latin typeface="Cambria"/>
@@ -11458,7 +11458,15 @@
             <a:pPr lvl="1"/>
             <a:r>
               <a:rPr lang="ru-RU" dirty="0"/>
-              <a:t>большая база отношений (онтология, вики …)</a:t>
+              <a:t>большая база отношений (онтология </a:t>
+            </a:r>
+            <a:r>
+              <a:rPr lang="en-US" dirty="0"/>
+              <a:t>Freebase</a:t>
+            </a:r>
+            <a:r>
+              <a:rPr lang="ru-RU" dirty="0"/>
+              <a:t>, вики …)</a:t>
             </a:r>
             <a:endParaRPr lang="en-US" dirty="0"/>
           </a:p>
@@ -11467,6 +11475,14 @@
             <a:r>
               <a:rPr lang="ru-RU" dirty="0"/>
               <a:t>извлекаем предложения с аргументами отношений + негативные примеры</a:t>
+            </a:r>
+            <a:endParaRPr lang="en-US" dirty="0"/>
+          </a:p>
+          <a:p>
+            <a:pPr lvl="1"/>
+            <a:r>
+              <a:rPr lang="ru-RU" dirty="0"/>
+              <a:t>предположение: любое предложение, содержащее пару сущностей, связанных отношением, может выражать это отношение</a:t>
             </a:r>
             <a:endParaRPr lang="en-US" dirty="0"/>
           </a:p>
@@ -13286,9 +13302,31 @@
               </a:rPr>
               <a:t>Snips</a:t>
             </a:r>
-            <a:endParaRPr lang="en-US" dirty="0">
-              <a:hlinkClick r:id="rId4"/>
-            </a:endParaRPr>
+            <a:endParaRPr lang="ru-RU" dirty="0"/>
+          </a:p>
+          <a:p>
+            <a:pPr>
+              <a:buFont typeface="Wingdings" pitchFamily="2" charset="2"/>
+              <a:buChar char="Ø"/>
+            </a:pPr>
+            <a:r>
+              <a:rPr lang="ru-RU" sz="2000" dirty="0"/>
+              <a:t>полезно для </a:t>
+            </a:r>
+            <a:br>
+              <a:rPr lang="ru-RU" sz="2000" dirty="0"/>
+            </a:br>
+            <a:r>
+              <a:rPr lang="ru-RU" sz="2000" dirty="0"/>
+              <a:t>диалоговых </a:t>
+            </a:r>
+            <a:br>
+              <a:rPr lang="ru-RU" sz="2000" dirty="0"/>
+            </a:br>
+            <a:r>
+              <a:rPr lang="ru-RU" sz="2000" dirty="0"/>
+              <a:t>систем</a:t>
+            </a:r>
           </a:p>
         </p:txBody>
       </p:sp>
@@ -13336,7 +13374,7 @@
           <p:nvPr/>
         </p:nvPicPr>
         <p:blipFill>
-          <a:blip r:embed="rId5">
+          <a:blip r:embed="rId4">
             <a:extLst>
               <a:ext uri="{28A0092B-C50C-407E-A947-70E740481C1C}">
                 <a14:useLocalDpi xmlns:a14="http://schemas.microsoft.com/office/drawing/2010/main" val="0"/>
@@ -14432,7 +14470,7 @@
             </a:br>
             <a:r>
               <a:rPr lang="en-US" sz="2000" dirty="0"/>
-              <a:t>        </a:t>
+              <a:t>         </a:t>
             </a:r>
             <a:r>
               <a:rPr lang="en-US" sz="2300" b="1" dirty="0"/>
@@ -14971,7 +15009,7 @@
             </a:r>
             <a:r>
               <a:rPr lang="en-US" dirty="0"/>
-              <a:t>1</a:t>
+              <a:t>2</a:t>
             </a:r>
             <a:endParaRPr lang="ru-RU" dirty="0"/>
           </a:p>
@@ -19100,41 +19138,6 @@
           </a:p>
         </p:txBody>
       </p:sp>
-      <p:pic>
-        <p:nvPicPr>
-          <p:cNvPr id="8" name="Объект 7">
-            <a:extLst>
-              <a:ext uri="{FF2B5EF4-FFF2-40B4-BE49-F238E27FC236}">
-                <a16:creationId xmlns:a16="http://schemas.microsoft.com/office/drawing/2014/main" id="{0D53D478-0CAB-0F4B-B9AA-8F7188823531}"/>
-              </a:ext>
-            </a:extLst>
-          </p:cNvPr>
-          <p:cNvPicPr>
-            <a:picLocks noGrp="1" noChangeAspect="1"/>
-          </p:cNvPicPr>
-          <p:nvPr>
-            <p:ph idx="1"/>
-          </p:nvPr>
-        </p:nvPicPr>
-        <p:blipFill>
-          <a:blip r:embed="rId2">
-            <a:extLst>
-              <a:ext uri="{28A0092B-C50C-407E-A947-70E740481C1C}">
-                <a14:useLocalDpi xmlns:a14="http://schemas.microsoft.com/office/drawing/2010/main" val="0"/>
-              </a:ext>
-            </a:extLst>
-          </a:blip>
-          <a:stretch>
-            <a:fillRect/>
-          </a:stretch>
-        </p:blipFill>
-        <p:spPr>
-          <a:xfrm>
-            <a:off x="5309287" y="1325438"/>
-            <a:ext cx="2273644" cy="5302375"/>
-          </a:xfrm>
-        </p:spPr>
-      </p:pic>
       <p:sp>
         <p:nvSpPr>
           <p:cNvPr id="4" name="Номер слайда 3">
@@ -19179,7 +19182,7 @@
           <p:nvPr/>
         </p:nvPicPr>
         <p:blipFill>
-          <a:blip r:embed="rId3"/>
+          <a:blip r:embed="rId2"/>
           <a:stretch>
             <a:fillRect/>
           </a:stretch>
@@ -19192,6 +19195,41 @@
           <a:prstGeom prst="rect">
             <a:avLst/>
           </a:prstGeom>
+        </p:spPr>
+      </p:pic>
+      <p:pic>
+        <p:nvPicPr>
+          <p:cNvPr id="11" name="Объект 10">
+            <a:extLst>
+              <a:ext uri="{FF2B5EF4-FFF2-40B4-BE49-F238E27FC236}">
+                <a16:creationId xmlns:a16="http://schemas.microsoft.com/office/drawing/2014/main" id="{F55C38BE-36AB-659B-4C77-D710DD27A7A1}"/>
+              </a:ext>
+            </a:extLst>
+          </p:cNvPr>
+          <p:cNvPicPr>
+            <a:picLocks noGrp="1" noChangeAspect="1"/>
+          </p:cNvPicPr>
+          <p:nvPr>
+            <p:ph idx="1"/>
+          </p:nvPr>
+        </p:nvPicPr>
+        <p:blipFill>
+          <a:blip r:embed="rId3">
+            <a:extLst>
+              <a:ext uri="{28A0092B-C50C-407E-A947-70E740481C1C}">
+                <a14:useLocalDpi xmlns:a14="http://schemas.microsoft.com/office/drawing/2010/main" val="0"/>
+              </a:ext>
+            </a:extLst>
+          </a:blip>
+          <a:stretch>
+            <a:fillRect/>
+          </a:stretch>
+        </p:blipFill>
+        <p:spPr>
+          <a:xfrm>
+            <a:off x="5189926" y="1962871"/>
+            <a:ext cx="2612129" cy="3932238"/>
+          </a:xfrm>
         </p:spPr>
       </p:pic>
     </p:spTree>

--- a/4th_year/Slides/8_information-extraction.pptx
+++ b/4th_year/Slides/8_information-extraction.pptx
@@ -3166,7 +3166,7 @@
           <a:p>
             <a:fld id="{FFFFC84B-3D85-6C41-A6B8-B4414FE774B1}" type="datetimeFigureOut">
               <a:rPr lang="ru-RU" smtClean="0"/>
-              <a:t>15.12.2022</a:t>
+              <a:t>17.12.2023</a:t>
             </a:fld>
             <a:endParaRPr lang="ru-RU"/>
           </a:p>
@@ -3332,7 +3332,7 @@
           <a:p>
             <a:fld id="{F13716B1-732F-724E-A7CA-7EEA59C7677F}" type="datetimeFigureOut">
               <a:rPr lang="ru-RU" smtClean="0"/>
-              <a:t>15.12.2022</a:t>
+              <a:t>17.12.2023</a:t>
             </a:fld>
             <a:endParaRPr lang="ru-RU"/>
           </a:p>
@@ -4037,7 +4037,7 @@
           <a:p>
             <a:fld id="{1BD29B5A-6FA8-1944-AA09-C15FC1C1D3F4}" type="datetime1">
               <a:rPr lang="ru-RU" smtClean="0"/>
-              <a:t>15.12.2022</a:t>
+              <a:t>17.12.2023</a:t>
             </a:fld>
             <a:endParaRPr lang="en-US"/>
           </a:p>
@@ -4676,7 +4676,7 @@
           <a:p>
             <a:fld id="{F2FC5981-F633-F348-AD61-7B45C71F3E85}" type="datetime1">
               <a:rPr lang="ru-RU" smtClean="0"/>
-              <a:t>15.12.2022</a:t>
+              <a:t>17.12.2023</a:t>
             </a:fld>
             <a:endParaRPr lang="en-US"/>
           </a:p>
@@ -5248,7 +5248,7 @@
           <a:p>
             <a:fld id="{6FFD786A-2766-434F-838B-70C1C90B5D16}" type="datetime1">
               <a:rPr lang="ru-RU" smtClean="0"/>
-              <a:t>15.12.2022</a:t>
+              <a:t>17.12.2023</a:t>
             </a:fld>
             <a:endParaRPr lang="en-US"/>
           </a:p>
@@ -5782,7 +5782,7 @@
           <a:p>
             <a:fld id="{219A4372-FACA-7E4C-A5AE-21327F1AE80E}" type="datetime1">
               <a:rPr lang="ru-RU" smtClean="0"/>
-              <a:t>15.12.2022</a:t>
+              <a:t>17.12.2023</a:t>
             </a:fld>
             <a:endParaRPr lang="en-US"/>
           </a:p>
@@ -6212,7 +6212,7 @@
           <a:p>
             <a:fld id="{E7B5BAFD-5FFD-9943-A6D9-C73E16B0CF16}" type="datetime1">
               <a:rPr lang="ru-RU" smtClean="0"/>
-              <a:t>15.12.2022</a:t>
+              <a:t>17.12.2023</a:t>
             </a:fld>
             <a:endParaRPr lang="en-US"/>
           </a:p>
@@ -6673,7 +6673,7 @@
           <a:p>
             <a:fld id="{BC572BD1-4709-774A-89D6-8CE2CC57B254}" type="datetime1">
               <a:rPr lang="ru-RU" smtClean="0"/>
-              <a:t>15.12.2022</a:t>
+              <a:t>17.12.2023</a:t>
             </a:fld>
             <a:endParaRPr lang="en-US"/>
           </a:p>
@@ -7103,7 +7103,7 @@
           <a:p>
             <a:fld id="{8FECC34A-0083-CB4F-A689-7874457D3ACA}" type="datetime1">
               <a:rPr lang="ru-RU" smtClean="0"/>
-              <a:t>15.12.2022</a:t>
+              <a:t>17.12.2023</a:t>
             </a:fld>
             <a:endParaRPr lang="en-US"/>
           </a:p>
@@ -7577,7 +7577,7 @@
           <a:p>
             <a:fld id="{E7CDB9D1-567A-1142-B4B5-240469426B94}" type="datetime1">
               <a:rPr lang="ru-RU" smtClean="0"/>
-              <a:t>15.12.2022</a:t>
+              <a:t>17.12.2023</a:t>
             </a:fld>
             <a:endParaRPr lang="en-US"/>
           </a:p>
@@ -8027,7 +8027,7 @@
           <a:p>
             <a:fld id="{EDB4058E-86B3-C342-9B3C-0A119089C657}" type="datetime1">
               <a:rPr lang="ru-RU" smtClean="0"/>
-              <a:t>15.12.2022</a:t>
+              <a:t>17.12.2023</a:t>
             </a:fld>
             <a:endParaRPr lang="en-US"/>
           </a:p>
@@ -8547,7 +8547,7 @@
           <a:p>
             <a:fld id="{6D121555-D9A8-204A-BF89-CA3ABD3E8C1B}" type="datetime1">
               <a:rPr lang="ru-RU" smtClean="0"/>
-              <a:t>15.12.2022</a:t>
+              <a:t>17.12.2023</a:t>
             </a:fld>
             <a:endParaRPr lang="en-US"/>
           </a:p>
@@ -9323,7 +9323,7 @@
           <a:p>
             <a:fld id="{36A109C3-556C-0C47-9F31-A86A6A8AD1C2}" type="datetime1">
               <a:rPr lang="ru-RU" smtClean="0"/>
-              <a:t>15.12.2022</a:t>
+              <a:t>17.12.2023</a:t>
             </a:fld>
             <a:endParaRPr lang="en-US"/>
           </a:p>
@@ -9669,7 +9669,7 @@
           <a:p>
             <a:fld id="{28EDD308-17E7-C441-9B31-E79F70629A6B}" type="datetime1">
               <a:rPr lang="ru-RU" smtClean="0"/>
-              <a:t>15.12.2022</a:t>
+              <a:t>17.12.2023</a:t>
             </a:fld>
             <a:endParaRPr lang="en-US"/>
           </a:p>
@@ -9938,7 +9938,7 @@
           <a:p>
             <a:fld id="{DCAA0E54-BF3A-7641-B831-A2A6C76295EB}" type="datetime1">
               <a:rPr lang="ru-RU" smtClean="0"/>
-              <a:t>15.12.2022</a:t>
+              <a:t>17.12.2023</a:t>
             </a:fld>
             <a:endParaRPr lang="en-US"/>
           </a:p>
@@ -10523,7 +10523,7 @@
           <a:p>
             <a:fld id="{6B72F7C5-D193-F942-884E-11273B3099B3}" type="datetime1">
               <a:rPr lang="ru-RU" smtClean="0"/>
-              <a:t>15.12.2022</a:t>
+              <a:t>17.12.2023</a:t>
             </a:fld>
             <a:endParaRPr lang="en-US"/>
           </a:p>
@@ -10761,7 +10761,7 @@
           <a:p>
             <a:fld id="{581EF739-069F-D042-A101-DAD394F2F4A6}" type="datetime1">
               <a:rPr lang="ru-RU" smtClean="0"/>
-              <a:t>15.12.2022</a:t>
+              <a:t>17.12.2023</a:t>
             </a:fld>
             <a:endParaRPr lang="en-US"/>
           </a:p>
@@ -11333,7 +11333,7 @@
                 <a:latin typeface="Cambria"/>
                 <a:cs typeface="Cambria"/>
               </a:rPr>
-              <a:t>22</a:t>
+              <a:t>23</a:t>
             </a:r>
             <a:endParaRPr lang="ru-RU" sz="2200" dirty="0">
               <a:latin typeface="Cambria"/>
